--- a/doc/slides/day4/session3/RunningWorkflows.pptx
+++ b/doc/slides/day4/session3/RunningWorkflows.pptx
@@ -560,6 +560,148 @@
         </p:txBody>
       </p:sp>
     </p:spTree>
+  </p:cSld>
+  <p:clrMapOvr>
+    <a:masterClrMapping/>
+  </p:clrMapOvr>
+</p:notes>
+</file>
+
+<file path=ppt/notesSlides/notesSlide2.xml><?xml version="1.0" encoding="utf-8"?>
+<p:notes xmlns:a="http://schemas.openxmlformats.org/drawingml/2006/main" xmlns:r="http://schemas.openxmlformats.org/officeDocument/2006/relationships" xmlns:p="http://schemas.openxmlformats.org/presentationml/2006/main">
+  <p:cSld>
+    <p:spTree>
+      <p:nvGrpSpPr>
+        <p:cNvPr id="1" name=""/>
+        <p:cNvGrpSpPr/>
+        <p:nvPr/>
+      </p:nvGrpSpPr>
+      <p:grpSpPr>
+        <a:xfrm>
+          <a:off x="0" y="0"/>
+          <a:ext cx="0" cy="0"/>
+          <a:chOff x="0" y="0"/>
+          <a:chExt cx="0" cy="0"/>
+        </a:xfrm>
+      </p:grpSpPr>
+      <p:sp>
+        <p:nvSpPr>
+          <p:cNvPr id="2" name="Tijdelijke aanduiding voor dia-afbeelding 1"/>
+          <p:cNvSpPr>
+            <a:spLocks noGrp="1" noRot="1" noChangeAspect="1"/>
+          </p:cNvSpPr>
+          <p:nvPr>
+            <p:ph type="sldImg"/>
+          </p:nvPr>
+        </p:nvSpPr>
+        <p:spPr/>
+      </p:sp>
+      <p:sp>
+        <p:nvSpPr>
+          <p:cNvPr id="3" name="Tijdelijke aanduiding voor notities 2"/>
+          <p:cNvSpPr>
+            <a:spLocks noGrp="1"/>
+          </p:cNvSpPr>
+          <p:nvPr>
+            <p:ph type="body" idx="1"/>
+          </p:nvPr>
+        </p:nvSpPr>
+        <p:spPr/>
+        <p:txBody>
+          <a:bodyPr/>
+          <a:lstStyle/>
+          <a:p>
+            <a:r>
+              <a:rPr lang="nl-NL" dirty="0" err="1" smtClean="0"/>
+              <a:t>Then</a:t>
+            </a:r>
+            <a:r>
+              <a:rPr lang="nl-NL" dirty="0" smtClean="0"/>
+              <a:t> </a:t>
+            </a:r>
+            <a:r>
+              <a:rPr lang="nl-NL" dirty="0" err="1" smtClean="0"/>
+              <a:t>here</a:t>
+            </a:r>
+            <a:r>
+              <a:rPr lang="nl-NL" dirty="0" smtClean="0"/>
+              <a:t> we do:</a:t>
+            </a:r>
+          </a:p>
+          <a:p>
+            <a:r>
+              <a:rPr lang="nl-NL" dirty="0" smtClean="0"/>
+              <a:t>1 bwa index</a:t>
+            </a:r>
+            <a:r>
+              <a:rPr lang="nl-NL" baseline="0" dirty="0" smtClean="0"/>
+              <a:t>, </a:t>
+            </a:r>
+            <a:r>
+              <a:rPr lang="nl-NL" baseline="0" dirty="0" err="1" smtClean="0"/>
+              <a:t>align</a:t>
+            </a:r>
+            <a:r>
+              <a:rPr lang="nl-NL" baseline="0" dirty="0" smtClean="0"/>
+              <a:t>, </a:t>
+            </a:r>
+            <a:r>
+              <a:rPr lang="nl-NL" baseline="0" dirty="0" err="1" smtClean="0"/>
+              <a:t>sampe</a:t>
+            </a:r>
+            <a:endParaRPr lang="nl-NL" baseline="0" dirty="0" smtClean="0"/>
+          </a:p>
+          <a:p>
+            <a:r>
+              <a:rPr lang="nl-NL" baseline="0" dirty="0" smtClean="0"/>
+              <a:t>2 </a:t>
+            </a:r>
+            <a:r>
+              <a:rPr lang="nl-NL" baseline="0" dirty="0" err="1" smtClean="0"/>
+              <a:t>samtools</a:t>
+            </a:r>
+            <a:r>
+              <a:rPr lang="nl-NL" baseline="0" dirty="0" smtClean="0"/>
+              <a:t> index, filter</a:t>
+            </a:r>
+            <a:r>
+              <a:rPr lang="nl-NL" baseline="0" smtClean="0"/>
+              <a:t>, etc.</a:t>
+            </a:r>
+            <a:endParaRPr lang="nl-NL"/>
+          </a:p>
+        </p:txBody>
+      </p:sp>
+      <p:sp>
+        <p:nvSpPr>
+          <p:cNvPr id="4" name="Tijdelijke aanduiding voor dianummer 3"/>
+          <p:cNvSpPr>
+            <a:spLocks noGrp="1"/>
+          </p:cNvSpPr>
+          <p:nvPr>
+            <p:ph type="sldNum" sz="quarter" idx="10"/>
+          </p:nvPr>
+        </p:nvSpPr>
+        <p:spPr/>
+        <p:txBody>
+          <a:bodyPr/>
+          <a:lstStyle/>
+          <a:p>
+            <a:fld id="{A8D3709B-AE5A-E84B-A997-B124ABB215ED}" type="slidenum">
+              <a:rPr lang="en-US" smtClean="0"/>
+              <a:pPr/>
+              <a:t>6</a:t>
+            </a:fld>
+            <a:endParaRPr lang="en-US"/>
+          </a:p>
+        </p:txBody>
+      </p:sp>
+    </p:spTree>
+    <p:extLst>
+      <p:ext uri="{BB962C8B-B14F-4D97-AF65-F5344CB8AC3E}">
+        <p14:creationId xmlns:p14="http://schemas.microsoft.com/office/powerpoint/2010/main" val="3039443155"/>
+      </p:ext>
+    </p:extLst>
   </p:cSld>
   <p:clrMapOvr>
     <a:masterClrMapping/>

--- a/doc/slides/day4/session3/RunningWorkflows.pptx
+++ b/doc/slides/day4/session3/RunningWorkflows.pptx
@@ -16,7 +16,6 @@
     <p:sldId id="259" r:id="rId9"/>
     <p:sldId id="260" r:id="rId10"/>
     <p:sldId id="261" r:id="rId11"/>
-    <p:sldId id="262" r:id="rId12"/>
   </p:sldIdLst>
   <p:sldSz cx="9144000" cy="6858000"/>
   <p:notesSz cx="6858000" cy="9144000"/>
@@ -42,7 +41,7 @@
       </p:grpSpPr>
       <p:sp>
         <p:nvSpPr>
-          <p:cNvPr id="112" name="PlaceHolder 1"/>
+          <p:cNvPr id="103" name="PlaceHolder 1"/>
           <p:cNvSpPr>
             <a:spLocks noGrp="1"/>
           </p:cNvSpPr>
@@ -72,7 +71,7 @@
       </p:sp>
       <p:sp>
         <p:nvSpPr>
-          <p:cNvPr id="113" name="PlaceHolder 2"/>
+          <p:cNvPr id="104" name="PlaceHolder 2"/>
           <p:cNvSpPr>
             <a:spLocks noGrp="1"/>
           </p:cNvSpPr>
@@ -102,7 +101,7 @@
       </p:sp>
       <p:sp>
         <p:nvSpPr>
-          <p:cNvPr id="114" name="PlaceHolder 3"/>
+          <p:cNvPr id="105" name="PlaceHolder 3"/>
           <p:cNvSpPr>
             <a:spLocks noGrp="1"/>
           </p:cNvSpPr>
@@ -133,7 +132,7 @@
       </p:sp>
       <p:sp>
         <p:nvSpPr>
-          <p:cNvPr id="115" name="PlaceHolder 4"/>
+          <p:cNvPr id="106" name="PlaceHolder 4"/>
           <p:cNvSpPr>
             <a:spLocks noGrp="1"/>
           </p:cNvSpPr>
@@ -163,7 +162,7 @@
       </p:sp>
       <p:sp>
         <p:nvSpPr>
-          <p:cNvPr id="116" name="PlaceHolder 5"/>
+          <p:cNvPr id="107" name="PlaceHolder 5"/>
           <p:cNvSpPr>
             <a:spLocks noGrp="1"/>
           </p:cNvSpPr>
@@ -184,7 +183,7 @@
           <a:bodyPr anchor="b" bIns="0" lIns="0" rIns="0" tIns="0" wrap="none"/>
           <a:p>
             <a:pPr algn="r"/>
-            <a:fld id="{21D1A191-7101-41D1-A1C1-1111D131E1A1}" type="slidenum">
+            <a:fld id="{A11141E1-4171-41B1-A141-C1D161311161}" type="slidenum">
               <a:rPr lang="en-US"/>
               <a:t>&lt;number&gt;</a:t>
             </a:fld>
@@ -217,7 +216,7 @@
       </p:grpSpPr>
       <p:sp>
         <p:nvSpPr>
-          <p:cNvPr id="134" name="PlaceHolder 1"/>
+          <p:cNvPr id="124" name="PlaceHolder 1"/>
           <p:cNvSpPr>
             <a:spLocks noGrp="1"/>
           </p:cNvSpPr>
@@ -228,7 +227,7 @@
         <p:spPr>
           <a:xfrm>
             <a:off x="0" y="0"/>
-            <a:ext cx="-11796840" cy="-11796840"/>
+            <a:ext cx="11793240" cy="11793240"/>
           </a:xfrm>
           <a:prstGeom prst="rect">
             <a:avLst/>
@@ -247,14 +246,14 @@
       </p:sp>
       <p:sp>
         <p:nvSpPr>
-          <p:cNvPr id="135" name="TextShape 2"/>
-          <p:cNvSpPr txBox="1"/>
+          <p:cNvPr id="125" name="CustomShape 2"/>
+          <p:cNvSpPr/>
           <p:nvPr/>
         </p:nvSpPr>
         <p:spPr>
           <a:xfrm>
             <a:off x="0" y="0"/>
-            <a:ext cx="-11796840" cy="-11796840"/>
+            <a:ext cx="11793240" cy="11793240"/>
           </a:xfrm>
           <a:prstGeom prst="rect">
             <a:avLst/>
@@ -268,110 +267,7 @@
                 <a:spcPct val="100000"/>
               </a:lnSpc>
             </a:pPr>
-            <a:fld id="{5171C1B1-E151-4191-B101-714101D14171}" type="slidenum">
-              <a:rPr lang="en-US">
-                <a:solidFill>
-                  <a:srgbClr val="000000"/>
-                </a:solidFill>
-                <a:latin typeface="+mn-lt"/>
-                <a:ea typeface="+mn-ea"/>
-              </a:rPr>
-              <a:t>&lt;number&gt;</a:t>
-            </a:fld>
-            <a:endParaRPr/>
-          </a:p>
-        </p:txBody>
-      </p:sp>
-    </p:spTree>
-  </p:cSld>
-</p:notes>
-</file>
-
-<file path=ppt/notesSlides/notesSlide6.xml><?xml version="1.0" encoding="utf-8"?>
-<p:notes xmlns:a="http://schemas.openxmlformats.org/drawingml/2006/main" xmlns:p="http://schemas.openxmlformats.org/presentationml/2006/main" xmlns:r="http://schemas.openxmlformats.org/officeDocument/2006/relationships">
-  <p:cSld>
-    <p:spTree>
-      <p:nvGrpSpPr>
-        <p:cNvPr id="1" name=""/>
-        <p:cNvGrpSpPr/>
-        <p:nvPr/>
-      </p:nvGrpSpPr>
-      <p:grpSpPr>
-        <a:xfrm>
-          <a:off x="0" y="0"/>
-          <a:ext cx="0" cy="0"/>
-          <a:chOff x="0" y="0"/>
-          <a:chExt cx="0" cy="0"/>
-        </a:xfrm>
-      </p:grpSpPr>
-      <p:sp>
-        <p:nvSpPr>
-          <p:cNvPr id="136" name="PlaceHolder 1"/>
-          <p:cNvSpPr>
-            <a:spLocks noGrp="1"/>
-          </p:cNvSpPr>
-          <p:nvPr>
-            <p:ph type="body"/>
-          </p:nvPr>
-        </p:nvSpPr>
-        <p:spPr>
-          <a:xfrm>
-            <a:off x="0" y="0"/>
-            <a:ext cx="-11796840" cy="-11796840"/>
-          </a:xfrm>
-          <a:prstGeom prst="rect">
-            <a:avLst/>
-          </a:prstGeom>
-        </p:spPr>
-        <p:txBody>
-          <a:bodyPr bIns="45000" lIns="90000" rIns="90000" tIns="45000"/>
-          <a:p>
-            <a:r>
-              <a:rPr lang="en-US"/>
-              <a:t>Then here we do:</a:t>
-            </a:r>
-            <a:endParaRPr/>
-          </a:p>
-          <a:p>
-            <a:r>
-              <a:rPr lang="en-US"/>
-              <a:t>1 bwa index, align, sampe</a:t>
-            </a:r>
-            <a:endParaRPr/>
-          </a:p>
-          <a:p>
-            <a:r>
-              <a:rPr lang="en-US"/>
-              <a:t>2 samtools index, filter, etc.</a:t>
-            </a:r>
-            <a:endParaRPr/>
-          </a:p>
-        </p:txBody>
-      </p:sp>
-      <p:sp>
-        <p:nvSpPr>
-          <p:cNvPr id="137" name="TextShape 2"/>
-          <p:cNvSpPr txBox="1"/>
-          <p:nvPr/>
-        </p:nvSpPr>
-        <p:spPr>
-          <a:xfrm>
-            <a:off x="0" y="0"/>
-            <a:ext cx="-11796840" cy="-11796840"/>
-          </a:xfrm>
-          <a:prstGeom prst="rect">
-            <a:avLst/>
-          </a:prstGeom>
-        </p:spPr>
-        <p:txBody>
-          <a:bodyPr bIns="45000" lIns="90000" rIns="90000" tIns="45000"/>
-          <a:p>
-            <a:pPr>
-              <a:lnSpc>
-                <a:spcPct val="100000"/>
-              </a:lnSpc>
-            </a:pPr>
-            <a:fld id="{11018121-5121-4111-91F1-B101E1E15181}" type="slidenum">
+            <a:fld id="{B141C151-61E1-4141-8191-F181F141B181}" type="slidenum">
               <a:rPr lang="en-US">
                 <a:solidFill>
                   <a:srgbClr val="000000"/>
@@ -431,7 +327,7 @@
       </p:grpSpPr>
       <p:sp>
         <p:nvSpPr>
-          <p:cNvPr id="26" name="PlaceHolder 1"/>
+          <p:cNvPr id="23" name="PlaceHolder 1"/>
           <p:cNvSpPr>
             <a:spLocks noGrp="1"/>
           </p:cNvSpPr>
@@ -442,7 +338,7 @@
         <p:spPr>
           <a:xfrm>
             <a:off x="457200" y="274680"/>
-            <a:ext cx="8229240" cy="1143000"/>
+            <a:ext cx="8225640" cy="1143000"/>
           </a:xfrm>
           <a:prstGeom prst="rect">
             <a:avLst/>
@@ -451,13 +347,14 @@
         <p:txBody>
           <a:bodyPr anchor="ctr" bIns="0" lIns="0" rIns="0" tIns="0" wrap="none"/>
           <a:p>
-            <a:endParaRPr/>
-          </a:p>
-        </p:txBody>
-      </p:sp>
-      <p:sp>
-        <p:nvSpPr>
-          <p:cNvPr id="27" name="PlaceHolder 2"/>
+            <a:pPr algn="ctr"/>
+            <a:endParaRPr/>
+          </a:p>
+        </p:txBody>
+      </p:sp>
+      <p:sp>
+        <p:nvSpPr>
+          <p:cNvPr id="24" name="PlaceHolder 2"/>
           <p:cNvSpPr>
             <a:spLocks noGrp="1"/>
           </p:cNvSpPr>
@@ -468,33 +365,33 @@
         <p:spPr>
           <a:xfrm>
             <a:off x="457200" y="1600200"/>
-            <a:ext cx="8229240" cy="2158200"/>
-          </a:xfrm>
-          <a:prstGeom prst="rect">
-            <a:avLst/>
-          </a:prstGeom>
-        </p:spPr>
-        <p:txBody>
-          <a:bodyPr bIns="0" lIns="0" rIns="0" tIns="0" wrap="none"/>
-          <a:p>
-            <a:endParaRPr/>
-          </a:p>
-        </p:txBody>
-      </p:sp>
-      <p:sp>
-        <p:nvSpPr>
-          <p:cNvPr id="28" name="PlaceHolder 3"/>
-          <p:cNvSpPr>
-            <a:spLocks noGrp="1"/>
-          </p:cNvSpPr>
-          <p:nvPr>
-            <p:ph type="body"/>
-          </p:nvPr>
-        </p:nvSpPr>
-        <p:spPr>
-          <a:xfrm>
-            <a:off x="457200" y="3963600"/>
-            <a:ext cx="8229240" cy="2158200"/>
+            <a:ext cx="5040" cy="2156760"/>
+          </a:xfrm>
+          <a:prstGeom prst="rect">
+            <a:avLst/>
+          </a:prstGeom>
+        </p:spPr>
+        <p:txBody>
+          <a:bodyPr bIns="0" lIns="0" rIns="0" tIns="0" wrap="none"/>
+          <a:p>
+            <a:endParaRPr/>
+          </a:p>
+        </p:txBody>
+      </p:sp>
+      <p:sp>
+        <p:nvSpPr>
+          <p:cNvPr id="25" name="PlaceHolder 3"/>
+          <p:cNvSpPr>
+            <a:spLocks noGrp="1"/>
+          </p:cNvSpPr>
+          <p:nvPr>
+            <p:ph type="body"/>
+          </p:nvPr>
+        </p:nvSpPr>
+        <p:spPr>
+          <a:xfrm>
+            <a:off x="457200" y="3962160"/>
+            <a:ext cx="5040" cy="2156760"/>
           </a:xfrm>
           <a:prstGeom prst="rect">
             <a:avLst/>
@@ -531,7 +428,7 @@
       </p:grpSpPr>
       <p:sp>
         <p:nvSpPr>
-          <p:cNvPr id="29" name="PlaceHolder 1"/>
+          <p:cNvPr id="26" name="PlaceHolder 1"/>
           <p:cNvSpPr>
             <a:spLocks noGrp="1"/>
           </p:cNvSpPr>
@@ -542,7 +439,7 @@
         <p:spPr>
           <a:xfrm>
             <a:off x="457200" y="274680"/>
-            <a:ext cx="8229240" cy="1143000"/>
+            <a:ext cx="8225640" cy="1143000"/>
           </a:xfrm>
           <a:prstGeom prst="rect">
             <a:avLst/>
@@ -551,13 +448,14 @@
         <p:txBody>
           <a:bodyPr anchor="ctr" bIns="0" lIns="0" rIns="0" tIns="0" wrap="none"/>
           <a:p>
-            <a:endParaRPr/>
-          </a:p>
-        </p:txBody>
-      </p:sp>
-      <p:sp>
-        <p:nvSpPr>
-          <p:cNvPr id="30" name="PlaceHolder 2"/>
+            <a:pPr algn="ctr"/>
+            <a:endParaRPr/>
+          </a:p>
+        </p:txBody>
+      </p:sp>
+      <p:sp>
+        <p:nvSpPr>
+          <p:cNvPr id="27" name="PlaceHolder 2"/>
           <p:cNvSpPr>
             <a:spLocks noGrp="1"/>
           </p:cNvSpPr>
@@ -568,85 +466,85 @@
         <p:spPr>
           <a:xfrm>
             <a:off x="457200" y="1600200"/>
-            <a:ext cx="4015440" cy="2158200"/>
-          </a:xfrm>
-          <a:prstGeom prst="rect">
-            <a:avLst/>
-          </a:prstGeom>
-        </p:spPr>
-        <p:txBody>
-          <a:bodyPr bIns="0" lIns="0" rIns="0" tIns="0" wrap="none"/>
-          <a:p>
-            <a:endParaRPr/>
-          </a:p>
-        </p:txBody>
-      </p:sp>
-      <p:sp>
-        <p:nvSpPr>
-          <p:cNvPr id="31" name="PlaceHolder 3"/>
-          <p:cNvSpPr>
-            <a:spLocks noGrp="1"/>
-          </p:cNvSpPr>
-          <p:nvPr>
-            <p:ph type="body"/>
-          </p:nvPr>
-        </p:nvSpPr>
-        <p:spPr>
-          <a:xfrm>
-            <a:off x="4673520" y="1600200"/>
-            <a:ext cx="4015440" cy="2158200"/>
-          </a:xfrm>
-          <a:prstGeom prst="rect">
-            <a:avLst/>
-          </a:prstGeom>
-        </p:spPr>
-        <p:txBody>
-          <a:bodyPr bIns="0" lIns="0" rIns="0" tIns="0" wrap="none"/>
-          <a:p>
-            <a:endParaRPr/>
-          </a:p>
-        </p:txBody>
-      </p:sp>
-      <p:sp>
-        <p:nvSpPr>
-          <p:cNvPr id="32" name="PlaceHolder 4"/>
-          <p:cNvSpPr>
-            <a:spLocks noGrp="1"/>
-          </p:cNvSpPr>
-          <p:nvPr>
-            <p:ph type="body"/>
-          </p:nvPr>
-        </p:nvSpPr>
-        <p:spPr>
-          <a:xfrm>
-            <a:off x="4673520" y="3963600"/>
-            <a:ext cx="4015440" cy="2158200"/>
-          </a:xfrm>
-          <a:prstGeom prst="rect">
-            <a:avLst/>
-          </a:prstGeom>
-        </p:spPr>
-        <p:txBody>
-          <a:bodyPr bIns="0" lIns="0" rIns="0" tIns="0" wrap="none"/>
-          <a:p>
-            <a:endParaRPr/>
-          </a:p>
-        </p:txBody>
-      </p:sp>
-      <p:sp>
-        <p:nvSpPr>
-          <p:cNvPr id="33" name="PlaceHolder 5"/>
-          <p:cNvSpPr>
-            <a:spLocks noGrp="1"/>
-          </p:cNvSpPr>
-          <p:nvPr>
-            <p:ph type="body"/>
-          </p:nvPr>
-        </p:nvSpPr>
-        <p:spPr>
-          <a:xfrm>
-            <a:off x="457200" y="3963600"/>
-            <a:ext cx="4015440" cy="2158200"/>
+            <a:ext cx="2160" cy="2156760"/>
+          </a:xfrm>
+          <a:prstGeom prst="rect">
+            <a:avLst/>
+          </a:prstGeom>
+        </p:spPr>
+        <p:txBody>
+          <a:bodyPr bIns="0" lIns="0" rIns="0" tIns="0" wrap="none"/>
+          <a:p>
+            <a:endParaRPr/>
+          </a:p>
+        </p:txBody>
+      </p:sp>
+      <p:sp>
+        <p:nvSpPr>
+          <p:cNvPr id="28" name="PlaceHolder 3"/>
+          <p:cNvSpPr>
+            <a:spLocks noGrp="1"/>
+          </p:cNvSpPr>
+          <p:nvPr>
+            <p:ph type="body"/>
+          </p:nvPr>
+        </p:nvSpPr>
+        <p:spPr>
+          <a:xfrm>
+            <a:off x="459720" y="1600200"/>
+            <a:ext cx="2160" cy="2156760"/>
+          </a:xfrm>
+          <a:prstGeom prst="rect">
+            <a:avLst/>
+          </a:prstGeom>
+        </p:spPr>
+        <p:txBody>
+          <a:bodyPr bIns="0" lIns="0" rIns="0" tIns="0" wrap="none"/>
+          <a:p>
+            <a:endParaRPr/>
+          </a:p>
+        </p:txBody>
+      </p:sp>
+      <p:sp>
+        <p:nvSpPr>
+          <p:cNvPr id="29" name="PlaceHolder 4"/>
+          <p:cNvSpPr>
+            <a:spLocks noGrp="1"/>
+          </p:cNvSpPr>
+          <p:nvPr>
+            <p:ph type="body"/>
+          </p:nvPr>
+        </p:nvSpPr>
+        <p:spPr>
+          <a:xfrm>
+            <a:off x="459720" y="3962160"/>
+            <a:ext cx="2160" cy="2156760"/>
+          </a:xfrm>
+          <a:prstGeom prst="rect">
+            <a:avLst/>
+          </a:prstGeom>
+        </p:spPr>
+        <p:txBody>
+          <a:bodyPr bIns="0" lIns="0" rIns="0" tIns="0" wrap="none"/>
+          <a:p>
+            <a:endParaRPr/>
+          </a:p>
+        </p:txBody>
+      </p:sp>
+      <p:sp>
+        <p:nvSpPr>
+          <p:cNvPr id="30" name="PlaceHolder 5"/>
+          <p:cNvSpPr>
+            <a:spLocks noGrp="1"/>
+          </p:cNvSpPr>
+          <p:nvPr>
+            <p:ph type="body"/>
+          </p:nvPr>
+        </p:nvSpPr>
+        <p:spPr>
+          <a:xfrm>
+            <a:off x="457200" y="3962160"/>
+            <a:ext cx="2160" cy="2156760"/>
           </a:xfrm>
           <a:prstGeom prst="rect">
             <a:avLst/>
@@ -683,7 +581,7 @@
       </p:grpSpPr>
       <p:sp>
         <p:nvSpPr>
-          <p:cNvPr id="34" name="PlaceHolder 1"/>
+          <p:cNvPr id="31" name="PlaceHolder 1"/>
           <p:cNvSpPr>
             <a:spLocks noGrp="1"/>
           </p:cNvSpPr>
@@ -694,7 +592,7 @@
         <p:spPr>
           <a:xfrm>
             <a:off x="457200" y="274680"/>
-            <a:ext cx="8229240" cy="1143000"/>
+            <a:ext cx="8225640" cy="1143000"/>
           </a:xfrm>
           <a:prstGeom prst="rect">
             <a:avLst/>
@@ -703,13 +601,14 @@
         <p:txBody>
           <a:bodyPr anchor="ctr" bIns="0" lIns="0" rIns="0" tIns="0" wrap="none"/>
           <a:p>
-            <a:endParaRPr/>
-          </a:p>
-        </p:txBody>
-      </p:sp>
-      <p:sp>
-        <p:nvSpPr>
-          <p:cNvPr id="35" name="PlaceHolder 2"/>
+            <a:pPr algn="ctr"/>
+            <a:endParaRPr/>
+          </a:p>
+        </p:txBody>
+      </p:sp>
+      <p:sp>
+        <p:nvSpPr>
+          <p:cNvPr id="32" name="PlaceHolder 2"/>
           <p:cNvSpPr>
             <a:spLocks noGrp="1"/>
           </p:cNvSpPr>
@@ -720,33 +619,33 @@
         <p:spPr>
           <a:xfrm>
             <a:off x="457200" y="1600200"/>
-            <a:ext cx="4015440" cy="2158200"/>
-          </a:xfrm>
-          <a:prstGeom prst="rect">
-            <a:avLst/>
-          </a:prstGeom>
-        </p:spPr>
-        <p:txBody>
-          <a:bodyPr bIns="0" lIns="0" rIns="0" tIns="0" wrap="none"/>
-          <a:p>
-            <a:endParaRPr/>
-          </a:p>
-        </p:txBody>
-      </p:sp>
-      <p:sp>
-        <p:nvSpPr>
-          <p:cNvPr id="36" name="PlaceHolder 3"/>
-          <p:cNvSpPr>
-            <a:spLocks noGrp="1"/>
-          </p:cNvSpPr>
-          <p:nvPr>
-            <p:ph type="body"/>
-          </p:nvPr>
-        </p:nvSpPr>
-        <p:spPr>
-          <a:xfrm>
-            <a:off x="4673520" y="1600200"/>
-            <a:ext cx="4015440" cy="2158200"/>
+            <a:ext cx="2160" cy="2156760"/>
+          </a:xfrm>
+          <a:prstGeom prst="rect">
+            <a:avLst/>
+          </a:prstGeom>
+        </p:spPr>
+        <p:txBody>
+          <a:bodyPr bIns="0" lIns="0" rIns="0" tIns="0" wrap="none"/>
+          <a:p>
+            <a:endParaRPr/>
+          </a:p>
+        </p:txBody>
+      </p:sp>
+      <p:sp>
+        <p:nvSpPr>
+          <p:cNvPr id="33" name="PlaceHolder 3"/>
+          <p:cNvSpPr>
+            <a:spLocks noGrp="1"/>
+          </p:cNvSpPr>
+          <p:nvPr>
+            <p:ph type="body"/>
+          </p:nvPr>
+        </p:nvSpPr>
+        <p:spPr>
+          <a:xfrm>
+            <a:off x="459720" y="1600200"/>
+            <a:ext cx="2160" cy="2156760"/>
           </a:xfrm>
           <a:prstGeom prst="rect">
             <a:avLst/>
@@ -805,7 +704,7 @@
       </p:grpSpPr>
       <p:sp>
         <p:nvSpPr>
-          <p:cNvPr id="43" name="PlaceHolder 1"/>
+          <p:cNvPr id="37" name="PlaceHolder 1"/>
           <p:cNvSpPr>
             <a:spLocks noGrp="1"/>
           </p:cNvSpPr>
@@ -816,7 +715,7 @@
         <p:spPr>
           <a:xfrm>
             <a:off x="457200" y="274680"/>
-            <a:ext cx="8229240" cy="1143000"/>
+            <a:ext cx="8225640" cy="1143000"/>
           </a:xfrm>
           <a:prstGeom prst="rect">
             <a:avLst/>
@@ -825,13 +724,14 @@
         <p:txBody>
           <a:bodyPr anchor="ctr" bIns="0" lIns="0" rIns="0" tIns="0" wrap="none"/>
           <a:p>
-            <a:endParaRPr/>
-          </a:p>
-        </p:txBody>
-      </p:sp>
-      <p:sp>
-        <p:nvSpPr>
-          <p:cNvPr id="44" name="PlaceHolder 2"/>
+            <a:pPr algn="ctr"/>
+            <a:endParaRPr/>
+          </a:p>
+        </p:txBody>
+      </p:sp>
+      <p:sp>
+        <p:nvSpPr>
+          <p:cNvPr id="38" name="PlaceHolder 2"/>
           <p:cNvSpPr>
             <a:spLocks noGrp="1"/>
           </p:cNvSpPr>
@@ -841,8 +741,8 @@
         </p:nvSpPr>
         <p:spPr>
           <a:xfrm>
-            <a:off x="457200" y="1600200"/>
-            <a:ext cx="8229240" cy="4525920"/>
+            <a:off x="457200" y="-12960"/>
+            <a:ext cx="5040" cy="7748280"/>
           </a:xfrm>
           <a:prstGeom prst="rect">
             <a:avLst/>
@@ -880,7 +780,7 @@
       </p:grpSpPr>
       <p:sp>
         <p:nvSpPr>
-          <p:cNvPr id="45" name="PlaceHolder 1"/>
+          <p:cNvPr id="39" name="PlaceHolder 1"/>
           <p:cNvSpPr>
             <a:spLocks noGrp="1"/>
           </p:cNvSpPr>
@@ -891,7 +791,7 @@
         <p:spPr>
           <a:xfrm>
             <a:off x="457200" y="274680"/>
-            <a:ext cx="8229240" cy="1143000"/>
+            <a:ext cx="8225640" cy="1143000"/>
           </a:xfrm>
           <a:prstGeom prst="rect">
             <a:avLst/>
@@ -900,13 +800,14 @@
         <p:txBody>
           <a:bodyPr anchor="ctr" bIns="0" lIns="0" rIns="0" tIns="0" wrap="none"/>
           <a:p>
-            <a:endParaRPr/>
-          </a:p>
-        </p:txBody>
-      </p:sp>
-      <p:sp>
-        <p:nvSpPr>
-          <p:cNvPr id="46" name="PlaceHolder 2"/>
+            <a:pPr algn="ctr"/>
+            <a:endParaRPr/>
+          </a:p>
+        </p:txBody>
+      </p:sp>
+      <p:sp>
+        <p:nvSpPr>
+          <p:cNvPr id="40" name="PlaceHolder 2"/>
           <p:cNvSpPr>
             <a:spLocks noGrp="1"/>
           </p:cNvSpPr>
@@ -917,7 +818,7 @@
         <p:spPr>
           <a:xfrm>
             <a:off x="457200" y="1600200"/>
-            <a:ext cx="8229240" cy="4525560"/>
+            <a:ext cx="5040" cy="4521960"/>
           </a:xfrm>
           <a:prstGeom prst="rect">
             <a:avLst/>
@@ -954,7 +855,7 @@
       </p:grpSpPr>
       <p:sp>
         <p:nvSpPr>
-          <p:cNvPr id="47" name="PlaceHolder 1"/>
+          <p:cNvPr id="41" name="PlaceHolder 1"/>
           <p:cNvSpPr>
             <a:spLocks noGrp="1"/>
           </p:cNvSpPr>
@@ -965,7 +866,7 @@
         <p:spPr>
           <a:xfrm>
             <a:off x="457200" y="274680"/>
-            <a:ext cx="8229240" cy="1143000"/>
+            <a:ext cx="8225640" cy="1143000"/>
           </a:xfrm>
           <a:prstGeom prst="rect">
             <a:avLst/>
@@ -974,13 +875,14 @@
         <p:txBody>
           <a:bodyPr anchor="ctr" bIns="0" lIns="0" rIns="0" tIns="0" wrap="none"/>
           <a:p>
-            <a:endParaRPr/>
-          </a:p>
-        </p:txBody>
-      </p:sp>
-      <p:sp>
-        <p:nvSpPr>
-          <p:cNvPr id="48" name="PlaceHolder 2"/>
+            <a:pPr algn="ctr"/>
+            <a:endParaRPr/>
+          </a:p>
+        </p:txBody>
+      </p:sp>
+      <p:sp>
+        <p:nvSpPr>
+          <p:cNvPr id="42" name="PlaceHolder 2"/>
           <p:cNvSpPr>
             <a:spLocks noGrp="1"/>
           </p:cNvSpPr>
@@ -991,33 +893,33 @@
         <p:spPr>
           <a:xfrm>
             <a:off x="457200" y="1600200"/>
-            <a:ext cx="4015440" cy="4525560"/>
-          </a:xfrm>
-          <a:prstGeom prst="rect">
-            <a:avLst/>
-          </a:prstGeom>
-        </p:spPr>
-        <p:txBody>
-          <a:bodyPr bIns="0" lIns="0" rIns="0" tIns="0" wrap="none"/>
-          <a:p>
-            <a:endParaRPr/>
-          </a:p>
-        </p:txBody>
-      </p:sp>
-      <p:sp>
-        <p:nvSpPr>
-          <p:cNvPr id="49" name="PlaceHolder 3"/>
-          <p:cNvSpPr>
-            <a:spLocks noGrp="1"/>
-          </p:cNvSpPr>
-          <p:nvPr>
-            <p:ph type="body"/>
-          </p:nvPr>
-        </p:nvSpPr>
-        <p:spPr>
-          <a:xfrm>
-            <a:off x="4673520" y="1600200"/>
-            <a:ext cx="4015440" cy="4525560"/>
+            <a:ext cx="2160" cy="4521960"/>
+          </a:xfrm>
+          <a:prstGeom prst="rect">
+            <a:avLst/>
+          </a:prstGeom>
+        </p:spPr>
+        <p:txBody>
+          <a:bodyPr bIns="0" lIns="0" rIns="0" tIns="0" wrap="none"/>
+          <a:p>
+            <a:endParaRPr/>
+          </a:p>
+        </p:txBody>
+      </p:sp>
+      <p:sp>
+        <p:nvSpPr>
+          <p:cNvPr id="43" name="PlaceHolder 3"/>
+          <p:cNvSpPr>
+            <a:spLocks noGrp="1"/>
+          </p:cNvSpPr>
+          <p:nvPr>
+            <p:ph type="body"/>
+          </p:nvPr>
+        </p:nvSpPr>
+        <p:spPr>
+          <a:xfrm>
+            <a:off x="459720" y="1600200"/>
+            <a:ext cx="2160" cy="4521960"/>
           </a:xfrm>
           <a:prstGeom prst="rect">
             <a:avLst/>
@@ -1054,7 +956,7 @@
       </p:grpSpPr>
       <p:sp>
         <p:nvSpPr>
-          <p:cNvPr id="50" name="PlaceHolder 1"/>
+          <p:cNvPr id="44" name="PlaceHolder 1"/>
           <p:cNvSpPr>
             <a:spLocks noGrp="1"/>
           </p:cNvSpPr>
@@ -1065,7 +967,7 @@
         <p:spPr>
           <a:xfrm>
             <a:off x="457200" y="274680"/>
-            <a:ext cx="8229240" cy="1143000"/>
+            <a:ext cx="8225640" cy="1143000"/>
           </a:xfrm>
           <a:prstGeom prst="rect">
             <a:avLst/>
@@ -1074,6 +976,7 @@
         <p:txBody>
           <a:bodyPr anchor="ctr" bIns="0" lIns="0" rIns="0" tIns="0" wrap="none"/>
           <a:p>
+            <a:pPr algn="ctr"/>
             <a:endParaRPr/>
           </a:p>
         </p:txBody>
@@ -1102,7 +1005,7 @@
       </p:grpSpPr>
       <p:sp>
         <p:nvSpPr>
-          <p:cNvPr id="51" name="PlaceHolder 1"/>
+          <p:cNvPr id="45" name="PlaceHolder 1"/>
           <p:cNvSpPr>
             <a:spLocks noGrp="1"/>
           </p:cNvSpPr>
@@ -1113,7 +1016,7 @@
         <p:spPr>
           <a:xfrm>
             <a:off x="457200" y="274680"/>
-            <a:ext cx="8229240" cy="5851080"/>
+            <a:ext cx="8225640" cy="5847480"/>
           </a:xfrm>
           <a:prstGeom prst="rect">
             <a:avLst/>
@@ -1151,7 +1054,7 @@
       </p:grpSpPr>
       <p:sp>
         <p:nvSpPr>
-          <p:cNvPr id="52" name="PlaceHolder 1"/>
+          <p:cNvPr id="46" name="PlaceHolder 1"/>
           <p:cNvSpPr>
             <a:spLocks noGrp="1"/>
           </p:cNvSpPr>
@@ -1162,7 +1065,7 @@
         <p:spPr>
           <a:xfrm>
             <a:off x="457200" y="274680"/>
-            <a:ext cx="8229240" cy="1143000"/>
+            <a:ext cx="8225640" cy="1143000"/>
           </a:xfrm>
           <a:prstGeom prst="rect">
             <a:avLst/>
@@ -1171,13 +1074,14 @@
         <p:txBody>
           <a:bodyPr anchor="ctr" bIns="0" lIns="0" rIns="0" tIns="0" wrap="none"/>
           <a:p>
-            <a:endParaRPr/>
-          </a:p>
-        </p:txBody>
-      </p:sp>
-      <p:sp>
-        <p:nvSpPr>
-          <p:cNvPr id="53" name="PlaceHolder 2"/>
+            <a:pPr algn="ctr"/>
+            <a:endParaRPr/>
+          </a:p>
+        </p:txBody>
+      </p:sp>
+      <p:sp>
+        <p:nvSpPr>
+          <p:cNvPr id="47" name="PlaceHolder 2"/>
           <p:cNvSpPr>
             <a:spLocks noGrp="1"/>
           </p:cNvSpPr>
@@ -1188,59 +1092,59 @@
         <p:spPr>
           <a:xfrm>
             <a:off x="457200" y="1600200"/>
-            <a:ext cx="4015440" cy="2158200"/>
-          </a:xfrm>
-          <a:prstGeom prst="rect">
-            <a:avLst/>
-          </a:prstGeom>
-        </p:spPr>
-        <p:txBody>
-          <a:bodyPr bIns="0" lIns="0" rIns="0" tIns="0" wrap="none"/>
-          <a:p>
-            <a:endParaRPr/>
-          </a:p>
-        </p:txBody>
-      </p:sp>
-      <p:sp>
-        <p:nvSpPr>
-          <p:cNvPr id="54" name="PlaceHolder 3"/>
-          <p:cNvSpPr>
-            <a:spLocks noGrp="1"/>
-          </p:cNvSpPr>
-          <p:nvPr>
-            <p:ph type="body"/>
-          </p:nvPr>
-        </p:nvSpPr>
-        <p:spPr>
-          <a:xfrm>
-            <a:off x="457200" y="3963600"/>
-            <a:ext cx="4015440" cy="2158200"/>
-          </a:xfrm>
-          <a:prstGeom prst="rect">
-            <a:avLst/>
-          </a:prstGeom>
-        </p:spPr>
-        <p:txBody>
-          <a:bodyPr bIns="0" lIns="0" rIns="0" tIns="0" wrap="none"/>
-          <a:p>
-            <a:endParaRPr/>
-          </a:p>
-        </p:txBody>
-      </p:sp>
-      <p:sp>
-        <p:nvSpPr>
-          <p:cNvPr id="55" name="PlaceHolder 4"/>
-          <p:cNvSpPr>
-            <a:spLocks noGrp="1"/>
-          </p:cNvSpPr>
-          <p:nvPr>
-            <p:ph type="body"/>
-          </p:nvPr>
-        </p:nvSpPr>
-        <p:spPr>
-          <a:xfrm>
-            <a:off x="4673520" y="1600200"/>
-            <a:ext cx="4015440" cy="4525560"/>
+            <a:ext cx="2160" cy="2156760"/>
+          </a:xfrm>
+          <a:prstGeom prst="rect">
+            <a:avLst/>
+          </a:prstGeom>
+        </p:spPr>
+        <p:txBody>
+          <a:bodyPr bIns="0" lIns="0" rIns="0" tIns="0" wrap="none"/>
+          <a:p>
+            <a:endParaRPr/>
+          </a:p>
+        </p:txBody>
+      </p:sp>
+      <p:sp>
+        <p:nvSpPr>
+          <p:cNvPr id="48" name="PlaceHolder 3"/>
+          <p:cNvSpPr>
+            <a:spLocks noGrp="1"/>
+          </p:cNvSpPr>
+          <p:nvPr>
+            <p:ph type="body"/>
+          </p:nvPr>
+        </p:nvSpPr>
+        <p:spPr>
+          <a:xfrm>
+            <a:off x="457200" y="3962160"/>
+            <a:ext cx="2160" cy="2156760"/>
+          </a:xfrm>
+          <a:prstGeom prst="rect">
+            <a:avLst/>
+          </a:prstGeom>
+        </p:spPr>
+        <p:txBody>
+          <a:bodyPr bIns="0" lIns="0" rIns="0" tIns="0" wrap="none"/>
+          <a:p>
+            <a:endParaRPr/>
+          </a:p>
+        </p:txBody>
+      </p:sp>
+      <p:sp>
+        <p:nvSpPr>
+          <p:cNvPr id="49" name="PlaceHolder 4"/>
+          <p:cNvSpPr>
+            <a:spLocks noGrp="1"/>
+          </p:cNvSpPr>
+          <p:nvPr>
+            <p:ph type="body"/>
+          </p:nvPr>
+        </p:nvSpPr>
+        <p:spPr>
+          <a:xfrm>
+            <a:off x="459720" y="1600200"/>
+            <a:ext cx="2160" cy="4521960"/>
           </a:xfrm>
           <a:prstGeom prst="rect">
             <a:avLst/>
@@ -1277,7 +1181,7 @@
       </p:grpSpPr>
       <p:sp>
         <p:nvSpPr>
-          <p:cNvPr id="5" name="PlaceHolder 1"/>
+          <p:cNvPr id="2" name="PlaceHolder 1"/>
           <p:cNvSpPr>
             <a:spLocks noGrp="1"/>
           </p:cNvSpPr>
@@ -1288,7 +1192,7 @@
         <p:spPr>
           <a:xfrm>
             <a:off x="457200" y="274680"/>
-            <a:ext cx="8229240" cy="1143000"/>
+            <a:ext cx="8225640" cy="1143000"/>
           </a:xfrm>
           <a:prstGeom prst="rect">
             <a:avLst/>
@@ -1297,13 +1201,14 @@
         <p:txBody>
           <a:bodyPr anchor="ctr" bIns="0" lIns="0" rIns="0" tIns="0" wrap="none"/>
           <a:p>
-            <a:endParaRPr/>
-          </a:p>
-        </p:txBody>
-      </p:sp>
-      <p:sp>
-        <p:nvSpPr>
-          <p:cNvPr id="6" name="PlaceHolder 2"/>
+            <a:pPr algn="ctr"/>
+            <a:endParaRPr/>
+          </a:p>
+        </p:txBody>
+      </p:sp>
+      <p:sp>
+        <p:nvSpPr>
+          <p:cNvPr id="3" name="PlaceHolder 2"/>
           <p:cNvSpPr>
             <a:spLocks noGrp="1"/>
           </p:cNvSpPr>
@@ -1313,8 +1218,8 @@
         </p:nvSpPr>
         <p:spPr>
           <a:xfrm>
-            <a:off x="457200" y="1600200"/>
-            <a:ext cx="8229240" cy="4525920"/>
+            <a:off x="457200" y="-12960"/>
+            <a:ext cx="5040" cy="7748280"/>
           </a:xfrm>
           <a:prstGeom prst="rect">
             <a:avLst/>
@@ -1352,7 +1257,7 @@
       </p:grpSpPr>
       <p:sp>
         <p:nvSpPr>
-          <p:cNvPr id="56" name="PlaceHolder 1"/>
+          <p:cNvPr id="50" name="PlaceHolder 1"/>
           <p:cNvSpPr>
             <a:spLocks noGrp="1"/>
           </p:cNvSpPr>
@@ -1363,7 +1268,7 @@
         <p:spPr>
           <a:xfrm>
             <a:off x="457200" y="274680"/>
-            <a:ext cx="8229240" cy="1143000"/>
+            <a:ext cx="8225640" cy="1143000"/>
           </a:xfrm>
           <a:prstGeom prst="rect">
             <a:avLst/>
@@ -1372,13 +1277,14 @@
         <p:txBody>
           <a:bodyPr anchor="ctr" bIns="0" lIns="0" rIns="0" tIns="0" wrap="none"/>
           <a:p>
-            <a:endParaRPr/>
-          </a:p>
-        </p:txBody>
-      </p:sp>
-      <p:sp>
-        <p:nvSpPr>
-          <p:cNvPr id="57" name="PlaceHolder 2"/>
+            <a:pPr algn="ctr"/>
+            <a:endParaRPr/>
+          </a:p>
+        </p:txBody>
+      </p:sp>
+      <p:sp>
+        <p:nvSpPr>
+          <p:cNvPr id="51" name="PlaceHolder 2"/>
           <p:cNvSpPr>
             <a:spLocks noGrp="1"/>
           </p:cNvSpPr>
@@ -1389,59 +1295,59 @@
         <p:spPr>
           <a:xfrm>
             <a:off x="457200" y="1600200"/>
-            <a:ext cx="4015440" cy="4525560"/>
-          </a:xfrm>
-          <a:prstGeom prst="rect">
-            <a:avLst/>
-          </a:prstGeom>
-        </p:spPr>
-        <p:txBody>
-          <a:bodyPr bIns="0" lIns="0" rIns="0" tIns="0" wrap="none"/>
-          <a:p>
-            <a:endParaRPr/>
-          </a:p>
-        </p:txBody>
-      </p:sp>
-      <p:sp>
-        <p:nvSpPr>
-          <p:cNvPr id="58" name="PlaceHolder 3"/>
-          <p:cNvSpPr>
-            <a:spLocks noGrp="1"/>
-          </p:cNvSpPr>
-          <p:nvPr>
-            <p:ph type="body"/>
-          </p:nvPr>
-        </p:nvSpPr>
-        <p:spPr>
-          <a:xfrm>
-            <a:off x="4673520" y="1600200"/>
-            <a:ext cx="4015440" cy="2158200"/>
-          </a:xfrm>
-          <a:prstGeom prst="rect">
-            <a:avLst/>
-          </a:prstGeom>
-        </p:spPr>
-        <p:txBody>
-          <a:bodyPr bIns="0" lIns="0" rIns="0" tIns="0" wrap="none"/>
-          <a:p>
-            <a:endParaRPr/>
-          </a:p>
-        </p:txBody>
-      </p:sp>
-      <p:sp>
-        <p:nvSpPr>
-          <p:cNvPr id="59" name="PlaceHolder 4"/>
-          <p:cNvSpPr>
-            <a:spLocks noGrp="1"/>
-          </p:cNvSpPr>
-          <p:nvPr>
-            <p:ph type="body"/>
-          </p:nvPr>
-        </p:nvSpPr>
-        <p:spPr>
-          <a:xfrm>
-            <a:off x="4673520" y="3963600"/>
-            <a:ext cx="4015440" cy="2158200"/>
+            <a:ext cx="2160" cy="4521960"/>
+          </a:xfrm>
+          <a:prstGeom prst="rect">
+            <a:avLst/>
+          </a:prstGeom>
+        </p:spPr>
+        <p:txBody>
+          <a:bodyPr bIns="0" lIns="0" rIns="0" tIns="0" wrap="none"/>
+          <a:p>
+            <a:endParaRPr/>
+          </a:p>
+        </p:txBody>
+      </p:sp>
+      <p:sp>
+        <p:nvSpPr>
+          <p:cNvPr id="52" name="PlaceHolder 3"/>
+          <p:cNvSpPr>
+            <a:spLocks noGrp="1"/>
+          </p:cNvSpPr>
+          <p:nvPr>
+            <p:ph type="body"/>
+          </p:nvPr>
+        </p:nvSpPr>
+        <p:spPr>
+          <a:xfrm>
+            <a:off x="459720" y="1600200"/>
+            <a:ext cx="2160" cy="2156760"/>
+          </a:xfrm>
+          <a:prstGeom prst="rect">
+            <a:avLst/>
+          </a:prstGeom>
+        </p:spPr>
+        <p:txBody>
+          <a:bodyPr bIns="0" lIns="0" rIns="0" tIns="0" wrap="none"/>
+          <a:p>
+            <a:endParaRPr/>
+          </a:p>
+        </p:txBody>
+      </p:sp>
+      <p:sp>
+        <p:nvSpPr>
+          <p:cNvPr id="53" name="PlaceHolder 4"/>
+          <p:cNvSpPr>
+            <a:spLocks noGrp="1"/>
+          </p:cNvSpPr>
+          <p:nvPr>
+            <p:ph type="body"/>
+          </p:nvPr>
+        </p:nvSpPr>
+        <p:spPr>
+          <a:xfrm>
+            <a:off x="459720" y="3962160"/>
+            <a:ext cx="2160" cy="2156760"/>
           </a:xfrm>
           <a:prstGeom prst="rect">
             <a:avLst/>
@@ -1478,7 +1384,7 @@
       </p:grpSpPr>
       <p:sp>
         <p:nvSpPr>
-          <p:cNvPr id="60" name="PlaceHolder 1"/>
+          <p:cNvPr id="54" name="PlaceHolder 1"/>
           <p:cNvSpPr>
             <a:spLocks noGrp="1"/>
           </p:cNvSpPr>
@@ -1489,7 +1395,7 @@
         <p:spPr>
           <a:xfrm>
             <a:off x="457200" y="274680"/>
-            <a:ext cx="8229240" cy="1143000"/>
+            <a:ext cx="8225640" cy="1143000"/>
           </a:xfrm>
           <a:prstGeom prst="rect">
             <a:avLst/>
@@ -1498,13 +1404,14 @@
         <p:txBody>
           <a:bodyPr anchor="ctr" bIns="0" lIns="0" rIns="0" tIns="0" wrap="none"/>
           <a:p>
-            <a:endParaRPr/>
-          </a:p>
-        </p:txBody>
-      </p:sp>
-      <p:sp>
-        <p:nvSpPr>
-          <p:cNvPr id="61" name="PlaceHolder 2"/>
+            <a:pPr algn="ctr"/>
+            <a:endParaRPr/>
+          </a:p>
+        </p:txBody>
+      </p:sp>
+      <p:sp>
+        <p:nvSpPr>
+          <p:cNvPr id="55" name="PlaceHolder 2"/>
           <p:cNvSpPr>
             <a:spLocks noGrp="1"/>
           </p:cNvSpPr>
@@ -1515,59 +1422,59 @@
         <p:spPr>
           <a:xfrm>
             <a:off x="457200" y="1600200"/>
-            <a:ext cx="4015440" cy="2158200"/>
-          </a:xfrm>
-          <a:prstGeom prst="rect">
-            <a:avLst/>
-          </a:prstGeom>
-        </p:spPr>
-        <p:txBody>
-          <a:bodyPr bIns="0" lIns="0" rIns="0" tIns="0" wrap="none"/>
-          <a:p>
-            <a:endParaRPr/>
-          </a:p>
-        </p:txBody>
-      </p:sp>
-      <p:sp>
-        <p:nvSpPr>
-          <p:cNvPr id="62" name="PlaceHolder 3"/>
-          <p:cNvSpPr>
-            <a:spLocks noGrp="1"/>
-          </p:cNvSpPr>
-          <p:nvPr>
-            <p:ph type="body"/>
-          </p:nvPr>
-        </p:nvSpPr>
-        <p:spPr>
-          <a:xfrm>
-            <a:off x="4673520" y="1600200"/>
-            <a:ext cx="4015440" cy="2158200"/>
-          </a:xfrm>
-          <a:prstGeom prst="rect">
-            <a:avLst/>
-          </a:prstGeom>
-        </p:spPr>
-        <p:txBody>
-          <a:bodyPr bIns="0" lIns="0" rIns="0" tIns="0" wrap="none"/>
-          <a:p>
-            <a:endParaRPr/>
-          </a:p>
-        </p:txBody>
-      </p:sp>
-      <p:sp>
-        <p:nvSpPr>
-          <p:cNvPr id="63" name="PlaceHolder 4"/>
-          <p:cNvSpPr>
-            <a:spLocks noGrp="1"/>
-          </p:cNvSpPr>
-          <p:nvPr>
-            <p:ph type="body"/>
-          </p:nvPr>
-        </p:nvSpPr>
-        <p:spPr>
-          <a:xfrm>
-            <a:off x="457200" y="3963600"/>
-            <a:ext cx="8228520" cy="2158200"/>
+            <a:ext cx="2160" cy="2156760"/>
+          </a:xfrm>
+          <a:prstGeom prst="rect">
+            <a:avLst/>
+          </a:prstGeom>
+        </p:spPr>
+        <p:txBody>
+          <a:bodyPr bIns="0" lIns="0" rIns="0" tIns="0" wrap="none"/>
+          <a:p>
+            <a:endParaRPr/>
+          </a:p>
+        </p:txBody>
+      </p:sp>
+      <p:sp>
+        <p:nvSpPr>
+          <p:cNvPr id="56" name="PlaceHolder 3"/>
+          <p:cNvSpPr>
+            <a:spLocks noGrp="1"/>
+          </p:cNvSpPr>
+          <p:nvPr>
+            <p:ph type="body"/>
+          </p:nvPr>
+        </p:nvSpPr>
+        <p:spPr>
+          <a:xfrm>
+            <a:off x="459720" y="1600200"/>
+            <a:ext cx="2160" cy="2156760"/>
+          </a:xfrm>
+          <a:prstGeom prst="rect">
+            <a:avLst/>
+          </a:prstGeom>
+        </p:spPr>
+        <p:txBody>
+          <a:bodyPr bIns="0" lIns="0" rIns="0" tIns="0" wrap="none"/>
+          <a:p>
+            <a:endParaRPr/>
+          </a:p>
+        </p:txBody>
+      </p:sp>
+      <p:sp>
+        <p:nvSpPr>
+          <p:cNvPr id="57" name="PlaceHolder 4"/>
+          <p:cNvSpPr>
+            <a:spLocks noGrp="1"/>
+          </p:cNvSpPr>
+          <p:nvPr>
+            <p:ph type="body"/>
+          </p:nvPr>
+        </p:nvSpPr>
+        <p:spPr>
+          <a:xfrm>
+            <a:off x="457200" y="3962160"/>
+            <a:ext cx="4680" cy="2156760"/>
           </a:xfrm>
           <a:prstGeom prst="rect">
             <a:avLst/>
@@ -1604,7 +1511,7 @@
       </p:grpSpPr>
       <p:sp>
         <p:nvSpPr>
-          <p:cNvPr id="64" name="PlaceHolder 1"/>
+          <p:cNvPr id="58" name="PlaceHolder 1"/>
           <p:cNvSpPr>
             <a:spLocks noGrp="1"/>
           </p:cNvSpPr>
@@ -1615,7 +1522,7 @@
         <p:spPr>
           <a:xfrm>
             <a:off x="457200" y="274680"/>
-            <a:ext cx="8229240" cy="1143000"/>
+            <a:ext cx="8225640" cy="1143000"/>
           </a:xfrm>
           <a:prstGeom prst="rect">
             <a:avLst/>
@@ -1624,13 +1531,14 @@
         <p:txBody>
           <a:bodyPr anchor="ctr" bIns="0" lIns="0" rIns="0" tIns="0" wrap="none"/>
           <a:p>
-            <a:endParaRPr/>
-          </a:p>
-        </p:txBody>
-      </p:sp>
-      <p:sp>
-        <p:nvSpPr>
-          <p:cNvPr id="65" name="PlaceHolder 2"/>
+            <a:pPr algn="ctr"/>
+            <a:endParaRPr/>
+          </a:p>
+        </p:txBody>
+      </p:sp>
+      <p:sp>
+        <p:nvSpPr>
+          <p:cNvPr id="59" name="PlaceHolder 2"/>
           <p:cNvSpPr>
             <a:spLocks noGrp="1"/>
           </p:cNvSpPr>
@@ -1641,33 +1549,33 @@
         <p:spPr>
           <a:xfrm>
             <a:off x="457200" y="1600200"/>
-            <a:ext cx="8229240" cy="2158200"/>
-          </a:xfrm>
-          <a:prstGeom prst="rect">
-            <a:avLst/>
-          </a:prstGeom>
-        </p:spPr>
-        <p:txBody>
-          <a:bodyPr bIns="0" lIns="0" rIns="0" tIns="0" wrap="none"/>
-          <a:p>
-            <a:endParaRPr/>
-          </a:p>
-        </p:txBody>
-      </p:sp>
-      <p:sp>
-        <p:nvSpPr>
-          <p:cNvPr id="66" name="PlaceHolder 3"/>
-          <p:cNvSpPr>
-            <a:spLocks noGrp="1"/>
-          </p:cNvSpPr>
-          <p:nvPr>
-            <p:ph type="body"/>
-          </p:nvPr>
-        </p:nvSpPr>
-        <p:spPr>
-          <a:xfrm>
-            <a:off x="457200" y="3963600"/>
-            <a:ext cx="8229240" cy="2158200"/>
+            <a:ext cx="5040" cy="2156760"/>
+          </a:xfrm>
+          <a:prstGeom prst="rect">
+            <a:avLst/>
+          </a:prstGeom>
+        </p:spPr>
+        <p:txBody>
+          <a:bodyPr bIns="0" lIns="0" rIns="0" tIns="0" wrap="none"/>
+          <a:p>
+            <a:endParaRPr/>
+          </a:p>
+        </p:txBody>
+      </p:sp>
+      <p:sp>
+        <p:nvSpPr>
+          <p:cNvPr id="60" name="PlaceHolder 3"/>
+          <p:cNvSpPr>
+            <a:spLocks noGrp="1"/>
+          </p:cNvSpPr>
+          <p:nvPr>
+            <p:ph type="body"/>
+          </p:nvPr>
+        </p:nvSpPr>
+        <p:spPr>
+          <a:xfrm>
+            <a:off x="457200" y="3962160"/>
+            <a:ext cx="5040" cy="2156760"/>
           </a:xfrm>
           <a:prstGeom prst="rect">
             <a:avLst/>
@@ -1704,7 +1612,7 @@
       </p:grpSpPr>
       <p:sp>
         <p:nvSpPr>
-          <p:cNvPr id="67" name="PlaceHolder 1"/>
+          <p:cNvPr id="61" name="PlaceHolder 1"/>
           <p:cNvSpPr>
             <a:spLocks noGrp="1"/>
           </p:cNvSpPr>
@@ -1715,7 +1623,7 @@
         <p:spPr>
           <a:xfrm>
             <a:off x="457200" y="274680"/>
-            <a:ext cx="8229240" cy="1143000"/>
+            <a:ext cx="8225640" cy="1143000"/>
           </a:xfrm>
           <a:prstGeom prst="rect">
             <a:avLst/>
@@ -1724,13 +1632,14 @@
         <p:txBody>
           <a:bodyPr anchor="ctr" bIns="0" lIns="0" rIns="0" tIns="0" wrap="none"/>
           <a:p>
-            <a:endParaRPr/>
-          </a:p>
-        </p:txBody>
-      </p:sp>
-      <p:sp>
-        <p:nvSpPr>
-          <p:cNvPr id="68" name="PlaceHolder 2"/>
+            <a:pPr algn="ctr"/>
+            <a:endParaRPr/>
+          </a:p>
+        </p:txBody>
+      </p:sp>
+      <p:sp>
+        <p:nvSpPr>
+          <p:cNvPr id="62" name="PlaceHolder 2"/>
           <p:cNvSpPr>
             <a:spLocks noGrp="1"/>
           </p:cNvSpPr>
@@ -1741,85 +1650,85 @@
         <p:spPr>
           <a:xfrm>
             <a:off x="457200" y="1600200"/>
-            <a:ext cx="4015440" cy="2158200"/>
-          </a:xfrm>
-          <a:prstGeom prst="rect">
-            <a:avLst/>
-          </a:prstGeom>
-        </p:spPr>
-        <p:txBody>
-          <a:bodyPr bIns="0" lIns="0" rIns="0" tIns="0" wrap="none"/>
-          <a:p>
-            <a:endParaRPr/>
-          </a:p>
-        </p:txBody>
-      </p:sp>
-      <p:sp>
-        <p:nvSpPr>
-          <p:cNvPr id="69" name="PlaceHolder 3"/>
-          <p:cNvSpPr>
-            <a:spLocks noGrp="1"/>
-          </p:cNvSpPr>
-          <p:nvPr>
-            <p:ph type="body"/>
-          </p:nvPr>
-        </p:nvSpPr>
-        <p:spPr>
-          <a:xfrm>
-            <a:off x="4673520" y="1600200"/>
-            <a:ext cx="4015440" cy="2158200"/>
-          </a:xfrm>
-          <a:prstGeom prst="rect">
-            <a:avLst/>
-          </a:prstGeom>
-        </p:spPr>
-        <p:txBody>
-          <a:bodyPr bIns="0" lIns="0" rIns="0" tIns="0" wrap="none"/>
-          <a:p>
-            <a:endParaRPr/>
-          </a:p>
-        </p:txBody>
-      </p:sp>
-      <p:sp>
-        <p:nvSpPr>
-          <p:cNvPr id="70" name="PlaceHolder 4"/>
-          <p:cNvSpPr>
-            <a:spLocks noGrp="1"/>
-          </p:cNvSpPr>
-          <p:nvPr>
-            <p:ph type="body"/>
-          </p:nvPr>
-        </p:nvSpPr>
-        <p:spPr>
-          <a:xfrm>
-            <a:off x="4673520" y="3963600"/>
-            <a:ext cx="4015440" cy="2158200"/>
-          </a:xfrm>
-          <a:prstGeom prst="rect">
-            <a:avLst/>
-          </a:prstGeom>
-        </p:spPr>
-        <p:txBody>
-          <a:bodyPr bIns="0" lIns="0" rIns="0" tIns="0" wrap="none"/>
-          <a:p>
-            <a:endParaRPr/>
-          </a:p>
-        </p:txBody>
-      </p:sp>
-      <p:sp>
-        <p:nvSpPr>
-          <p:cNvPr id="71" name="PlaceHolder 5"/>
-          <p:cNvSpPr>
-            <a:spLocks noGrp="1"/>
-          </p:cNvSpPr>
-          <p:nvPr>
-            <p:ph type="body"/>
-          </p:nvPr>
-        </p:nvSpPr>
-        <p:spPr>
-          <a:xfrm>
-            <a:off x="457200" y="3963600"/>
-            <a:ext cx="4015440" cy="2158200"/>
+            <a:ext cx="2160" cy="2156760"/>
+          </a:xfrm>
+          <a:prstGeom prst="rect">
+            <a:avLst/>
+          </a:prstGeom>
+        </p:spPr>
+        <p:txBody>
+          <a:bodyPr bIns="0" lIns="0" rIns="0" tIns="0" wrap="none"/>
+          <a:p>
+            <a:endParaRPr/>
+          </a:p>
+        </p:txBody>
+      </p:sp>
+      <p:sp>
+        <p:nvSpPr>
+          <p:cNvPr id="63" name="PlaceHolder 3"/>
+          <p:cNvSpPr>
+            <a:spLocks noGrp="1"/>
+          </p:cNvSpPr>
+          <p:nvPr>
+            <p:ph type="body"/>
+          </p:nvPr>
+        </p:nvSpPr>
+        <p:spPr>
+          <a:xfrm>
+            <a:off x="459720" y="1600200"/>
+            <a:ext cx="2160" cy="2156760"/>
+          </a:xfrm>
+          <a:prstGeom prst="rect">
+            <a:avLst/>
+          </a:prstGeom>
+        </p:spPr>
+        <p:txBody>
+          <a:bodyPr bIns="0" lIns="0" rIns="0" tIns="0" wrap="none"/>
+          <a:p>
+            <a:endParaRPr/>
+          </a:p>
+        </p:txBody>
+      </p:sp>
+      <p:sp>
+        <p:nvSpPr>
+          <p:cNvPr id="64" name="PlaceHolder 4"/>
+          <p:cNvSpPr>
+            <a:spLocks noGrp="1"/>
+          </p:cNvSpPr>
+          <p:nvPr>
+            <p:ph type="body"/>
+          </p:nvPr>
+        </p:nvSpPr>
+        <p:spPr>
+          <a:xfrm>
+            <a:off x="459720" y="3962160"/>
+            <a:ext cx="2160" cy="2156760"/>
+          </a:xfrm>
+          <a:prstGeom prst="rect">
+            <a:avLst/>
+          </a:prstGeom>
+        </p:spPr>
+        <p:txBody>
+          <a:bodyPr bIns="0" lIns="0" rIns="0" tIns="0" wrap="none"/>
+          <a:p>
+            <a:endParaRPr/>
+          </a:p>
+        </p:txBody>
+      </p:sp>
+      <p:sp>
+        <p:nvSpPr>
+          <p:cNvPr id="65" name="PlaceHolder 5"/>
+          <p:cNvSpPr>
+            <a:spLocks noGrp="1"/>
+          </p:cNvSpPr>
+          <p:nvPr>
+            <p:ph type="body"/>
+          </p:nvPr>
+        </p:nvSpPr>
+        <p:spPr>
+          <a:xfrm>
+            <a:off x="457200" y="3962160"/>
+            <a:ext cx="2160" cy="2156760"/>
           </a:xfrm>
           <a:prstGeom prst="rect">
             <a:avLst/>
@@ -1856,7 +1765,7 @@
       </p:grpSpPr>
       <p:sp>
         <p:nvSpPr>
-          <p:cNvPr id="72" name="PlaceHolder 1"/>
+          <p:cNvPr id="66" name="PlaceHolder 1"/>
           <p:cNvSpPr>
             <a:spLocks noGrp="1"/>
           </p:cNvSpPr>
@@ -1867,7 +1776,7 @@
         <p:spPr>
           <a:xfrm>
             <a:off x="457200" y="274680"/>
-            <a:ext cx="8229240" cy="1143000"/>
+            <a:ext cx="8225640" cy="1143000"/>
           </a:xfrm>
           <a:prstGeom prst="rect">
             <a:avLst/>
@@ -1876,13 +1785,14 @@
         <p:txBody>
           <a:bodyPr anchor="ctr" bIns="0" lIns="0" rIns="0" tIns="0" wrap="none"/>
           <a:p>
-            <a:endParaRPr/>
-          </a:p>
-        </p:txBody>
-      </p:sp>
-      <p:sp>
-        <p:nvSpPr>
-          <p:cNvPr id="73" name="PlaceHolder 2"/>
+            <a:pPr algn="ctr"/>
+            <a:endParaRPr/>
+          </a:p>
+        </p:txBody>
+      </p:sp>
+      <p:sp>
+        <p:nvSpPr>
+          <p:cNvPr id="67" name="PlaceHolder 2"/>
           <p:cNvSpPr>
             <a:spLocks noGrp="1"/>
           </p:cNvSpPr>
@@ -1893,33 +1803,33 @@
         <p:spPr>
           <a:xfrm>
             <a:off x="457200" y="1600200"/>
-            <a:ext cx="4015440" cy="2158200"/>
-          </a:xfrm>
-          <a:prstGeom prst="rect">
-            <a:avLst/>
-          </a:prstGeom>
-        </p:spPr>
-        <p:txBody>
-          <a:bodyPr bIns="0" lIns="0" rIns="0" tIns="0" wrap="none"/>
-          <a:p>
-            <a:endParaRPr/>
-          </a:p>
-        </p:txBody>
-      </p:sp>
-      <p:sp>
-        <p:nvSpPr>
-          <p:cNvPr id="74" name="PlaceHolder 3"/>
-          <p:cNvSpPr>
-            <a:spLocks noGrp="1"/>
-          </p:cNvSpPr>
-          <p:nvPr>
-            <p:ph type="body"/>
-          </p:nvPr>
-        </p:nvSpPr>
-        <p:spPr>
-          <a:xfrm>
-            <a:off x="4673520" y="1600200"/>
-            <a:ext cx="4015440" cy="2158200"/>
+            <a:ext cx="2160" cy="2156760"/>
+          </a:xfrm>
+          <a:prstGeom prst="rect">
+            <a:avLst/>
+          </a:prstGeom>
+        </p:spPr>
+        <p:txBody>
+          <a:bodyPr bIns="0" lIns="0" rIns="0" tIns="0" wrap="none"/>
+          <a:p>
+            <a:endParaRPr/>
+          </a:p>
+        </p:txBody>
+      </p:sp>
+      <p:sp>
+        <p:nvSpPr>
+          <p:cNvPr id="68" name="PlaceHolder 3"/>
+          <p:cNvSpPr>
+            <a:spLocks noGrp="1"/>
+          </p:cNvSpPr>
+          <p:nvPr>
+            <p:ph type="body"/>
+          </p:nvPr>
+        </p:nvSpPr>
+        <p:spPr>
+          <a:xfrm>
+            <a:off x="459720" y="1600200"/>
+            <a:ext cx="2160" cy="2156760"/>
           </a:xfrm>
           <a:prstGeom prst="rect">
             <a:avLst/>
@@ -1978,7 +1888,7 @@
       </p:grpSpPr>
       <p:sp>
         <p:nvSpPr>
-          <p:cNvPr id="80" name="PlaceHolder 1"/>
+          <p:cNvPr id="71" name="PlaceHolder 1"/>
           <p:cNvSpPr>
             <a:spLocks noGrp="1"/>
           </p:cNvSpPr>
@@ -1989,7 +1899,7 @@
         <p:spPr>
           <a:xfrm>
             <a:off x="457200" y="274680"/>
-            <a:ext cx="8229240" cy="1143000"/>
+            <a:ext cx="8225640" cy="1143000"/>
           </a:xfrm>
           <a:prstGeom prst="rect">
             <a:avLst/>
@@ -1998,13 +1908,14 @@
         <p:txBody>
           <a:bodyPr anchor="ctr" bIns="0" lIns="0" rIns="0" tIns="0" wrap="none"/>
           <a:p>
-            <a:endParaRPr/>
-          </a:p>
-        </p:txBody>
-      </p:sp>
-      <p:sp>
-        <p:nvSpPr>
-          <p:cNvPr id="81" name="PlaceHolder 2"/>
+            <a:pPr algn="ctr"/>
+            <a:endParaRPr/>
+          </a:p>
+        </p:txBody>
+      </p:sp>
+      <p:sp>
+        <p:nvSpPr>
+          <p:cNvPr id="72" name="PlaceHolder 2"/>
           <p:cNvSpPr>
             <a:spLocks noGrp="1"/>
           </p:cNvSpPr>
@@ -2014,8 +1925,8 @@
         </p:nvSpPr>
         <p:spPr>
           <a:xfrm>
-            <a:off x="457200" y="1600200"/>
-            <a:ext cx="8229240" cy="4525920"/>
+            <a:off x="457200" y="-12960"/>
+            <a:ext cx="5040" cy="7748280"/>
           </a:xfrm>
           <a:prstGeom prst="rect">
             <a:avLst/>
@@ -2053,7 +1964,7 @@
       </p:grpSpPr>
       <p:sp>
         <p:nvSpPr>
-          <p:cNvPr id="82" name="PlaceHolder 1"/>
+          <p:cNvPr id="73" name="PlaceHolder 1"/>
           <p:cNvSpPr>
             <a:spLocks noGrp="1"/>
           </p:cNvSpPr>
@@ -2064,7 +1975,7 @@
         <p:spPr>
           <a:xfrm>
             <a:off x="457200" y="274680"/>
-            <a:ext cx="8229240" cy="1143000"/>
+            <a:ext cx="8225640" cy="1143000"/>
           </a:xfrm>
           <a:prstGeom prst="rect">
             <a:avLst/>
@@ -2073,13 +1984,14 @@
         <p:txBody>
           <a:bodyPr anchor="ctr" bIns="0" lIns="0" rIns="0" tIns="0" wrap="none"/>
           <a:p>
-            <a:endParaRPr/>
-          </a:p>
-        </p:txBody>
-      </p:sp>
-      <p:sp>
-        <p:nvSpPr>
-          <p:cNvPr id="83" name="PlaceHolder 2"/>
+            <a:pPr algn="ctr"/>
+            <a:endParaRPr/>
+          </a:p>
+        </p:txBody>
+      </p:sp>
+      <p:sp>
+        <p:nvSpPr>
+          <p:cNvPr id="74" name="PlaceHolder 2"/>
           <p:cNvSpPr>
             <a:spLocks noGrp="1"/>
           </p:cNvSpPr>
@@ -2090,7 +2002,7 @@
         <p:spPr>
           <a:xfrm>
             <a:off x="457200" y="1600200"/>
-            <a:ext cx="8229240" cy="4525560"/>
+            <a:ext cx="5040" cy="4521960"/>
           </a:xfrm>
           <a:prstGeom prst="rect">
             <a:avLst/>
@@ -2127,7 +2039,7 @@
       </p:grpSpPr>
       <p:sp>
         <p:nvSpPr>
-          <p:cNvPr id="84" name="PlaceHolder 1"/>
+          <p:cNvPr id="75" name="PlaceHolder 1"/>
           <p:cNvSpPr>
             <a:spLocks noGrp="1"/>
           </p:cNvSpPr>
@@ -2138,7 +2050,7 @@
         <p:spPr>
           <a:xfrm>
             <a:off x="457200" y="274680"/>
-            <a:ext cx="8229240" cy="1143000"/>
+            <a:ext cx="8225640" cy="1143000"/>
           </a:xfrm>
           <a:prstGeom prst="rect">
             <a:avLst/>
@@ -2147,13 +2059,14 @@
         <p:txBody>
           <a:bodyPr anchor="ctr" bIns="0" lIns="0" rIns="0" tIns="0" wrap="none"/>
           <a:p>
-            <a:endParaRPr/>
-          </a:p>
-        </p:txBody>
-      </p:sp>
-      <p:sp>
-        <p:nvSpPr>
-          <p:cNvPr id="85" name="PlaceHolder 2"/>
+            <a:pPr algn="ctr"/>
+            <a:endParaRPr/>
+          </a:p>
+        </p:txBody>
+      </p:sp>
+      <p:sp>
+        <p:nvSpPr>
+          <p:cNvPr id="76" name="PlaceHolder 2"/>
           <p:cNvSpPr>
             <a:spLocks noGrp="1"/>
           </p:cNvSpPr>
@@ -2164,33 +2077,33 @@
         <p:spPr>
           <a:xfrm>
             <a:off x="457200" y="1600200"/>
-            <a:ext cx="4015440" cy="4525560"/>
-          </a:xfrm>
-          <a:prstGeom prst="rect">
-            <a:avLst/>
-          </a:prstGeom>
-        </p:spPr>
-        <p:txBody>
-          <a:bodyPr bIns="0" lIns="0" rIns="0" tIns="0" wrap="none"/>
-          <a:p>
-            <a:endParaRPr/>
-          </a:p>
-        </p:txBody>
-      </p:sp>
-      <p:sp>
-        <p:nvSpPr>
-          <p:cNvPr id="86" name="PlaceHolder 3"/>
-          <p:cNvSpPr>
-            <a:spLocks noGrp="1"/>
-          </p:cNvSpPr>
-          <p:nvPr>
-            <p:ph type="body"/>
-          </p:nvPr>
-        </p:nvSpPr>
-        <p:spPr>
-          <a:xfrm>
-            <a:off x="4673520" y="1600200"/>
-            <a:ext cx="4015440" cy="4525560"/>
+            <a:ext cx="2160" cy="4521960"/>
+          </a:xfrm>
+          <a:prstGeom prst="rect">
+            <a:avLst/>
+          </a:prstGeom>
+        </p:spPr>
+        <p:txBody>
+          <a:bodyPr bIns="0" lIns="0" rIns="0" tIns="0" wrap="none"/>
+          <a:p>
+            <a:endParaRPr/>
+          </a:p>
+        </p:txBody>
+      </p:sp>
+      <p:sp>
+        <p:nvSpPr>
+          <p:cNvPr id="77" name="PlaceHolder 3"/>
+          <p:cNvSpPr>
+            <a:spLocks noGrp="1"/>
+          </p:cNvSpPr>
+          <p:nvPr>
+            <p:ph type="body"/>
+          </p:nvPr>
+        </p:nvSpPr>
+        <p:spPr>
+          <a:xfrm>
+            <a:off x="459720" y="1600200"/>
+            <a:ext cx="2160" cy="4521960"/>
           </a:xfrm>
           <a:prstGeom prst="rect">
             <a:avLst/>
@@ -2227,7 +2140,7 @@
       </p:grpSpPr>
       <p:sp>
         <p:nvSpPr>
-          <p:cNvPr id="87" name="PlaceHolder 1"/>
+          <p:cNvPr id="78" name="PlaceHolder 1"/>
           <p:cNvSpPr>
             <a:spLocks noGrp="1"/>
           </p:cNvSpPr>
@@ -2238,7 +2151,7 @@
         <p:spPr>
           <a:xfrm>
             <a:off x="457200" y="274680"/>
-            <a:ext cx="8229240" cy="1143000"/>
+            <a:ext cx="8225640" cy="1143000"/>
           </a:xfrm>
           <a:prstGeom prst="rect">
             <a:avLst/>
@@ -2247,6 +2160,7 @@
         <p:txBody>
           <a:bodyPr anchor="ctr" bIns="0" lIns="0" rIns="0" tIns="0" wrap="none"/>
           <a:p>
+            <a:pPr algn="ctr"/>
             <a:endParaRPr/>
           </a:p>
         </p:txBody>
@@ -2275,7 +2189,7 @@
       </p:grpSpPr>
       <p:sp>
         <p:nvSpPr>
-          <p:cNvPr id="7" name="PlaceHolder 1"/>
+          <p:cNvPr id="4" name="PlaceHolder 1"/>
           <p:cNvSpPr>
             <a:spLocks noGrp="1"/>
           </p:cNvSpPr>
@@ -2286,7 +2200,7 @@
         <p:spPr>
           <a:xfrm>
             <a:off x="457200" y="274680"/>
-            <a:ext cx="8229240" cy="1143000"/>
+            <a:ext cx="8225640" cy="1143000"/>
           </a:xfrm>
           <a:prstGeom prst="rect">
             <a:avLst/>
@@ -2295,13 +2209,14 @@
         <p:txBody>
           <a:bodyPr anchor="ctr" bIns="0" lIns="0" rIns="0" tIns="0" wrap="none"/>
           <a:p>
-            <a:endParaRPr/>
-          </a:p>
-        </p:txBody>
-      </p:sp>
-      <p:sp>
-        <p:nvSpPr>
-          <p:cNvPr id="8" name="PlaceHolder 2"/>
+            <a:pPr algn="ctr"/>
+            <a:endParaRPr/>
+          </a:p>
+        </p:txBody>
+      </p:sp>
+      <p:sp>
+        <p:nvSpPr>
+          <p:cNvPr id="5" name="PlaceHolder 2"/>
           <p:cNvSpPr>
             <a:spLocks noGrp="1"/>
           </p:cNvSpPr>
@@ -2312,7 +2227,7 @@
         <p:spPr>
           <a:xfrm>
             <a:off x="457200" y="1600200"/>
-            <a:ext cx="8229240" cy="4525560"/>
+            <a:ext cx="5040" cy="4521960"/>
           </a:xfrm>
           <a:prstGeom prst="rect">
             <a:avLst/>
@@ -2349,7 +2264,7 @@
       </p:grpSpPr>
       <p:sp>
         <p:nvSpPr>
-          <p:cNvPr id="88" name="PlaceHolder 1"/>
+          <p:cNvPr id="79" name="PlaceHolder 1"/>
           <p:cNvSpPr>
             <a:spLocks noGrp="1"/>
           </p:cNvSpPr>
@@ -2360,7 +2275,7 @@
         <p:spPr>
           <a:xfrm>
             <a:off x="457200" y="274680"/>
-            <a:ext cx="8229240" cy="5851080"/>
+            <a:ext cx="8225640" cy="5847480"/>
           </a:xfrm>
           <a:prstGeom prst="rect">
             <a:avLst/>
@@ -2398,7 +2313,7 @@
       </p:grpSpPr>
       <p:sp>
         <p:nvSpPr>
-          <p:cNvPr id="89" name="PlaceHolder 1"/>
+          <p:cNvPr id="80" name="PlaceHolder 1"/>
           <p:cNvSpPr>
             <a:spLocks noGrp="1"/>
           </p:cNvSpPr>
@@ -2409,7 +2324,7 @@
         <p:spPr>
           <a:xfrm>
             <a:off x="457200" y="274680"/>
-            <a:ext cx="8229240" cy="1143000"/>
+            <a:ext cx="8225640" cy="1143000"/>
           </a:xfrm>
           <a:prstGeom prst="rect">
             <a:avLst/>
@@ -2418,13 +2333,14 @@
         <p:txBody>
           <a:bodyPr anchor="ctr" bIns="0" lIns="0" rIns="0" tIns="0" wrap="none"/>
           <a:p>
-            <a:endParaRPr/>
-          </a:p>
-        </p:txBody>
-      </p:sp>
-      <p:sp>
-        <p:nvSpPr>
-          <p:cNvPr id="90" name="PlaceHolder 2"/>
+            <a:pPr algn="ctr"/>
+            <a:endParaRPr/>
+          </a:p>
+        </p:txBody>
+      </p:sp>
+      <p:sp>
+        <p:nvSpPr>
+          <p:cNvPr id="81" name="PlaceHolder 2"/>
           <p:cNvSpPr>
             <a:spLocks noGrp="1"/>
           </p:cNvSpPr>
@@ -2435,59 +2351,59 @@
         <p:spPr>
           <a:xfrm>
             <a:off x="457200" y="1600200"/>
-            <a:ext cx="4015440" cy="2158200"/>
-          </a:xfrm>
-          <a:prstGeom prst="rect">
-            <a:avLst/>
-          </a:prstGeom>
-        </p:spPr>
-        <p:txBody>
-          <a:bodyPr bIns="0" lIns="0" rIns="0" tIns="0" wrap="none"/>
-          <a:p>
-            <a:endParaRPr/>
-          </a:p>
-        </p:txBody>
-      </p:sp>
-      <p:sp>
-        <p:nvSpPr>
-          <p:cNvPr id="91" name="PlaceHolder 3"/>
-          <p:cNvSpPr>
-            <a:spLocks noGrp="1"/>
-          </p:cNvSpPr>
-          <p:nvPr>
-            <p:ph type="body"/>
-          </p:nvPr>
-        </p:nvSpPr>
-        <p:spPr>
-          <a:xfrm>
-            <a:off x="457200" y="3963600"/>
-            <a:ext cx="4015440" cy="2158200"/>
-          </a:xfrm>
-          <a:prstGeom prst="rect">
-            <a:avLst/>
-          </a:prstGeom>
-        </p:spPr>
-        <p:txBody>
-          <a:bodyPr bIns="0" lIns="0" rIns="0" tIns="0" wrap="none"/>
-          <a:p>
-            <a:endParaRPr/>
-          </a:p>
-        </p:txBody>
-      </p:sp>
-      <p:sp>
-        <p:nvSpPr>
-          <p:cNvPr id="92" name="PlaceHolder 4"/>
-          <p:cNvSpPr>
-            <a:spLocks noGrp="1"/>
-          </p:cNvSpPr>
-          <p:nvPr>
-            <p:ph type="body"/>
-          </p:nvPr>
-        </p:nvSpPr>
-        <p:spPr>
-          <a:xfrm>
-            <a:off x="4673520" y="1600200"/>
-            <a:ext cx="4015440" cy="4525560"/>
+            <a:ext cx="2160" cy="2156760"/>
+          </a:xfrm>
+          <a:prstGeom prst="rect">
+            <a:avLst/>
+          </a:prstGeom>
+        </p:spPr>
+        <p:txBody>
+          <a:bodyPr bIns="0" lIns="0" rIns="0" tIns="0" wrap="none"/>
+          <a:p>
+            <a:endParaRPr/>
+          </a:p>
+        </p:txBody>
+      </p:sp>
+      <p:sp>
+        <p:nvSpPr>
+          <p:cNvPr id="82" name="PlaceHolder 3"/>
+          <p:cNvSpPr>
+            <a:spLocks noGrp="1"/>
+          </p:cNvSpPr>
+          <p:nvPr>
+            <p:ph type="body"/>
+          </p:nvPr>
+        </p:nvSpPr>
+        <p:spPr>
+          <a:xfrm>
+            <a:off x="457200" y="3962160"/>
+            <a:ext cx="2160" cy="2156760"/>
+          </a:xfrm>
+          <a:prstGeom prst="rect">
+            <a:avLst/>
+          </a:prstGeom>
+        </p:spPr>
+        <p:txBody>
+          <a:bodyPr bIns="0" lIns="0" rIns="0" tIns="0" wrap="none"/>
+          <a:p>
+            <a:endParaRPr/>
+          </a:p>
+        </p:txBody>
+      </p:sp>
+      <p:sp>
+        <p:nvSpPr>
+          <p:cNvPr id="83" name="PlaceHolder 4"/>
+          <p:cNvSpPr>
+            <a:spLocks noGrp="1"/>
+          </p:cNvSpPr>
+          <p:nvPr>
+            <p:ph type="body"/>
+          </p:nvPr>
+        </p:nvSpPr>
+        <p:spPr>
+          <a:xfrm>
+            <a:off x="459720" y="1600200"/>
+            <a:ext cx="2160" cy="4521960"/>
           </a:xfrm>
           <a:prstGeom prst="rect">
             <a:avLst/>
@@ -2524,7 +2440,7 @@
       </p:grpSpPr>
       <p:sp>
         <p:nvSpPr>
-          <p:cNvPr id="93" name="PlaceHolder 1"/>
+          <p:cNvPr id="84" name="PlaceHolder 1"/>
           <p:cNvSpPr>
             <a:spLocks noGrp="1"/>
           </p:cNvSpPr>
@@ -2535,7 +2451,7 @@
         <p:spPr>
           <a:xfrm>
             <a:off x="457200" y="274680"/>
-            <a:ext cx="8229240" cy="1143000"/>
+            <a:ext cx="8225640" cy="1143000"/>
           </a:xfrm>
           <a:prstGeom prst="rect">
             <a:avLst/>
@@ -2544,13 +2460,14 @@
         <p:txBody>
           <a:bodyPr anchor="ctr" bIns="0" lIns="0" rIns="0" tIns="0" wrap="none"/>
           <a:p>
-            <a:endParaRPr/>
-          </a:p>
-        </p:txBody>
-      </p:sp>
-      <p:sp>
-        <p:nvSpPr>
-          <p:cNvPr id="94" name="PlaceHolder 2"/>
+            <a:pPr algn="ctr"/>
+            <a:endParaRPr/>
+          </a:p>
+        </p:txBody>
+      </p:sp>
+      <p:sp>
+        <p:nvSpPr>
+          <p:cNvPr id="85" name="PlaceHolder 2"/>
           <p:cNvSpPr>
             <a:spLocks noGrp="1"/>
           </p:cNvSpPr>
@@ -2561,59 +2478,59 @@
         <p:spPr>
           <a:xfrm>
             <a:off x="457200" y="1600200"/>
-            <a:ext cx="4015440" cy="4525560"/>
-          </a:xfrm>
-          <a:prstGeom prst="rect">
-            <a:avLst/>
-          </a:prstGeom>
-        </p:spPr>
-        <p:txBody>
-          <a:bodyPr bIns="0" lIns="0" rIns="0" tIns="0" wrap="none"/>
-          <a:p>
-            <a:endParaRPr/>
-          </a:p>
-        </p:txBody>
-      </p:sp>
-      <p:sp>
-        <p:nvSpPr>
-          <p:cNvPr id="95" name="PlaceHolder 3"/>
-          <p:cNvSpPr>
-            <a:spLocks noGrp="1"/>
-          </p:cNvSpPr>
-          <p:nvPr>
-            <p:ph type="body"/>
-          </p:nvPr>
-        </p:nvSpPr>
-        <p:spPr>
-          <a:xfrm>
-            <a:off x="4673520" y="1600200"/>
-            <a:ext cx="4015440" cy="2158200"/>
-          </a:xfrm>
-          <a:prstGeom prst="rect">
-            <a:avLst/>
-          </a:prstGeom>
-        </p:spPr>
-        <p:txBody>
-          <a:bodyPr bIns="0" lIns="0" rIns="0" tIns="0" wrap="none"/>
-          <a:p>
-            <a:endParaRPr/>
-          </a:p>
-        </p:txBody>
-      </p:sp>
-      <p:sp>
-        <p:nvSpPr>
-          <p:cNvPr id="96" name="PlaceHolder 4"/>
-          <p:cNvSpPr>
-            <a:spLocks noGrp="1"/>
-          </p:cNvSpPr>
-          <p:nvPr>
-            <p:ph type="body"/>
-          </p:nvPr>
-        </p:nvSpPr>
-        <p:spPr>
-          <a:xfrm>
-            <a:off x="4673520" y="3963600"/>
-            <a:ext cx="4015440" cy="2158200"/>
+            <a:ext cx="2160" cy="4521960"/>
+          </a:xfrm>
+          <a:prstGeom prst="rect">
+            <a:avLst/>
+          </a:prstGeom>
+        </p:spPr>
+        <p:txBody>
+          <a:bodyPr bIns="0" lIns="0" rIns="0" tIns="0" wrap="none"/>
+          <a:p>
+            <a:endParaRPr/>
+          </a:p>
+        </p:txBody>
+      </p:sp>
+      <p:sp>
+        <p:nvSpPr>
+          <p:cNvPr id="86" name="PlaceHolder 3"/>
+          <p:cNvSpPr>
+            <a:spLocks noGrp="1"/>
+          </p:cNvSpPr>
+          <p:nvPr>
+            <p:ph type="body"/>
+          </p:nvPr>
+        </p:nvSpPr>
+        <p:spPr>
+          <a:xfrm>
+            <a:off x="459720" y="1600200"/>
+            <a:ext cx="2160" cy="2156760"/>
+          </a:xfrm>
+          <a:prstGeom prst="rect">
+            <a:avLst/>
+          </a:prstGeom>
+        </p:spPr>
+        <p:txBody>
+          <a:bodyPr bIns="0" lIns="0" rIns="0" tIns="0" wrap="none"/>
+          <a:p>
+            <a:endParaRPr/>
+          </a:p>
+        </p:txBody>
+      </p:sp>
+      <p:sp>
+        <p:nvSpPr>
+          <p:cNvPr id="87" name="PlaceHolder 4"/>
+          <p:cNvSpPr>
+            <a:spLocks noGrp="1"/>
+          </p:cNvSpPr>
+          <p:nvPr>
+            <p:ph type="body"/>
+          </p:nvPr>
+        </p:nvSpPr>
+        <p:spPr>
+          <a:xfrm>
+            <a:off x="459720" y="3962160"/>
+            <a:ext cx="2160" cy="2156760"/>
           </a:xfrm>
           <a:prstGeom prst="rect">
             <a:avLst/>
@@ -2650,7 +2567,7 @@
       </p:grpSpPr>
       <p:sp>
         <p:nvSpPr>
-          <p:cNvPr id="97" name="PlaceHolder 1"/>
+          <p:cNvPr id="88" name="PlaceHolder 1"/>
           <p:cNvSpPr>
             <a:spLocks noGrp="1"/>
           </p:cNvSpPr>
@@ -2661,7 +2578,7 @@
         <p:spPr>
           <a:xfrm>
             <a:off x="457200" y="274680"/>
-            <a:ext cx="8229240" cy="1143000"/>
+            <a:ext cx="8225640" cy="1143000"/>
           </a:xfrm>
           <a:prstGeom prst="rect">
             <a:avLst/>
@@ -2670,13 +2587,14 @@
         <p:txBody>
           <a:bodyPr anchor="ctr" bIns="0" lIns="0" rIns="0" tIns="0" wrap="none"/>
           <a:p>
-            <a:endParaRPr/>
-          </a:p>
-        </p:txBody>
-      </p:sp>
-      <p:sp>
-        <p:nvSpPr>
-          <p:cNvPr id="98" name="PlaceHolder 2"/>
+            <a:pPr algn="ctr"/>
+            <a:endParaRPr/>
+          </a:p>
+        </p:txBody>
+      </p:sp>
+      <p:sp>
+        <p:nvSpPr>
+          <p:cNvPr id="89" name="PlaceHolder 2"/>
           <p:cNvSpPr>
             <a:spLocks noGrp="1"/>
           </p:cNvSpPr>
@@ -2687,59 +2605,59 @@
         <p:spPr>
           <a:xfrm>
             <a:off x="457200" y="1600200"/>
-            <a:ext cx="4015440" cy="2158200"/>
-          </a:xfrm>
-          <a:prstGeom prst="rect">
-            <a:avLst/>
-          </a:prstGeom>
-        </p:spPr>
-        <p:txBody>
-          <a:bodyPr bIns="0" lIns="0" rIns="0" tIns="0" wrap="none"/>
-          <a:p>
-            <a:endParaRPr/>
-          </a:p>
-        </p:txBody>
-      </p:sp>
-      <p:sp>
-        <p:nvSpPr>
-          <p:cNvPr id="99" name="PlaceHolder 3"/>
-          <p:cNvSpPr>
-            <a:spLocks noGrp="1"/>
-          </p:cNvSpPr>
-          <p:nvPr>
-            <p:ph type="body"/>
-          </p:nvPr>
-        </p:nvSpPr>
-        <p:spPr>
-          <a:xfrm>
-            <a:off x="4673520" y="1600200"/>
-            <a:ext cx="4015440" cy="2158200"/>
-          </a:xfrm>
-          <a:prstGeom prst="rect">
-            <a:avLst/>
-          </a:prstGeom>
-        </p:spPr>
-        <p:txBody>
-          <a:bodyPr bIns="0" lIns="0" rIns="0" tIns="0" wrap="none"/>
-          <a:p>
-            <a:endParaRPr/>
-          </a:p>
-        </p:txBody>
-      </p:sp>
-      <p:sp>
-        <p:nvSpPr>
-          <p:cNvPr id="100" name="PlaceHolder 4"/>
-          <p:cNvSpPr>
-            <a:spLocks noGrp="1"/>
-          </p:cNvSpPr>
-          <p:nvPr>
-            <p:ph type="body"/>
-          </p:nvPr>
-        </p:nvSpPr>
-        <p:spPr>
-          <a:xfrm>
-            <a:off x="457200" y="3963600"/>
-            <a:ext cx="8228520" cy="2158200"/>
+            <a:ext cx="2160" cy="2156760"/>
+          </a:xfrm>
+          <a:prstGeom prst="rect">
+            <a:avLst/>
+          </a:prstGeom>
+        </p:spPr>
+        <p:txBody>
+          <a:bodyPr bIns="0" lIns="0" rIns="0" tIns="0" wrap="none"/>
+          <a:p>
+            <a:endParaRPr/>
+          </a:p>
+        </p:txBody>
+      </p:sp>
+      <p:sp>
+        <p:nvSpPr>
+          <p:cNvPr id="90" name="PlaceHolder 3"/>
+          <p:cNvSpPr>
+            <a:spLocks noGrp="1"/>
+          </p:cNvSpPr>
+          <p:nvPr>
+            <p:ph type="body"/>
+          </p:nvPr>
+        </p:nvSpPr>
+        <p:spPr>
+          <a:xfrm>
+            <a:off x="459720" y="1600200"/>
+            <a:ext cx="2160" cy="2156760"/>
+          </a:xfrm>
+          <a:prstGeom prst="rect">
+            <a:avLst/>
+          </a:prstGeom>
+        </p:spPr>
+        <p:txBody>
+          <a:bodyPr bIns="0" lIns="0" rIns="0" tIns="0" wrap="none"/>
+          <a:p>
+            <a:endParaRPr/>
+          </a:p>
+        </p:txBody>
+      </p:sp>
+      <p:sp>
+        <p:nvSpPr>
+          <p:cNvPr id="91" name="PlaceHolder 4"/>
+          <p:cNvSpPr>
+            <a:spLocks noGrp="1"/>
+          </p:cNvSpPr>
+          <p:nvPr>
+            <p:ph type="body"/>
+          </p:nvPr>
+        </p:nvSpPr>
+        <p:spPr>
+          <a:xfrm>
+            <a:off x="457200" y="3962160"/>
+            <a:ext cx="4680" cy="2156760"/>
           </a:xfrm>
           <a:prstGeom prst="rect">
             <a:avLst/>
@@ -2776,7 +2694,7 @@
       </p:grpSpPr>
       <p:sp>
         <p:nvSpPr>
-          <p:cNvPr id="101" name="PlaceHolder 1"/>
+          <p:cNvPr id="92" name="PlaceHolder 1"/>
           <p:cNvSpPr>
             <a:spLocks noGrp="1"/>
           </p:cNvSpPr>
@@ -2787,7 +2705,7 @@
         <p:spPr>
           <a:xfrm>
             <a:off x="457200" y="274680"/>
-            <a:ext cx="8229240" cy="1143000"/>
+            <a:ext cx="8225640" cy="1143000"/>
           </a:xfrm>
           <a:prstGeom prst="rect">
             <a:avLst/>
@@ -2796,13 +2714,14 @@
         <p:txBody>
           <a:bodyPr anchor="ctr" bIns="0" lIns="0" rIns="0" tIns="0" wrap="none"/>
           <a:p>
-            <a:endParaRPr/>
-          </a:p>
-        </p:txBody>
-      </p:sp>
-      <p:sp>
-        <p:nvSpPr>
-          <p:cNvPr id="102" name="PlaceHolder 2"/>
+            <a:pPr algn="ctr"/>
+            <a:endParaRPr/>
+          </a:p>
+        </p:txBody>
+      </p:sp>
+      <p:sp>
+        <p:nvSpPr>
+          <p:cNvPr id="93" name="PlaceHolder 2"/>
           <p:cNvSpPr>
             <a:spLocks noGrp="1"/>
           </p:cNvSpPr>
@@ -2813,33 +2732,33 @@
         <p:spPr>
           <a:xfrm>
             <a:off x="457200" y="1600200"/>
-            <a:ext cx="8229240" cy="2158200"/>
-          </a:xfrm>
-          <a:prstGeom prst="rect">
-            <a:avLst/>
-          </a:prstGeom>
-        </p:spPr>
-        <p:txBody>
-          <a:bodyPr bIns="0" lIns="0" rIns="0" tIns="0" wrap="none"/>
-          <a:p>
-            <a:endParaRPr/>
-          </a:p>
-        </p:txBody>
-      </p:sp>
-      <p:sp>
-        <p:nvSpPr>
-          <p:cNvPr id="103" name="PlaceHolder 3"/>
-          <p:cNvSpPr>
-            <a:spLocks noGrp="1"/>
-          </p:cNvSpPr>
-          <p:nvPr>
-            <p:ph type="body"/>
-          </p:nvPr>
-        </p:nvSpPr>
-        <p:spPr>
-          <a:xfrm>
-            <a:off x="457200" y="3963600"/>
-            <a:ext cx="8229240" cy="2158200"/>
+            <a:ext cx="5040" cy="2156760"/>
+          </a:xfrm>
+          <a:prstGeom prst="rect">
+            <a:avLst/>
+          </a:prstGeom>
+        </p:spPr>
+        <p:txBody>
+          <a:bodyPr bIns="0" lIns="0" rIns="0" tIns="0" wrap="none"/>
+          <a:p>
+            <a:endParaRPr/>
+          </a:p>
+        </p:txBody>
+      </p:sp>
+      <p:sp>
+        <p:nvSpPr>
+          <p:cNvPr id="94" name="PlaceHolder 3"/>
+          <p:cNvSpPr>
+            <a:spLocks noGrp="1"/>
+          </p:cNvSpPr>
+          <p:nvPr>
+            <p:ph type="body"/>
+          </p:nvPr>
+        </p:nvSpPr>
+        <p:spPr>
+          <a:xfrm>
+            <a:off x="457200" y="3962160"/>
+            <a:ext cx="5040" cy="2156760"/>
           </a:xfrm>
           <a:prstGeom prst="rect">
             <a:avLst/>
@@ -2876,7 +2795,7 @@
       </p:grpSpPr>
       <p:sp>
         <p:nvSpPr>
-          <p:cNvPr id="104" name="PlaceHolder 1"/>
+          <p:cNvPr id="95" name="PlaceHolder 1"/>
           <p:cNvSpPr>
             <a:spLocks noGrp="1"/>
           </p:cNvSpPr>
@@ -2887,7 +2806,7 @@
         <p:spPr>
           <a:xfrm>
             <a:off x="457200" y="274680"/>
-            <a:ext cx="8229240" cy="1143000"/>
+            <a:ext cx="8225640" cy="1143000"/>
           </a:xfrm>
           <a:prstGeom prst="rect">
             <a:avLst/>
@@ -2896,13 +2815,14 @@
         <p:txBody>
           <a:bodyPr anchor="ctr" bIns="0" lIns="0" rIns="0" tIns="0" wrap="none"/>
           <a:p>
-            <a:endParaRPr/>
-          </a:p>
-        </p:txBody>
-      </p:sp>
-      <p:sp>
-        <p:nvSpPr>
-          <p:cNvPr id="105" name="PlaceHolder 2"/>
+            <a:pPr algn="ctr"/>
+            <a:endParaRPr/>
+          </a:p>
+        </p:txBody>
+      </p:sp>
+      <p:sp>
+        <p:nvSpPr>
+          <p:cNvPr id="96" name="PlaceHolder 2"/>
           <p:cNvSpPr>
             <a:spLocks noGrp="1"/>
           </p:cNvSpPr>
@@ -2913,85 +2833,85 @@
         <p:spPr>
           <a:xfrm>
             <a:off x="457200" y="1600200"/>
-            <a:ext cx="4015440" cy="2158200"/>
-          </a:xfrm>
-          <a:prstGeom prst="rect">
-            <a:avLst/>
-          </a:prstGeom>
-        </p:spPr>
-        <p:txBody>
-          <a:bodyPr bIns="0" lIns="0" rIns="0" tIns="0" wrap="none"/>
-          <a:p>
-            <a:endParaRPr/>
-          </a:p>
-        </p:txBody>
-      </p:sp>
-      <p:sp>
-        <p:nvSpPr>
-          <p:cNvPr id="106" name="PlaceHolder 3"/>
-          <p:cNvSpPr>
-            <a:spLocks noGrp="1"/>
-          </p:cNvSpPr>
-          <p:nvPr>
-            <p:ph type="body"/>
-          </p:nvPr>
-        </p:nvSpPr>
-        <p:spPr>
-          <a:xfrm>
-            <a:off x="4673520" y="1600200"/>
-            <a:ext cx="4015440" cy="2158200"/>
-          </a:xfrm>
-          <a:prstGeom prst="rect">
-            <a:avLst/>
-          </a:prstGeom>
-        </p:spPr>
-        <p:txBody>
-          <a:bodyPr bIns="0" lIns="0" rIns="0" tIns="0" wrap="none"/>
-          <a:p>
-            <a:endParaRPr/>
-          </a:p>
-        </p:txBody>
-      </p:sp>
-      <p:sp>
-        <p:nvSpPr>
-          <p:cNvPr id="107" name="PlaceHolder 4"/>
-          <p:cNvSpPr>
-            <a:spLocks noGrp="1"/>
-          </p:cNvSpPr>
-          <p:nvPr>
-            <p:ph type="body"/>
-          </p:nvPr>
-        </p:nvSpPr>
-        <p:spPr>
-          <a:xfrm>
-            <a:off x="4673520" y="3963600"/>
-            <a:ext cx="4015440" cy="2158200"/>
-          </a:xfrm>
-          <a:prstGeom prst="rect">
-            <a:avLst/>
-          </a:prstGeom>
-        </p:spPr>
-        <p:txBody>
-          <a:bodyPr bIns="0" lIns="0" rIns="0" tIns="0" wrap="none"/>
-          <a:p>
-            <a:endParaRPr/>
-          </a:p>
-        </p:txBody>
-      </p:sp>
-      <p:sp>
-        <p:nvSpPr>
-          <p:cNvPr id="108" name="PlaceHolder 5"/>
-          <p:cNvSpPr>
-            <a:spLocks noGrp="1"/>
-          </p:cNvSpPr>
-          <p:nvPr>
-            <p:ph type="body"/>
-          </p:nvPr>
-        </p:nvSpPr>
-        <p:spPr>
-          <a:xfrm>
-            <a:off x="457200" y="3963600"/>
-            <a:ext cx="4015440" cy="2158200"/>
+            <a:ext cx="2160" cy="2156760"/>
+          </a:xfrm>
+          <a:prstGeom prst="rect">
+            <a:avLst/>
+          </a:prstGeom>
+        </p:spPr>
+        <p:txBody>
+          <a:bodyPr bIns="0" lIns="0" rIns="0" tIns="0" wrap="none"/>
+          <a:p>
+            <a:endParaRPr/>
+          </a:p>
+        </p:txBody>
+      </p:sp>
+      <p:sp>
+        <p:nvSpPr>
+          <p:cNvPr id="97" name="PlaceHolder 3"/>
+          <p:cNvSpPr>
+            <a:spLocks noGrp="1"/>
+          </p:cNvSpPr>
+          <p:nvPr>
+            <p:ph type="body"/>
+          </p:nvPr>
+        </p:nvSpPr>
+        <p:spPr>
+          <a:xfrm>
+            <a:off x="459720" y="1600200"/>
+            <a:ext cx="2160" cy="2156760"/>
+          </a:xfrm>
+          <a:prstGeom prst="rect">
+            <a:avLst/>
+          </a:prstGeom>
+        </p:spPr>
+        <p:txBody>
+          <a:bodyPr bIns="0" lIns="0" rIns="0" tIns="0" wrap="none"/>
+          <a:p>
+            <a:endParaRPr/>
+          </a:p>
+        </p:txBody>
+      </p:sp>
+      <p:sp>
+        <p:nvSpPr>
+          <p:cNvPr id="98" name="PlaceHolder 4"/>
+          <p:cNvSpPr>
+            <a:spLocks noGrp="1"/>
+          </p:cNvSpPr>
+          <p:nvPr>
+            <p:ph type="body"/>
+          </p:nvPr>
+        </p:nvSpPr>
+        <p:spPr>
+          <a:xfrm>
+            <a:off x="459720" y="3962160"/>
+            <a:ext cx="2160" cy="2156760"/>
+          </a:xfrm>
+          <a:prstGeom prst="rect">
+            <a:avLst/>
+          </a:prstGeom>
+        </p:spPr>
+        <p:txBody>
+          <a:bodyPr bIns="0" lIns="0" rIns="0" tIns="0" wrap="none"/>
+          <a:p>
+            <a:endParaRPr/>
+          </a:p>
+        </p:txBody>
+      </p:sp>
+      <p:sp>
+        <p:nvSpPr>
+          <p:cNvPr id="99" name="PlaceHolder 5"/>
+          <p:cNvSpPr>
+            <a:spLocks noGrp="1"/>
+          </p:cNvSpPr>
+          <p:nvPr>
+            <p:ph type="body"/>
+          </p:nvPr>
+        </p:nvSpPr>
+        <p:spPr>
+          <a:xfrm>
+            <a:off x="457200" y="3962160"/>
+            <a:ext cx="2160" cy="2156760"/>
           </a:xfrm>
           <a:prstGeom prst="rect">
             <a:avLst/>
@@ -3028,7 +2948,7 @@
       </p:grpSpPr>
       <p:sp>
         <p:nvSpPr>
-          <p:cNvPr id="109" name="PlaceHolder 1"/>
+          <p:cNvPr id="100" name="PlaceHolder 1"/>
           <p:cNvSpPr>
             <a:spLocks noGrp="1"/>
           </p:cNvSpPr>
@@ -3039,7 +2959,7 @@
         <p:spPr>
           <a:xfrm>
             <a:off x="457200" y="274680"/>
-            <a:ext cx="8229240" cy="1143000"/>
+            <a:ext cx="8225640" cy="1143000"/>
           </a:xfrm>
           <a:prstGeom prst="rect">
             <a:avLst/>
@@ -3048,13 +2968,14 @@
         <p:txBody>
           <a:bodyPr anchor="ctr" bIns="0" lIns="0" rIns="0" tIns="0" wrap="none"/>
           <a:p>
-            <a:endParaRPr/>
-          </a:p>
-        </p:txBody>
-      </p:sp>
-      <p:sp>
-        <p:nvSpPr>
-          <p:cNvPr id="110" name="PlaceHolder 2"/>
+            <a:pPr algn="ctr"/>
+            <a:endParaRPr/>
+          </a:p>
+        </p:txBody>
+      </p:sp>
+      <p:sp>
+        <p:nvSpPr>
+          <p:cNvPr id="101" name="PlaceHolder 2"/>
           <p:cNvSpPr>
             <a:spLocks noGrp="1"/>
           </p:cNvSpPr>
@@ -3065,33 +2986,33 @@
         <p:spPr>
           <a:xfrm>
             <a:off x="457200" y="1600200"/>
-            <a:ext cx="4015440" cy="2158200"/>
-          </a:xfrm>
-          <a:prstGeom prst="rect">
-            <a:avLst/>
-          </a:prstGeom>
-        </p:spPr>
-        <p:txBody>
-          <a:bodyPr bIns="0" lIns="0" rIns="0" tIns="0" wrap="none"/>
-          <a:p>
-            <a:endParaRPr/>
-          </a:p>
-        </p:txBody>
-      </p:sp>
-      <p:sp>
-        <p:nvSpPr>
-          <p:cNvPr id="111" name="PlaceHolder 3"/>
-          <p:cNvSpPr>
-            <a:spLocks noGrp="1"/>
-          </p:cNvSpPr>
-          <p:nvPr>
-            <p:ph type="body"/>
-          </p:nvPr>
-        </p:nvSpPr>
-        <p:spPr>
-          <a:xfrm>
-            <a:off x="4673520" y="1600200"/>
-            <a:ext cx="4015440" cy="2158200"/>
+            <a:ext cx="2160" cy="2156760"/>
+          </a:xfrm>
+          <a:prstGeom prst="rect">
+            <a:avLst/>
+          </a:prstGeom>
+        </p:spPr>
+        <p:txBody>
+          <a:bodyPr bIns="0" lIns="0" rIns="0" tIns="0" wrap="none"/>
+          <a:p>
+            <a:endParaRPr/>
+          </a:p>
+        </p:txBody>
+      </p:sp>
+      <p:sp>
+        <p:nvSpPr>
+          <p:cNvPr id="102" name="PlaceHolder 3"/>
+          <p:cNvSpPr>
+            <a:spLocks noGrp="1"/>
+          </p:cNvSpPr>
+          <p:nvPr>
+            <p:ph type="body"/>
+          </p:nvPr>
+        </p:nvSpPr>
+        <p:spPr>
+          <a:xfrm>
+            <a:off x="459720" y="1600200"/>
+            <a:ext cx="2160" cy="2156760"/>
           </a:xfrm>
           <a:prstGeom prst="rect">
             <a:avLst/>
@@ -3128,7 +3049,7 @@
       </p:grpSpPr>
       <p:sp>
         <p:nvSpPr>
-          <p:cNvPr id="9" name="PlaceHolder 1"/>
+          <p:cNvPr id="6" name="PlaceHolder 1"/>
           <p:cNvSpPr>
             <a:spLocks noGrp="1"/>
           </p:cNvSpPr>
@@ -3139,7 +3060,7 @@
         <p:spPr>
           <a:xfrm>
             <a:off x="457200" y="274680"/>
-            <a:ext cx="8229240" cy="1143000"/>
+            <a:ext cx="8225640" cy="1143000"/>
           </a:xfrm>
           <a:prstGeom prst="rect">
             <a:avLst/>
@@ -3148,13 +3069,14 @@
         <p:txBody>
           <a:bodyPr anchor="ctr" bIns="0" lIns="0" rIns="0" tIns="0" wrap="none"/>
           <a:p>
-            <a:endParaRPr/>
-          </a:p>
-        </p:txBody>
-      </p:sp>
-      <p:sp>
-        <p:nvSpPr>
-          <p:cNvPr id="10" name="PlaceHolder 2"/>
+            <a:pPr algn="ctr"/>
+            <a:endParaRPr/>
+          </a:p>
+        </p:txBody>
+      </p:sp>
+      <p:sp>
+        <p:nvSpPr>
+          <p:cNvPr id="7" name="PlaceHolder 2"/>
           <p:cNvSpPr>
             <a:spLocks noGrp="1"/>
           </p:cNvSpPr>
@@ -3165,33 +3087,33 @@
         <p:spPr>
           <a:xfrm>
             <a:off x="457200" y="1600200"/>
-            <a:ext cx="4015440" cy="4525560"/>
-          </a:xfrm>
-          <a:prstGeom prst="rect">
-            <a:avLst/>
-          </a:prstGeom>
-        </p:spPr>
-        <p:txBody>
-          <a:bodyPr bIns="0" lIns="0" rIns="0" tIns="0" wrap="none"/>
-          <a:p>
-            <a:endParaRPr/>
-          </a:p>
-        </p:txBody>
-      </p:sp>
-      <p:sp>
-        <p:nvSpPr>
-          <p:cNvPr id="11" name="PlaceHolder 3"/>
-          <p:cNvSpPr>
-            <a:spLocks noGrp="1"/>
-          </p:cNvSpPr>
-          <p:nvPr>
-            <p:ph type="body"/>
-          </p:nvPr>
-        </p:nvSpPr>
-        <p:spPr>
-          <a:xfrm>
-            <a:off x="4673520" y="1600200"/>
-            <a:ext cx="4015440" cy="4525560"/>
+            <a:ext cx="2160" cy="4521960"/>
+          </a:xfrm>
+          <a:prstGeom prst="rect">
+            <a:avLst/>
+          </a:prstGeom>
+        </p:spPr>
+        <p:txBody>
+          <a:bodyPr bIns="0" lIns="0" rIns="0" tIns="0" wrap="none"/>
+          <a:p>
+            <a:endParaRPr/>
+          </a:p>
+        </p:txBody>
+      </p:sp>
+      <p:sp>
+        <p:nvSpPr>
+          <p:cNvPr id="8" name="PlaceHolder 3"/>
+          <p:cNvSpPr>
+            <a:spLocks noGrp="1"/>
+          </p:cNvSpPr>
+          <p:nvPr>
+            <p:ph type="body"/>
+          </p:nvPr>
+        </p:nvSpPr>
+        <p:spPr>
+          <a:xfrm>
+            <a:off x="459720" y="1600200"/>
+            <a:ext cx="2160" cy="4521960"/>
           </a:xfrm>
           <a:prstGeom prst="rect">
             <a:avLst/>
@@ -3228,7 +3150,7 @@
       </p:grpSpPr>
       <p:sp>
         <p:nvSpPr>
-          <p:cNvPr id="12" name="PlaceHolder 1"/>
+          <p:cNvPr id="9" name="PlaceHolder 1"/>
           <p:cNvSpPr>
             <a:spLocks noGrp="1"/>
           </p:cNvSpPr>
@@ -3239,7 +3161,7 @@
         <p:spPr>
           <a:xfrm>
             <a:off x="457200" y="274680"/>
-            <a:ext cx="8229240" cy="1143000"/>
+            <a:ext cx="8225640" cy="1143000"/>
           </a:xfrm>
           <a:prstGeom prst="rect">
             <a:avLst/>
@@ -3248,6 +3170,7 @@
         <p:txBody>
           <a:bodyPr anchor="ctr" bIns="0" lIns="0" rIns="0" tIns="0" wrap="none"/>
           <a:p>
+            <a:pPr algn="ctr"/>
             <a:endParaRPr/>
           </a:p>
         </p:txBody>
@@ -3276,7 +3199,7 @@
       </p:grpSpPr>
       <p:sp>
         <p:nvSpPr>
-          <p:cNvPr id="13" name="PlaceHolder 1"/>
+          <p:cNvPr id="10" name="PlaceHolder 1"/>
           <p:cNvSpPr>
             <a:spLocks noGrp="1"/>
           </p:cNvSpPr>
@@ -3287,7 +3210,7 @@
         <p:spPr>
           <a:xfrm>
             <a:off x="457200" y="274680"/>
-            <a:ext cx="8229240" cy="5851080"/>
+            <a:ext cx="8225640" cy="5847480"/>
           </a:xfrm>
           <a:prstGeom prst="rect">
             <a:avLst/>
@@ -3325,7 +3248,7 @@
       </p:grpSpPr>
       <p:sp>
         <p:nvSpPr>
-          <p:cNvPr id="14" name="PlaceHolder 1"/>
+          <p:cNvPr id="11" name="PlaceHolder 1"/>
           <p:cNvSpPr>
             <a:spLocks noGrp="1"/>
           </p:cNvSpPr>
@@ -3336,7 +3259,7 @@
         <p:spPr>
           <a:xfrm>
             <a:off x="457200" y="274680"/>
-            <a:ext cx="8229240" cy="1143000"/>
+            <a:ext cx="8225640" cy="1143000"/>
           </a:xfrm>
           <a:prstGeom prst="rect">
             <a:avLst/>
@@ -3345,13 +3268,14 @@
         <p:txBody>
           <a:bodyPr anchor="ctr" bIns="0" lIns="0" rIns="0" tIns="0" wrap="none"/>
           <a:p>
-            <a:endParaRPr/>
-          </a:p>
-        </p:txBody>
-      </p:sp>
-      <p:sp>
-        <p:nvSpPr>
-          <p:cNvPr id="15" name="PlaceHolder 2"/>
+            <a:pPr algn="ctr"/>
+            <a:endParaRPr/>
+          </a:p>
+        </p:txBody>
+      </p:sp>
+      <p:sp>
+        <p:nvSpPr>
+          <p:cNvPr id="12" name="PlaceHolder 2"/>
           <p:cNvSpPr>
             <a:spLocks noGrp="1"/>
           </p:cNvSpPr>
@@ -3362,59 +3286,59 @@
         <p:spPr>
           <a:xfrm>
             <a:off x="457200" y="1600200"/>
-            <a:ext cx="4015440" cy="2158200"/>
-          </a:xfrm>
-          <a:prstGeom prst="rect">
-            <a:avLst/>
-          </a:prstGeom>
-        </p:spPr>
-        <p:txBody>
-          <a:bodyPr bIns="0" lIns="0" rIns="0" tIns="0" wrap="none"/>
-          <a:p>
-            <a:endParaRPr/>
-          </a:p>
-        </p:txBody>
-      </p:sp>
-      <p:sp>
-        <p:nvSpPr>
-          <p:cNvPr id="16" name="PlaceHolder 3"/>
-          <p:cNvSpPr>
-            <a:spLocks noGrp="1"/>
-          </p:cNvSpPr>
-          <p:nvPr>
-            <p:ph type="body"/>
-          </p:nvPr>
-        </p:nvSpPr>
-        <p:spPr>
-          <a:xfrm>
-            <a:off x="457200" y="3963600"/>
-            <a:ext cx="4015440" cy="2158200"/>
-          </a:xfrm>
-          <a:prstGeom prst="rect">
-            <a:avLst/>
-          </a:prstGeom>
-        </p:spPr>
-        <p:txBody>
-          <a:bodyPr bIns="0" lIns="0" rIns="0" tIns="0" wrap="none"/>
-          <a:p>
-            <a:endParaRPr/>
-          </a:p>
-        </p:txBody>
-      </p:sp>
-      <p:sp>
-        <p:nvSpPr>
-          <p:cNvPr id="17" name="PlaceHolder 4"/>
-          <p:cNvSpPr>
-            <a:spLocks noGrp="1"/>
-          </p:cNvSpPr>
-          <p:nvPr>
-            <p:ph type="body"/>
-          </p:nvPr>
-        </p:nvSpPr>
-        <p:spPr>
-          <a:xfrm>
-            <a:off x="4673520" y="1600200"/>
-            <a:ext cx="4015440" cy="4525560"/>
+            <a:ext cx="2160" cy="2156760"/>
+          </a:xfrm>
+          <a:prstGeom prst="rect">
+            <a:avLst/>
+          </a:prstGeom>
+        </p:spPr>
+        <p:txBody>
+          <a:bodyPr bIns="0" lIns="0" rIns="0" tIns="0" wrap="none"/>
+          <a:p>
+            <a:endParaRPr/>
+          </a:p>
+        </p:txBody>
+      </p:sp>
+      <p:sp>
+        <p:nvSpPr>
+          <p:cNvPr id="13" name="PlaceHolder 3"/>
+          <p:cNvSpPr>
+            <a:spLocks noGrp="1"/>
+          </p:cNvSpPr>
+          <p:nvPr>
+            <p:ph type="body"/>
+          </p:nvPr>
+        </p:nvSpPr>
+        <p:spPr>
+          <a:xfrm>
+            <a:off x="457200" y="3962160"/>
+            <a:ext cx="2160" cy="2156760"/>
+          </a:xfrm>
+          <a:prstGeom prst="rect">
+            <a:avLst/>
+          </a:prstGeom>
+        </p:spPr>
+        <p:txBody>
+          <a:bodyPr bIns="0" lIns="0" rIns="0" tIns="0" wrap="none"/>
+          <a:p>
+            <a:endParaRPr/>
+          </a:p>
+        </p:txBody>
+      </p:sp>
+      <p:sp>
+        <p:nvSpPr>
+          <p:cNvPr id="14" name="PlaceHolder 4"/>
+          <p:cNvSpPr>
+            <a:spLocks noGrp="1"/>
+          </p:cNvSpPr>
+          <p:nvPr>
+            <p:ph type="body"/>
+          </p:nvPr>
+        </p:nvSpPr>
+        <p:spPr>
+          <a:xfrm>
+            <a:off x="459720" y="1600200"/>
+            <a:ext cx="2160" cy="4521960"/>
           </a:xfrm>
           <a:prstGeom prst="rect">
             <a:avLst/>
@@ -3451,7 +3375,7 @@
       </p:grpSpPr>
       <p:sp>
         <p:nvSpPr>
-          <p:cNvPr id="18" name="PlaceHolder 1"/>
+          <p:cNvPr id="15" name="PlaceHolder 1"/>
           <p:cNvSpPr>
             <a:spLocks noGrp="1"/>
           </p:cNvSpPr>
@@ -3462,7 +3386,7 @@
         <p:spPr>
           <a:xfrm>
             <a:off x="457200" y="274680"/>
-            <a:ext cx="8229240" cy="1143000"/>
+            <a:ext cx="8225640" cy="1143000"/>
           </a:xfrm>
           <a:prstGeom prst="rect">
             <a:avLst/>
@@ -3471,13 +3395,14 @@
         <p:txBody>
           <a:bodyPr anchor="ctr" bIns="0" lIns="0" rIns="0" tIns="0" wrap="none"/>
           <a:p>
-            <a:endParaRPr/>
-          </a:p>
-        </p:txBody>
-      </p:sp>
-      <p:sp>
-        <p:nvSpPr>
-          <p:cNvPr id="19" name="PlaceHolder 2"/>
+            <a:pPr algn="ctr"/>
+            <a:endParaRPr/>
+          </a:p>
+        </p:txBody>
+      </p:sp>
+      <p:sp>
+        <p:nvSpPr>
+          <p:cNvPr id="16" name="PlaceHolder 2"/>
           <p:cNvSpPr>
             <a:spLocks noGrp="1"/>
           </p:cNvSpPr>
@@ -3488,59 +3413,59 @@
         <p:spPr>
           <a:xfrm>
             <a:off x="457200" y="1600200"/>
-            <a:ext cx="4015440" cy="4525560"/>
-          </a:xfrm>
-          <a:prstGeom prst="rect">
-            <a:avLst/>
-          </a:prstGeom>
-        </p:spPr>
-        <p:txBody>
-          <a:bodyPr bIns="0" lIns="0" rIns="0" tIns="0" wrap="none"/>
-          <a:p>
-            <a:endParaRPr/>
-          </a:p>
-        </p:txBody>
-      </p:sp>
-      <p:sp>
-        <p:nvSpPr>
-          <p:cNvPr id="20" name="PlaceHolder 3"/>
-          <p:cNvSpPr>
-            <a:spLocks noGrp="1"/>
-          </p:cNvSpPr>
-          <p:nvPr>
-            <p:ph type="body"/>
-          </p:nvPr>
-        </p:nvSpPr>
-        <p:spPr>
-          <a:xfrm>
-            <a:off x="4673520" y="1600200"/>
-            <a:ext cx="4015440" cy="2158200"/>
-          </a:xfrm>
-          <a:prstGeom prst="rect">
-            <a:avLst/>
-          </a:prstGeom>
-        </p:spPr>
-        <p:txBody>
-          <a:bodyPr bIns="0" lIns="0" rIns="0" tIns="0" wrap="none"/>
-          <a:p>
-            <a:endParaRPr/>
-          </a:p>
-        </p:txBody>
-      </p:sp>
-      <p:sp>
-        <p:nvSpPr>
-          <p:cNvPr id="21" name="PlaceHolder 4"/>
-          <p:cNvSpPr>
-            <a:spLocks noGrp="1"/>
-          </p:cNvSpPr>
-          <p:nvPr>
-            <p:ph type="body"/>
-          </p:nvPr>
-        </p:nvSpPr>
-        <p:spPr>
-          <a:xfrm>
-            <a:off x="4673520" y="3963600"/>
-            <a:ext cx="4015440" cy="2158200"/>
+            <a:ext cx="2160" cy="4521960"/>
+          </a:xfrm>
+          <a:prstGeom prst="rect">
+            <a:avLst/>
+          </a:prstGeom>
+        </p:spPr>
+        <p:txBody>
+          <a:bodyPr bIns="0" lIns="0" rIns="0" tIns="0" wrap="none"/>
+          <a:p>
+            <a:endParaRPr/>
+          </a:p>
+        </p:txBody>
+      </p:sp>
+      <p:sp>
+        <p:nvSpPr>
+          <p:cNvPr id="17" name="PlaceHolder 3"/>
+          <p:cNvSpPr>
+            <a:spLocks noGrp="1"/>
+          </p:cNvSpPr>
+          <p:nvPr>
+            <p:ph type="body"/>
+          </p:nvPr>
+        </p:nvSpPr>
+        <p:spPr>
+          <a:xfrm>
+            <a:off x="459720" y="1600200"/>
+            <a:ext cx="2160" cy="2156760"/>
+          </a:xfrm>
+          <a:prstGeom prst="rect">
+            <a:avLst/>
+          </a:prstGeom>
+        </p:spPr>
+        <p:txBody>
+          <a:bodyPr bIns="0" lIns="0" rIns="0" tIns="0" wrap="none"/>
+          <a:p>
+            <a:endParaRPr/>
+          </a:p>
+        </p:txBody>
+      </p:sp>
+      <p:sp>
+        <p:nvSpPr>
+          <p:cNvPr id="18" name="PlaceHolder 4"/>
+          <p:cNvSpPr>
+            <a:spLocks noGrp="1"/>
+          </p:cNvSpPr>
+          <p:nvPr>
+            <p:ph type="body"/>
+          </p:nvPr>
+        </p:nvSpPr>
+        <p:spPr>
+          <a:xfrm>
+            <a:off x="459720" y="3962160"/>
+            <a:ext cx="2160" cy="2156760"/>
           </a:xfrm>
           <a:prstGeom prst="rect">
             <a:avLst/>
@@ -3577,7 +3502,7 @@
       </p:grpSpPr>
       <p:sp>
         <p:nvSpPr>
-          <p:cNvPr id="22" name="PlaceHolder 1"/>
+          <p:cNvPr id="19" name="PlaceHolder 1"/>
           <p:cNvSpPr>
             <a:spLocks noGrp="1"/>
           </p:cNvSpPr>
@@ -3588,7 +3513,7 @@
         <p:spPr>
           <a:xfrm>
             <a:off x="457200" y="274680"/>
-            <a:ext cx="8229240" cy="1143000"/>
+            <a:ext cx="8225640" cy="1143000"/>
           </a:xfrm>
           <a:prstGeom prst="rect">
             <a:avLst/>
@@ -3597,13 +3522,14 @@
         <p:txBody>
           <a:bodyPr anchor="ctr" bIns="0" lIns="0" rIns="0" tIns="0" wrap="none"/>
           <a:p>
-            <a:endParaRPr/>
-          </a:p>
-        </p:txBody>
-      </p:sp>
-      <p:sp>
-        <p:nvSpPr>
-          <p:cNvPr id="23" name="PlaceHolder 2"/>
+            <a:pPr algn="ctr"/>
+            <a:endParaRPr/>
+          </a:p>
+        </p:txBody>
+      </p:sp>
+      <p:sp>
+        <p:nvSpPr>
+          <p:cNvPr id="20" name="PlaceHolder 2"/>
           <p:cNvSpPr>
             <a:spLocks noGrp="1"/>
           </p:cNvSpPr>
@@ -3614,59 +3540,59 @@
         <p:spPr>
           <a:xfrm>
             <a:off x="457200" y="1600200"/>
-            <a:ext cx="4015440" cy="2158200"/>
-          </a:xfrm>
-          <a:prstGeom prst="rect">
-            <a:avLst/>
-          </a:prstGeom>
-        </p:spPr>
-        <p:txBody>
-          <a:bodyPr bIns="0" lIns="0" rIns="0" tIns="0" wrap="none"/>
-          <a:p>
-            <a:endParaRPr/>
-          </a:p>
-        </p:txBody>
-      </p:sp>
-      <p:sp>
-        <p:nvSpPr>
-          <p:cNvPr id="24" name="PlaceHolder 3"/>
-          <p:cNvSpPr>
-            <a:spLocks noGrp="1"/>
-          </p:cNvSpPr>
-          <p:nvPr>
-            <p:ph type="body"/>
-          </p:nvPr>
-        </p:nvSpPr>
-        <p:spPr>
-          <a:xfrm>
-            <a:off x="4673520" y="1600200"/>
-            <a:ext cx="4015440" cy="2158200"/>
-          </a:xfrm>
-          <a:prstGeom prst="rect">
-            <a:avLst/>
-          </a:prstGeom>
-        </p:spPr>
-        <p:txBody>
-          <a:bodyPr bIns="0" lIns="0" rIns="0" tIns="0" wrap="none"/>
-          <a:p>
-            <a:endParaRPr/>
-          </a:p>
-        </p:txBody>
-      </p:sp>
-      <p:sp>
-        <p:nvSpPr>
-          <p:cNvPr id="25" name="PlaceHolder 4"/>
-          <p:cNvSpPr>
-            <a:spLocks noGrp="1"/>
-          </p:cNvSpPr>
-          <p:nvPr>
-            <p:ph type="body"/>
-          </p:nvPr>
-        </p:nvSpPr>
-        <p:spPr>
-          <a:xfrm>
-            <a:off x="457200" y="3963600"/>
-            <a:ext cx="8228520" cy="2158200"/>
+            <a:ext cx="2160" cy="2156760"/>
+          </a:xfrm>
+          <a:prstGeom prst="rect">
+            <a:avLst/>
+          </a:prstGeom>
+        </p:spPr>
+        <p:txBody>
+          <a:bodyPr bIns="0" lIns="0" rIns="0" tIns="0" wrap="none"/>
+          <a:p>
+            <a:endParaRPr/>
+          </a:p>
+        </p:txBody>
+      </p:sp>
+      <p:sp>
+        <p:nvSpPr>
+          <p:cNvPr id="21" name="PlaceHolder 3"/>
+          <p:cNvSpPr>
+            <a:spLocks noGrp="1"/>
+          </p:cNvSpPr>
+          <p:nvPr>
+            <p:ph type="body"/>
+          </p:nvPr>
+        </p:nvSpPr>
+        <p:spPr>
+          <a:xfrm>
+            <a:off x="459720" y="1600200"/>
+            <a:ext cx="2160" cy="2156760"/>
+          </a:xfrm>
+          <a:prstGeom prst="rect">
+            <a:avLst/>
+          </a:prstGeom>
+        </p:spPr>
+        <p:txBody>
+          <a:bodyPr bIns="0" lIns="0" rIns="0" tIns="0" wrap="none"/>
+          <a:p>
+            <a:endParaRPr/>
+          </a:p>
+        </p:txBody>
+      </p:sp>
+      <p:sp>
+        <p:nvSpPr>
+          <p:cNvPr id="22" name="PlaceHolder 4"/>
+          <p:cNvSpPr>
+            <a:spLocks noGrp="1"/>
+          </p:cNvSpPr>
+          <p:nvPr>
+            <p:ph type="body"/>
+          </p:nvPr>
+        </p:nvSpPr>
+        <p:spPr>
+          <a:xfrm>
+            <a:off x="457200" y="3962160"/>
+            <a:ext cx="4680" cy="2156760"/>
           </a:xfrm>
           <a:prstGeom prst="rect">
             <a:avLst/>
@@ -3720,29 +3646,20 @@
         </p:nvSpPr>
         <p:spPr>
           <a:xfrm>
-            <a:off x="685800" y="2130480"/>
-            <a:ext cx="7772040" cy="1469520"/>
-          </a:xfrm>
-          <a:prstGeom prst="rect">
-            <a:avLst/>
-          </a:prstGeom>
-        </p:spPr>
-        <p:txBody>
-          <a:bodyPr anchor="ctr"/>
-          <a:p>
-            <a:pPr algn="ctr">
-              <a:lnSpc>
-                <a:spcPct val="100000"/>
-              </a:lnSpc>
-            </a:pPr>
+            <a:off x="457200" y="273600"/>
+            <a:ext cx="8229240" cy="1144800"/>
+          </a:xfrm>
+          <a:prstGeom prst="rect">
+            <a:avLst/>
+          </a:prstGeom>
+        </p:spPr>
+        <p:txBody>
+          <a:bodyPr anchor="ctr" bIns="0" lIns="0" rIns="0" tIns="0" wrap="none"/>
+          <a:p>
+            <a:pPr algn="ctr"/>
             <a:r>
-              <a:rPr lang="en-US" sz="4400">
-                <a:solidFill>
-                  <a:srgbClr val="000000"/>
-                </a:solidFill>
-                <a:latin typeface="Calibri"/>
-              </a:rPr>
-              <a:t>Click to edit the title text formatClick to edit Master title style</a:t>
+              <a:rPr lang="en-US"/>
+              <a:t>Click to edit the title text format</a:t>
             </a:r>
             <a:endParaRPr/>
           </a:p>
@@ -3751,112 +3668,6 @@
       <p:sp>
         <p:nvSpPr>
           <p:cNvPr id="1" name="PlaceHolder 2"/>
-          <p:cNvSpPr>
-            <a:spLocks noGrp="1"/>
-          </p:cNvSpPr>
-          <p:nvPr>
-            <p:ph type="dt"/>
-          </p:nvPr>
-        </p:nvSpPr>
-        <p:spPr>
-          <a:xfrm>
-            <a:off x="0" y="0"/>
-            <a:ext cx="-11796840" cy="-11796840"/>
-          </a:xfrm>
-          <a:prstGeom prst="rect">
-            <a:avLst/>
-          </a:prstGeom>
-        </p:spPr>
-        <p:txBody>
-          <a:bodyPr bIns="45000" lIns="90000" rIns="90000" tIns="45000"/>
-          <a:p>
-            <a:pPr>
-              <a:lnSpc>
-                <a:spcPct val="100000"/>
-              </a:lnSpc>
-            </a:pPr>
-            <a:r>
-              <a:rPr lang="en-US">
-                <a:solidFill>
-                  <a:srgbClr val="000000"/>
-                </a:solidFill>
-                <a:latin typeface="Calibri"/>
-              </a:rPr>
-              <a:t>10/21/13</a:t>
-            </a:r>
-            <a:endParaRPr/>
-          </a:p>
-        </p:txBody>
-      </p:sp>
-      <p:sp>
-        <p:nvSpPr>
-          <p:cNvPr id="2" name="PlaceHolder 3"/>
-          <p:cNvSpPr>
-            <a:spLocks noGrp="1"/>
-          </p:cNvSpPr>
-          <p:nvPr>
-            <p:ph type="ftr"/>
-          </p:nvPr>
-        </p:nvSpPr>
-        <p:spPr>
-          <a:xfrm>
-            <a:off x="0" y="0"/>
-            <a:ext cx="-11796840" cy="-11796840"/>
-          </a:xfrm>
-          <a:prstGeom prst="rect">
-            <a:avLst/>
-          </a:prstGeom>
-        </p:spPr>
-        <p:txBody>
-          <a:bodyPr bIns="45000" lIns="90000" rIns="90000" tIns="45000"/>
-          <a:p>
-            <a:endParaRPr/>
-          </a:p>
-        </p:txBody>
-      </p:sp>
-      <p:sp>
-        <p:nvSpPr>
-          <p:cNvPr id="3" name="PlaceHolder 4"/>
-          <p:cNvSpPr>
-            <a:spLocks noGrp="1"/>
-          </p:cNvSpPr>
-          <p:nvPr>
-            <p:ph type="sldNum"/>
-          </p:nvPr>
-        </p:nvSpPr>
-        <p:spPr>
-          <a:xfrm>
-            <a:off x="0" y="0"/>
-            <a:ext cx="-11796840" cy="-11796840"/>
-          </a:xfrm>
-          <a:prstGeom prst="rect">
-            <a:avLst/>
-          </a:prstGeom>
-        </p:spPr>
-        <p:txBody>
-          <a:bodyPr bIns="45000" lIns="90000" rIns="90000" tIns="45000"/>
-          <a:p>
-            <a:pPr>
-              <a:lnSpc>
-                <a:spcPct val="100000"/>
-              </a:lnSpc>
-            </a:pPr>
-            <a:fld id="{F1216171-5131-4181-A1D1-4141C1D181E1}" type="slidenum">
-              <a:rPr lang="en-US">
-                <a:solidFill>
-                  <a:srgbClr val="000000"/>
-                </a:solidFill>
-                <a:latin typeface="Calibri"/>
-              </a:rPr>
-              <a:t>&lt;number&gt;</a:t>
-            </a:fld>
-            <a:endParaRPr/>
-          </a:p>
-        </p:txBody>
-      </p:sp>
-      <p:sp>
-        <p:nvSpPr>
-          <p:cNvPr id="4" name="PlaceHolder 5"/>
           <p:cNvSpPr>
             <a:spLocks noGrp="1"/>
           </p:cNvSpPr>
@@ -4007,7 +3818,7 @@
       </p:grpSpPr>
       <p:sp>
         <p:nvSpPr>
-          <p:cNvPr id="37" name="PlaceHolder 1"/>
+          <p:cNvPr id="34" name="PlaceHolder 1"/>
           <p:cNvSpPr>
             <a:spLocks noGrp="1"/>
           </p:cNvSpPr>
@@ -4018,14 +3829,14 @@
         <p:spPr>
           <a:xfrm>
             <a:off x="457200" y="274680"/>
-            <a:ext cx="8229240" cy="1142640"/>
-          </a:xfrm>
-          <a:prstGeom prst="rect">
-            <a:avLst/>
-          </a:prstGeom>
-        </p:spPr>
-        <p:txBody>
-          <a:bodyPr anchor="ctr"/>
+            <a:ext cx="8225640" cy="1142640"/>
+          </a:xfrm>
+          <a:prstGeom prst="rect">
+            <a:avLst/>
+          </a:prstGeom>
+        </p:spPr>
+        <p:txBody>
+          <a:bodyPr anchor="ctr" bIns="0" lIns="0" rIns="0" tIns="0" wrap="none"/>
           <a:p>
             <a:pPr algn="ctr">
               <a:lnSpc>
@@ -4033,13 +3844,8 @@
               </a:lnSpc>
             </a:pPr>
             <a:r>
-              <a:rPr lang="en-US" sz="4400">
-                <a:solidFill>
-                  <a:srgbClr val="000000"/>
-                </a:solidFill>
-                <a:latin typeface="Calibri"/>
-              </a:rPr>
-              <a:t>Click to edit the title text formatClick to edit Master title style</a:t>
+              <a:rPr lang="en-US"/>
+              <a:t>Click to edit the title text format</a:t>
             </a:r>
             <a:endParaRPr/>
           </a:p>
@@ -4047,7 +3853,7 @@
       </p:sp>
       <p:sp>
         <p:nvSpPr>
-          <p:cNvPr id="38" name="PlaceHolder 2"/>
+          <p:cNvPr id="35" name="PlaceHolder 2"/>
           <p:cNvSpPr>
             <a:spLocks noGrp="1"/>
           </p:cNvSpPr>
@@ -4058,27 +3864,17 @@
         <p:spPr>
           <a:xfrm>
             <a:off x="457200" y="1600200"/>
-            <a:ext cx="4038120" cy="4525560"/>
-          </a:xfrm>
-          <a:prstGeom prst="rect">
-            <a:avLst/>
-          </a:prstGeom>
-        </p:spPr>
-        <p:txBody>
-          <a:bodyPr/>
-          <a:p>
-            <a:pPr>
-              <a:buSzPct val="45000"/>
-              <a:buFont typeface="StarSymbol"/>
-              <a:buChar char=""/>
-            </a:pPr>
+            <a:ext cx="5040" cy="4521960"/>
+          </a:xfrm>
+          <a:prstGeom prst="rect">
+            <a:avLst/>
+          </a:prstGeom>
+        </p:spPr>
+        <p:txBody>
+          <a:bodyPr anchor="ctr" bIns="0" lIns="0" rIns="0" tIns="0" wrap="none"/>
+          <a:p>
             <a:r>
-              <a:rPr lang="en-US" sz="2800">
-                <a:solidFill>
-                  <a:srgbClr val="000000"/>
-                </a:solidFill>
-                <a:latin typeface="Calibri"/>
-              </a:rPr>
+              <a:rPr lang="en-US"/>
               <a:t>Click to edit the outline text format</a:t>
             </a:r>
             <a:endParaRPr/>
@@ -4090,12 +3886,7 @@
               <a:buChar char=""/>
             </a:pPr>
             <a:r>
-              <a:rPr lang="en-US" sz="2800">
-                <a:solidFill>
-                  <a:srgbClr val="000000"/>
-                </a:solidFill>
-                <a:latin typeface="Calibri"/>
-              </a:rPr>
+              <a:rPr lang="en-US"/>
               <a:t>Second Outline Level</a:t>
             </a:r>
             <a:endParaRPr/>
@@ -4107,12 +3898,7 @@
               <a:buChar char=""/>
             </a:pPr>
             <a:r>
-              <a:rPr lang="en-US" sz="2800">
-                <a:solidFill>
-                  <a:srgbClr val="000000"/>
-                </a:solidFill>
-                <a:latin typeface="Calibri"/>
-              </a:rPr>
+              <a:rPr lang="en-US"/>
               <a:t>Third Outline Level</a:t>
             </a:r>
             <a:endParaRPr/>
@@ -4124,12 +3910,7 @@
               <a:buChar char=""/>
             </a:pPr>
             <a:r>
-              <a:rPr lang="en-US" sz="2800">
-                <a:solidFill>
-                  <a:srgbClr val="000000"/>
-                </a:solidFill>
-                <a:latin typeface="Calibri"/>
-              </a:rPr>
+              <a:rPr lang="en-US"/>
               <a:t>Fourth Outline Level</a:t>
             </a:r>
             <a:endParaRPr/>
@@ -4141,12 +3922,7 @@
               <a:buChar char=""/>
             </a:pPr>
             <a:r>
-              <a:rPr lang="en-US" sz="2800">
-                <a:solidFill>
-                  <a:srgbClr val="000000"/>
-                </a:solidFill>
-                <a:latin typeface="Calibri"/>
-              </a:rPr>
+              <a:rPr lang="en-US"/>
               <a:t>Fifth Outline Level</a:t>
             </a:r>
             <a:endParaRPr/>
@@ -4158,138 +3934,49 @@
               <a:buChar char=""/>
             </a:pPr>
             <a:r>
-              <a:rPr lang="en-US" sz="2800">
-                <a:solidFill>
-                  <a:srgbClr val="000000"/>
-                </a:solidFill>
-                <a:latin typeface="Calibri"/>
-              </a:rPr>
+              <a:rPr lang="en-US"/>
               <a:t>Sixth Outline Level</a:t>
             </a:r>
             <a:endParaRPr/>
           </a:p>
           <a:p>
-            <a:pPr>
-              <a:lnSpc>
-                <a:spcPct val="100000"/>
-              </a:lnSpc>
-              <a:buFont typeface="Arial"/>
-              <a:buChar char="•"/>
-            </a:pPr>
-            <a:r>
-              <a:rPr lang="en-US" sz="2800">
-                <a:solidFill>
-                  <a:srgbClr val="000000"/>
-                </a:solidFill>
-                <a:latin typeface="Calibri"/>
-              </a:rPr>
-              <a:t>Seventh Outline LevelClick to edit Master text styles</a:t>
-            </a:r>
-            <a:endParaRPr/>
-          </a:p>
-          <a:p>
-            <a:pPr lvl="1">
-              <a:lnSpc>
-                <a:spcPct val="100000"/>
-              </a:lnSpc>
-              <a:buFont typeface="Arial"/>
-              <a:buChar char="–"/>
-            </a:pPr>
-            <a:r>
-              <a:rPr lang="en-US" sz="2400">
-                <a:solidFill>
-                  <a:srgbClr val="000000"/>
-                </a:solidFill>
-                <a:latin typeface="Calibri"/>
-              </a:rPr>
-              <a:t>Second level</a:t>
-            </a:r>
-            <a:endParaRPr/>
-          </a:p>
-          <a:p>
-            <a:pPr lvl="1">
-              <a:buFont typeface="Arial"/>
-              <a:buChar char="–"/>
-            </a:pPr>
-            <a:r>
-              <a:rPr lang="en-US" sz="2000">
-                <a:solidFill>
-                  <a:srgbClr val="000000"/>
-                </a:solidFill>
-                <a:latin typeface="Calibri"/>
-              </a:rPr>
-              <a:t>Third level</a:t>
-            </a:r>
-            <a:endParaRPr/>
-          </a:p>
-          <a:p>
-            <a:pPr lvl="2">
-              <a:buFont typeface="Arial"/>
-              <a:buChar char="•"/>
-            </a:pPr>
-            <a:r>
-              <a:rPr lang="en-US">
-                <a:solidFill>
-                  <a:srgbClr val="000000"/>
-                </a:solidFill>
-                <a:latin typeface="Calibri"/>
-              </a:rPr>
-              <a:t>Fourth level</a:t>
-            </a:r>
-            <a:endParaRPr/>
-          </a:p>
-          <a:p>
-            <a:pPr lvl="3">
-              <a:buFont typeface="Arial"/>
-              <a:buChar char="–"/>
-            </a:pPr>
-            <a:r>
-              <a:rPr lang="en-US">
-                <a:solidFill>
-                  <a:srgbClr val="000000"/>
-                </a:solidFill>
-                <a:latin typeface="Calibri"/>
-              </a:rPr>
-              <a:t>Fifth level</a:t>
-            </a:r>
-            <a:endParaRPr/>
-          </a:p>
-        </p:txBody>
-      </p:sp>
-      <p:sp>
-        <p:nvSpPr>
-          <p:cNvPr id="39" name="PlaceHolder 3"/>
-          <p:cNvSpPr>
-            <a:spLocks noGrp="1"/>
-          </p:cNvSpPr>
-          <p:nvPr>
-            <p:ph type="body"/>
-          </p:nvPr>
-        </p:nvSpPr>
-        <p:spPr>
-          <a:xfrm>
-            <a:off x="4648320" y="1600200"/>
-            <a:ext cx="4038120" cy="4525560"/>
-          </a:xfrm>
-          <a:prstGeom prst="rect">
-            <a:avLst/>
-          </a:prstGeom>
-        </p:spPr>
-        <p:txBody>
-          <a:bodyPr anchor="ctr"/>
-          <a:p>
-            <a:pPr>
+            <a:pPr lvl="6">
               <a:buSzPct val="45000"/>
               <a:buFont typeface="StarSymbol"/>
               <a:buChar char=""/>
             </a:pPr>
             <a:r>
-              <a:rPr lang="en-US" sz="2800">
-                <a:solidFill>
-                  <a:srgbClr val="8b8b8b"/>
-                </a:solidFill>
-                <a:latin typeface="Calibri"/>
-              </a:rPr>
+              <a:rPr lang="en-US"/>
+              <a:t>Seventh Outline Level</a:t>
+            </a:r>
+            <a:endParaRPr/>
+          </a:p>
+        </p:txBody>
+      </p:sp>
+      <p:sp>
+        <p:nvSpPr>
+          <p:cNvPr id="36" name="PlaceHolder 3"/>
+          <p:cNvSpPr>
+            <a:spLocks noGrp="1"/>
+          </p:cNvSpPr>
+          <p:nvPr>
+            <p:ph type="body"/>
+          </p:nvPr>
+        </p:nvSpPr>
+        <p:spPr>
+          <a:xfrm>
+            <a:off x="462960" y="1600200"/>
+            <a:ext cx="5040" cy="4521960"/>
+          </a:xfrm>
+          <a:prstGeom prst="rect">
+            <a:avLst/>
+          </a:prstGeom>
+        </p:spPr>
+        <p:txBody>
+          <a:bodyPr anchor="ctr" bIns="0" lIns="0" rIns="0" tIns="0" wrap="none"/>
+          <a:p>
+            <a:r>
+              <a:rPr lang="en-US"/>
               <a:t>Click to edit the outline text format</a:t>
             </a:r>
             <a:endParaRPr/>
@@ -4301,12 +3988,7 @@
               <a:buChar char=""/>
             </a:pPr>
             <a:r>
-              <a:rPr lang="en-US" sz="2800">
-                <a:solidFill>
-                  <a:srgbClr val="8b8b8b"/>
-                </a:solidFill>
-                <a:latin typeface="Calibri"/>
-              </a:rPr>
+              <a:rPr lang="en-US"/>
               <a:t>Second Outline Level</a:t>
             </a:r>
             <a:endParaRPr/>
@@ -4318,12 +4000,7 @@
               <a:buChar char=""/>
             </a:pPr>
             <a:r>
-              <a:rPr lang="en-US" sz="2800">
-                <a:solidFill>
-                  <a:srgbClr val="8b8b8b"/>
-                </a:solidFill>
-                <a:latin typeface="Calibri"/>
-              </a:rPr>
+              <a:rPr lang="en-US"/>
               <a:t>Third Outline Level</a:t>
             </a:r>
             <a:endParaRPr/>
@@ -4335,12 +4012,7 @@
               <a:buChar char=""/>
             </a:pPr>
             <a:r>
-              <a:rPr lang="en-US" sz="2800">
-                <a:solidFill>
-                  <a:srgbClr val="8b8b8b"/>
-                </a:solidFill>
-                <a:latin typeface="Calibri"/>
-              </a:rPr>
+              <a:rPr lang="en-US"/>
               <a:t>Fourth Outline Level</a:t>
             </a:r>
             <a:endParaRPr/>
@@ -4352,12 +4024,7 @@
               <a:buChar char=""/>
             </a:pPr>
             <a:r>
-              <a:rPr lang="en-US" sz="2800">
-                <a:solidFill>
-                  <a:srgbClr val="8b8b8b"/>
-                </a:solidFill>
-                <a:latin typeface="Calibri"/>
-              </a:rPr>
+              <a:rPr lang="en-US"/>
               <a:t>Fifth Outline Level</a:t>
             </a:r>
             <a:endParaRPr/>
@@ -4369,206 +4036,21 @@
               <a:buChar char=""/>
             </a:pPr>
             <a:r>
-              <a:rPr lang="en-US" sz="2800">
-                <a:solidFill>
-                  <a:srgbClr val="8b8b8b"/>
-                </a:solidFill>
-                <a:latin typeface="Calibri"/>
-              </a:rPr>
+              <a:rPr lang="en-US"/>
               <a:t>Sixth Outline Level</a:t>
             </a:r>
             <a:endParaRPr/>
           </a:p>
           <a:p>
-            <a:pPr>
-              <a:lnSpc>
-                <a:spcPct val="100000"/>
-              </a:lnSpc>
-              <a:buFont typeface="Arial"/>
-              <a:buChar char="•"/>
+            <a:pPr lvl="6">
+              <a:buSzPct val="45000"/>
+              <a:buFont typeface="StarSymbol"/>
+              <a:buChar char=""/>
             </a:pPr>
             <a:r>
-              <a:rPr lang="en-US" sz="2800">
-                <a:solidFill>
-                  <a:srgbClr val="8b8b8b"/>
-                </a:solidFill>
-                <a:latin typeface="Calibri"/>
-              </a:rPr>
-              <a:t>Seventh Outline LevelClick to edit Master text styles</a:t>
+              <a:rPr lang="en-US"/>
+              <a:t>Seventh Outline Level</a:t>
             </a:r>
-            <a:endParaRPr/>
-          </a:p>
-          <a:p>
-            <a:pPr lvl="1">
-              <a:lnSpc>
-                <a:spcPct val="100000"/>
-              </a:lnSpc>
-              <a:buFont typeface="Arial"/>
-              <a:buChar char="–"/>
-            </a:pPr>
-            <a:r>
-              <a:rPr lang="en-US" sz="2400">
-                <a:solidFill>
-                  <a:srgbClr val="000000"/>
-                </a:solidFill>
-                <a:latin typeface="Calibri"/>
-              </a:rPr>
-              <a:t>Second level</a:t>
-            </a:r>
-            <a:endParaRPr/>
-          </a:p>
-          <a:p>
-            <a:pPr lvl="1">
-              <a:buFont typeface="Arial"/>
-              <a:buChar char="–"/>
-            </a:pPr>
-            <a:r>
-              <a:rPr lang="en-US" sz="2000">
-                <a:solidFill>
-                  <a:srgbClr val="000000"/>
-                </a:solidFill>
-                <a:latin typeface="Calibri"/>
-              </a:rPr>
-              <a:t>Third level</a:t>
-            </a:r>
-            <a:endParaRPr/>
-          </a:p>
-          <a:p>
-            <a:pPr lvl="2">
-              <a:buFont typeface="Arial"/>
-              <a:buChar char="•"/>
-            </a:pPr>
-            <a:r>
-              <a:rPr lang="en-US">
-                <a:solidFill>
-                  <a:srgbClr val="000000"/>
-                </a:solidFill>
-                <a:latin typeface="Calibri"/>
-              </a:rPr>
-              <a:t>Fourth level</a:t>
-            </a:r>
-            <a:endParaRPr/>
-          </a:p>
-          <a:p>
-            <a:pPr lvl="3">
-              <a:buFont typeface="Arial"/>
-              <a:buChar char="–"/>
-            </a:pPr>
-            <a:r>
-              <a:rPr lang="en-US">
-                <a:solidFill>
-                  <a:srgbClr val="000000"/>
-                </a:solidFill>
-                <a:latin typeface="Calibri"/>
-              </a:rPr>
-              <a:t>Fifth level</a:t>
-            </a:r>
-            <a:endParaRPr/>
-          </a:p>
-        </p:txBody>
-      </p:sp>
-      <p:sp>
-        <p:nvSpPr>
-          <p:cNvPr id="40" name="PlaceHolder 4"/>
-          <p:cNvSpPr>
-            <a:spLocks noGrp="1"/>
-          </p:cNvSpPr>
-          <p:nvPr>
-            <p:ph type="dt"/>
-          </p:nvPr>
-        </p:nvSpPr>
-        <p:spPr>
-          <a:xfrm>
-            <a:off x="0" y="0"/>
-            <a:ext cx="-11796840" cy="-11796840"/>
-          </a:xfrm>
-          <a:prstGeom prst="rect">
-            <a:avLst/>
-          </a:prstGeom>
-        </p:spPr>
-        <p:txBody>
-          <a:bodyPr bIns="45000" lIns="90000" rIns="90000" tIns="45000"/>
-          <a:p>
-            <a:pPr>
-              <a:lnSpc>
-                <a:spcPct val="100000"/>
-              </a:lnSpc>
-            </a:pPr>
-            <a:r>
-              <a:rPr lang="en-US">
-                <a:solidFill>
-                  <a:srgbClr val="000000"/>
-                </a:solidFill>
-                <a:latin typeface="Calibri"/>
-              </a:rPr>
-              <a:t>10/21/13</a:t>
-            </a:r>
-            <a:endParaRPr/>
-          </a:p>
-        </p:txBody>
-      </p:sp>
-      <p:sp>
-        <p:nvSpPr>
-          <p:cNvPr id="41" name="PlaceHolder 5"/>
-          <p:cNvSpPr>
-            <a:spLocks noGrp="1"/>
-          </p:cNvSpPr>
-          <p:nvPr>
-            <p:ph type="ftr"/>
-          </p:nvPr>
-        </p:nvSpPr>
-        <p:spPr>
-          <a:xfrm>
-            <a:off x="0" y="0"/>
-            <a:ext cx="-11796840" cy="-11796840"/>
-          </a:xfrm>
-          <a:prstGeom prst="rect">
-            <a:avLst/>
-          </a:prstGeom>
-        </p:spPr>
-        <p:txBody>
-          <a:bodyPr bIns="45000" lIns="90000" rIns="90000" tIns="45000"/>
-          <a:p>
-            <a:endParaRPr/>
-          </a:p>
-        </p:txBody>
-      </p:sp>
-      <p:sp>
-        <p:nvSpPr>
-          <p:cNvPr id="42" name="PlaceHolder 6"/>
-          <p:cNvSpPr>
-            <a:spLocks noGrp="1"/>
-          </p:cNvSpPr>
-          <p:nvPr>
-            <p:ph type="sldNum"/>
-          </p:nvPr>
-        </p:nvSpPr>
-        <p:spPr>
-          <a:xfrm>
-            <a:off x="0" y="0"/>
-            <a:ext cx="-11796840" cy="-11796840"/>
-          </a:xfrm>
-          <a:prstGeom prst="rect">
-            <a:avLst/>
-          </a:prstGeom>
-        </p:spPr>
-        <p:txBody>
-          <a:bodyPr bIns="45000" lIns="90000" rIns="90000" tIns="45000"/>
-          <a:p>
-            <a:pPr>
-              <a:lnSpc>
-                <a:spcPct val="100000"/>
-              </a:lnSpc>
-            </a:pPr>
-            <a:fld id="{21C19111-A101-4101-B1D1-A17161F15111}" type="slidenum">
-              <a:rPr lang="en-US">
-                <a:solidFill>
-                  <a:srgbClr val="000000"/>
-                </a:solidFill>
-                <a:latin typeface="Calibri"/>
-              </a:rPr>
-              <a:t>&lt;number&gt;</a:t>
-            </a:fld>
             <a:endParaRPr/>
           </a:p>
         </p:txBody>
@@ -4619,7 +4101,7 @@
       </p:grpSpPr>
       <p:sp>
         <p:nvSpPr>
-          <p:cNvPr id="75" name="PlaceHolder 1"/>
+          <p:cNvPr id="69" name="PlaceHolder 1"/>
           <p:cNvSpPr>
             <a:spLocks noGrp="1"/>
           </p:cNvSpPr>
@@ -4629,29 +4111,20 @@
         </p:nvSpPr>
         <p:spPr>
           <a:xfrm>
-            <a:off x="457200" y="274680"/>
-            <a:ext cx="8229240" cy="1142640"/>
-          </a:xfrm>
-          <a:prstGeom prst="rect">
-            <a:avLst/>
-          </a:prstGeom>
-        </p:spPr>
-        <p:txBody>
-          <a:bodyPr anchor="ctr"/>
-          <a:p>
-            <a:pPr algn="ctr">
-              <a:lnSpc>
-                <a:spcPct val="100000"/>
-              </a:lnSpc>
-            </a:pPr>
+            <a:off x="457200" y="273600"/>
+            <a:ext cx="8229240" cy="1144800"/>
+          </a:xfrm>
+          <a:prstGeom prst="rect">
+            <a:avLst/>
+          </a:prstGeom>
+        </p:spPr>
+        <p:txBody>
+          <a:bodyPr anchor="ctr" bIns="0" lIns="0" rIns="0" tIns="0" wrap="none"/>
+          <a:p>
+            <a:pPr algn="ctr"/>
             <a:r>
-              <a:rPr lang="en-US" sz="4400">
-                <a:solidFill>
-                  <a:srgbClr val="000000"/>
-                </a:solidFill>
-                <a:latin typeface="Calibri"/>
-              </a:rPr>
-              <a:t>Click to edit the title text formatClick to edit Master title style</a:t>
+              <a:rPr lang="en-US"/>
+              <a:t>Click to edit the title text format</a:t>
             </a:r>
             <a:endParaRPr/>
           </a:p>
@@ -4659,25 +4132,25 @@
       </p:sp>
       <p:sp>
         <p:nvSpPr>
-          <p:cNvPr id="76" name="PlaceHolder 2"/>
-          <p:cNvSpPr>
-            <a:spLocks noGrp="1"/>
-          </p:cNvSpPr>
-          <p:nvPr>
-            <p:ph type="body"/>
-          </p:nvPr>
-        </p:nvSpPr>
-        <p:spPr>
-          <a:xfrm>
-            <a:off x="457200" y="1600200"/>
-            <a:ext cx="8229240" cy="4525560"/>
-          </a:xfrm>
-          <a:prstGeom prst="rect">
-            <a:avLst/>
-          </a:prstGeom>
-        </p:spPr>
-        <p:txBody>
-          <a:bodyPr/>
+          <p:cNvPr id="70" name="PlaceHolder 2"/>
+          <p:cNvSpPr>
+            <a:spLocks noGrp="1"/>
+          </p:cNvSpPr>
+          <p:nvPr>
+            <p:ph type="body"/>
+          </p:nvPr>
+        </p:nvSpPr>
+        <p:spPr>
+          <a:xfrm>
+            <a:off x="457200" y="1604520"/>
+            <a:ext cx="8046360" cy="3977280"/>
+          </a:xfrm>
+          <a:prstGeom prst="rect">
+            <a:avLst/>
+          </a:prstGeom>
+        </p:spPr>
+        <p:txBody>
+          <a:bodyPr bIns="0" lIns="0" rIns="0" tIns="0" wrap="none"/>
           <a:p>
             <a:pPr>
               <a:buSzPct val="45000"/>
@@ -4685,12 +4158,7 @@
               <a:buChar char=""/>
             </a:pPr>
             <a:r>
-              <a:rPr lang="en-US" sz="3200">
-                <a:solidFill>
-                  <a:srgbClr val="000000"/>
-                </a:solidFill>
-                <a:latin typeface="Calibri"/>
-              </a:rPr>
+              <a:rPr lang="en-US"/>
               <a:t>Click to edit the outline text format</a:t>
             </a:r>
             <a:endParaRPr/>
@@ -4702,12 +4170,7 @@
               <a:buChar char=""/>
             </a:pPr>
             <a:r>
-              <a:rPr lang="en-US" sz="3200">
-                <a:solidFill>
-                  <a:srgbClr val="000000"/>
-                </a:solidFill>
-                <a:latin typeface="Calibri"/>
-              </a:rPr>
+              <a:rPr lang="en-US"/>
               <a:t>Second Outline Level</a:t>
             </a:r>
             <a:endParaRPr/>
@@ -4719,12 +4182,7 @@
               <a:buChar char=""/>
             </a:pPr>
             <a:r>
-              <a:rPr lang="en-US" sz="3200">
-                <a:solidFill>
-                  <a:srgbClr val="000000"/>
-                </a:solidFill>
-                <a:latin typeface="Calibri"/>
-              </a:rPr>
+              <a:rPr lang="en-US"/>
               <a:t>Third Outline Level</a:t>
             </a:r>
             <a:endParaRPr/>
@@ -4736,12 +4194,7 @@
               <a:buChar char=""/>
             </a:pPr>
             <a:r>
-              <a:rPr lang="en-US" sz="3200">
-                <a:solidFill>
-                  <a:srgbClr val="000000"/>
-                </a:solidFill>
-                <a:latin typeface="Calibri"/>
-              </a:rPr>
+              <a:rPr lang="en-US"/>
               <a:t>Fourth Outline Level</a:t>
             </a:r>
             <a:endParaRPr/>
@@ -4753,12 +4206,7 @@
               <a:buChar char=""/>
             </a:pPr>
             <a:r>
-              <a:rPr lang="en-US" sz="3200">
-                <a:solidFill>
-                  <a:srgbClr val="000000"/>
-                </a:solidFill>
-                <a:latin typeface="Calibri"/>
-              </a:rPr>
+              <a:rPr lang="en-US"/>
               <a:t>Fifth Outline Level</a:t>
             </a:r>
             <a:endParaRPr/>
@@ -4770,206 +4218,21 @@
               <a:buChar char=""/>
             </a:pPr>
             <a:r>
-              <a:rPr lang="en-US" sz="3200">
-                <a:solidFill>
-                  <a:srgbClr val="000000"/>
-                </a:solidFill>
-                <a:latin typeface="Calibri"/>
-              </a:rPr>
+              <a:rPr lang="en-US"/>
               <a:t>Sixth Outline Level</a:t>
             </a:r>
             <a:endParaRPr/>
           </a:p>
           <a:p>
-            <a:pPr>
-              <a:lnSpc>
-                <a:spcPct val="100000"/>
-              </a:lnSpc>
-              <a:buFont typeface="Arial"/>
-              <a:buChar char="•"/>
+            <a:pPr lvl="6">
+              <a:buSzPct val="45000"/>
+              <a:buFont typeface="StarSymbol"/>
+              <a:buChar char=""/>
             </a:pPr>
             <a:r>
-              <a:rPr lang="en-US" sz="3200">
-                <a:solidFill>
-                  <a:srgbClr val="000000"/>
-                </a:solidFill>
-                <a:latin typeface="Calibri"/>
-              </a:rPr>
-              <a:t>Seventh Outline LevelClick to edit Master text styles</a:t>
+              <a:rPr lang="en-US"/>
+              <a:t>Seventh Outline Level</a:t>
             </a:r>
-            <a:endParaRPr/>
-          </a:p>
-          <a:p>
-            <a:pPr lvl="1">
-              <a:lnSpc>
-                <a:spcPct val="100000"/>
-              </a:lnSpc>
-              <a:buFont typeface="Arial"/>
-              <a:buChar char="–"/>
-            </a:pPr>
-            <a:r>
-              <a:rPr lang="en-US" sz="2800">
-                <a:solidFill>
-                  <a:srgbClr val="000000"/>
-                </a:solidFill>
-                <a:latin typeface="Calibri"/>
-              </a:rPr>
-              <a:t>Second level</a:t>
-            </a:r>
-            <a:endParaRPr/>
-          </a:p>
-          <a:p>
-            <a:pPr lvl="1">
-              <a:buFont typeface="Arial"/>
-              <a:buChar char="–"/>
-            </a:pPr>
-            <a:r>
-              <a:rPr lang="en-US" sz="2400">
-                <a:solidFill>
-                  <a:srgbClr val="000000"/>
-                </a:solidFill>
-                <a:latin typeface="Calibri"/>
-              </a:rPr>
-              <a:t>Third level</a:t>
-            </a:r>
-            <a:endParaRPr/>
-          </a:p>
-          <a:p>
-            <a:pPr lvl="2">
-              <a:buFont typeface="Arial"/>
-              <a:buChar char="•"/>
-            </a:pPr>
-            <a:r>
-              <a:rPr lang="en-US" sz="2000">
-                <a:solidFill>
-                  <a:srgbClr val="000000"/>
-                </a:solidFill>
-                <a:latin typeface="Calibri"/>
-              </a:rPr>
-              <a:t>Fourth level</a:t>
-            </a:r>
-            <a:endParaRPr/>
-          </a:p>
-          <a:p>
-            <a:pPr lvl="3">
-              <a:buFont typeface="Arial"/>
-              <a:buChar char="–"/>
-            </a:pPr>
-            <a:r>
-              <a:rPr lang="en-US" sz="2000">
-                <a:solidFill>
-                  <a:srgbClr val="000000"/>
-                </a:solidFill>
-                <a:latin typeface="Calibri"/>
-              </a:rPr>
-              <a:t>Fifth level</a:t>
-            </a:r>
-            <a:endParaRPr/>
-          </a:p>
-        </p:txBody>
-      </p:sp>
-      <p:sp>
-        <p:nvSpPr>
-          <p:cNvPr id="77" name="PlaceHolder 3"/>
-          <p:cNvSpPr>
-            <a:spLocks noGrp="1"/>
-          </p:cNvSpPr>
-          <p:nvPr>
-            <p:ph type="dt"/>
-          </p:nvPr>
-        </p:nvSpPr>
-        <p:spPr>
-          <a:xfrm>
-            <a:off x="0" y="0"/>
-            <a:ext cx="-11796840" cy="-11796840"/>
-          </a:xfrm>
-          <a:prstGeom prst="rect">
-            <a:avLst/>
-          </a:prstGeom>
-        </p:spPr>
-        <p:txBody>
-          <a:bodyPr bIns="45000" lIns="90000" rIns="90000" tIns="45000"/>
-          <a:p>
-            <a:pPr>
-              <a:lnSpc>
-                <a:spcPct val="100000"/>
-              </a:lnSpc>
-            </a:pPr>
-            <a:r>
-              <a:rPr lang="en-US">
-                <a:solidFill>
-                  <a:srgbClr val="000000"/>
-                </a:solidFill>
-                <a:latin typeface="Calibri"/>
-              </a:rPr>
-              <a:t>10/21/13</a:t>
-            </a:r>
-            <a:endParaRPr/>
-          </a:p>
-        </p:txBody>
-      </p:sp>
-      <p:sp>
-        <p:nvSpPr>
-          <p:cNvPr id="78" name="PlaceHolder 4"/>
-          <p:cNvSpPr>
-            <a:spLocks noGrp="1"/>
-          </p:cNvSpPr>
-          <p:nvPr>
-            <p:ph type="ftr"/>
-          </p:nvPr>
-        </p:nvSpPr>
-        <p:spPr>
-          <a:xfrm>
-            <a:off x="0" y="0"/>
-            <a:ext cx="-11796840" cy="-11796840"/>
-          </a:xfrm>
-          <a:prstGeom prst="rect">
-            <a:avLst/>
-          </a:prstGeom>
-        </p:spPr>
-        <p:txBody>
-          <a:bodyPr bIns="45000" lIns="90000" rIns="90000" tIns="45000"/>
-          <a:p>
-            <a:endParaRPr/>
-          </a:p>
-        </p:txBody>
-      </p:sp>
-      <p:sp>
-        <p:nvSpPr>
-          <p:cNvPr id="79" name="PlaceHolder 5"/>
-          <p:cNvSpPr>
-            <a:spLocks noGrp="1"/>
-          </p:cNvSpPr>
-          <p:nvPr>
-            <p:ph type="sldNum"/>
-          </p:nvPr>
-        </p:nvSpPr>
-        <p:spPr>
-          <a:xfrm>
-            <a:off x="0" y="0"/>
-            <a:ext cx="-11796840" cy="-11796840"/>
-          </a:xfrm>
-          <a:prstGeom prst="rect">
-            <a:avLst/>
-          </a:prstGeom>
-        </p:spPr>
-        <p:txBody>
-          <a:bodyPr bIns="45000" lIns="90000" rIns="90000" tIns="45000"/>
-          <a:p>
-            <a:pPr>
-              <a:lnSpc>
-                <a:spcPct val="100000"/>
-              </a:lnSpc>
-            </a:pPr>
-            <a:fld id="{A1E1D1D1-11D1-41E1-81B1-E121A191C171}" type="slidenum">
-              <a:rPr lang="en-US">
-                <a:solidFill>
-                  <a:srgbClr val="000000"/>
-                </a:solidFill>
-                <a:latin typeface="Calibri"/>
-              </a:rPr>
-              <a:t>&lt;number&gt;</a:t>
-            </a:fld>
             <a:endParaRPr/>
           </a:p>
         </p:txBody>
@@ -5013,21 +4276,21 @@
       </p:grpSpPr>
       <p:sp>
         <p:nvSpPr>
-          <p:cNvPr id="117" name="TextShape 1"/>
-          <p:cNvSpPr txBox="1"/>
+          <p:cNvPr id="108" name="CustomShape 1"/>
+          <p:cNvSpPr/>
           <p:nvPr/>
         </p:nvSpPr>
         <p:spPr>
           <a:xfrm>
             <a:off x="685800" y="2130480"/>
-            <a:ext cx="7772040" cy="1469520"/>
-          </a:xfrm>
-          <a:prstGeom prst="rect">
-            <a:avLst/>
-          </a:prstGeom>
-        </p:spPr>
-        <p:txBody>
-          <a:bodyPr anchor="ctr"/>
+            <a:ext cx="7768440" cy="1465920"/>
+          </a:xfrm>
+          <a:prstGeom prst="rect">
+            <a:avLst/>
+          </a:prstGeom>
+        </p:spPr>
+        <p:txBody>
+          <a:bodyPr anchor="ctr" bIns="45000" lIns="90000" rIns="90000" tIns="45000"/>
           <a:p>
             <a:pPr algn="ctr">
               <a:lnSpc>
@@ -5041,7 +4304,7 @@
                 </a:solidFill>
                 <a:latin typeface="Calibri"/>
               </a:rPr>
-              <a:t>Running existing workflows</a:t>
+              <a:t>Configuring and running common galaxy tools</a:t>
             </a:r>
             <a:endParaRPr/>
           </a:p>
@@ -5049,858 +4312,19 @@
       </p:sp>
       <p:sp>
         <p:nvSpPr>
-          <p:cNvPr id="118" name="TextShape 2"/>
-          <p:cNvSpPr txBox="1"/>
+          <p:cNvPr id="109" name="CustomShape 2"/>
+          <p:cNvSpPr/>
           <p:nvPr/>
         </p:nvSpPr>
         <p:spPr>
           <a:xfrm>
             <a:off x="1371600" y="3886200"/>
-            <a:ext cx="6400440" cy="1752120"/>
-          </a:xfrm>
-          <a:prstGeom prst="rect">
-            <a:avLst/>
-          </a:prstGeom>
-        </p:spPr>
-        <p:txBody>
-          <a:bodyPr/>
-          <a:p>
-            <a:pPr algn="ctr"/>
-            <a:endParaRPr/>
-          </a:p>
-        </p:txBody>
-      </p:sp>
-    </p:spTree>
-  </p:cSld>
-</p:sld>
-</file>
-
-<file path=ppt/slides/slide2.xml><?xml version="1.0" encoding="utf-8"?>
-<p:sld xmlns:a="http://schemas.openxmlformats.org/drawingml/2006/main" xmlns:p="http://schemas.openxmlformats.org/presentationml/2006/main" xmlns:r="http://schemas.openxmlformats.org/officeDocument/2006/relationships">
-  <p:cSld>
-    <p:spTree>
-      <p:nvGrpSpPr>
-        <p:cNvPr id="1" name=""/>
-        <p:cNvGrpSpPr/>
-        <p:nvPr/>
-      </p:nvGrpSpPr>
-      <p:grpSpPr>
-        <a:xfrm>
-          <a:off x="0" y="0"/>
-          <a:ext cx="0" cy="0"/>
-          <a:chOff x="0" y="0"/>
-          <a:chExt cx="0" cy="0"/>
-        </a:xfrm>
-      </p:grpSpPr>
-      <p:sp>
-        <p:nvSpPr>
-          <p:cNvPr id="119" name="TextShape 1"/>
-          <p:cNvSpPr txBox="1"/>
-          <p:nvPr/>
-        </p:nvSpPr>
-        <p:spPr>
-          <a:xfrm>
-            <a:off x="457200" y="274680"/>
-            <a:ext cx="8229240" cy="1142640"/>
-          </a:xfrm>
-          <a:prstGeom prst="rect">
-            <a:avLst/>
-          </a:prstGeom>
-        </p:spPr>
-        <p:txBody>
-          <a:bodyPr anchor="ctr"/>
-          <a:p>
-            <a:pPr algn="ctr">
-              <a:lnSpc>
-                <a:spcPct val="100000"/>
-              </a:lnSpc>
-            </a:pPr>
-            <a:r>
-              <a:rPr lang="en-US" sz="4400">
-                <a:solidFill>
-                  <a:srgbClr val="000000"/>
-                </a:solidFill>
-                <a:latin typeface="Calibri"/>
-              </a:rPr>
-              <a:t>Workflow sharing</a:t>
-            </a:r>
-            <a:endParaRPr/>
-          </a:p>
-        </p:txBody>
-      </p:sp>
-      <p:sp>
-        <p:nvSpPr>
-          <p:cNvPr id="120" name="TextShape 2"/>
-          <p:cNvSpPr txBox="1"/>
-          <p:nvPr/>
-        </p:nvSpPr>
-        <p:spPr>
-          <a:xfrm>
-            <a:off x="457200" y="1600200"/>
-            <a:ext cx="4038120" cy="4525560"/>
-          </a:xfrm>
-          <a:prstGeom prst="rect">
-            <a:avLst/>
-          </a:prstGeom>
-        </p:spPr>
-        <p:txBody>
-          <a:bodyPr/>
-          <a:p>
-            <a:pPr>
-              <a:lnSpc>
-                <a:spcPct val="100000"/>
-              </a:lnSpc>
-              <a:buFont typeface="Arial"/>
-              <a:buChar char="•"/>
-            </a:pPr>
-            <a:r>
-              <a:rPr lang="en-US" sz="2800">
-                <a:solidFill>
-                  <a:srgbClr val="000000"/>
-                </a:solidFill>
-                <a:latin typeface="Calibri"/>
-              </a:rPr>
-              <a:t>myExperiment.org is a platform for sharing files and workflows for:</a:t>
-            </a:r>
-            <a:endParaRPr/>
-          </a:p>
-          <a:p>
-            <a:pPr lvl="1">
-              <a:lnSpc>
-                <a:spcPct val="100000"/>
-              </a:lnSpc>
-              <a:buFont typeface="Arial"/>
-              <a:buChar char="–"/>
-            </a:pPr>
-            <a:r>
-              <a:rPr lang="en-US" sz="2400">
-                <a:solidFill>
-                  <a:srgbClr val="000000"/>
-                </a:solidFill>
-                <a:latin typeface="Calibri"/>
-              </a:rPr>
-              <a:t>Taverna</a:t>
-            </a:r>
-            <a:endParaRPr/>
-          </a:p>
-          <a:p>
-            <a:pPr lvl="1">
-              <a:lnSpc>
-                <a:spcPct val="100000"/>
-              </a:lnSpc>
-              <a:buFont typeface="Arial"/>
-              <a:buChar char="–"/>
-            </a:pPr>
-            <a:r>
-              <a:rPr lang="en-US" sz="2400">
-                <a:solidFill>
-                  <a:srgbClr val="000000"/>
-                </a:solidFill>
-                <a:latin typeface="Calibri"/>
-              </a:rPr>
-              <a:t>RapidMiner</a:t>
-            </a:r>
-            <a:endParaRPr/>
-          </a:p>
-          <a:p>
-            <a:pPr lvl="1">
-              <a:lnSpc>
-                <a:spcPct val="100000"/>
-              </a:lnSpc>
-              <a:buFont typeface="Arial"/>
-              <a:buChar char="–"/>
-            </a:pPr>
-            <a:r>
-              <a:rPr lang="en-US" sz="2400">
-                <a:solidFill>
-                  <a:srgbClr val="000000"/>
-                </a:solidFill>
-                <a:latin typeface="Calibri"/>
-              </a:rPr>
-              <a:t>Kepler</a:t>
-            </a:r>
-            <a:endParaRPr/>
-          </a:p>
-          <a:p>
-            <a:pPr lvl="1">
-              <a:lnSpc>
-                <a:spcPct val="100000"/>
-              </a:lnSpc>
-              <a:buFont typeface="Arial"/>
-              <a:buChar char="–"/>
-            </a:pPr>
-            <a:r>
-              <a:rPr lang="en-US" sz="2400">
-                <a:solidFill>
-                  <a:srgbClr val="000000"/>
-                </a:solidFill>
-                <a:latin typeface="Calibri"/>
-              </a:rPr>
-              <a:t>BioClipse</a:t>
-            </a:r>
-            <a:endParaRPr/>
-          </a:p>
-          <a:p>
-            <a:pPr lvl="1">
-              <a:lnSpc>
-                <a:spcPct val="100000"/>
-              </a:lnSpc>
-              <a:buFont typeface="Arial"/>
-              <a:buChar char="–"/>
-            </a:pPr>
-            <a:r>
-              <a:rPr lang="en-US" sz="2400">
-                <a:solidFill>
-                  <a:srgbClr val="000000"/>
-                </a:solidFill>
-                <a:latin typeface="Calibri"/>
-              </a:rPr>
-              <a:t>etc.</a:t>
-            </a:r>
-            <a:endParaRPr/>
-          </a:p>
-        </p:txBody>
-      </p:sp>
-      <p:pic>
-        <p:nvPicPr>
-          <p:cNvPr descr="" id="121" name="Content Placeholder 5"/>
-          <p:cNvPicPr/>
-          <p:nvPr/>
-        </p:nvPicPr>
-        <p:blipFill>
-          <a:blip r:embed="rId1"/>
-          <a:stretch>
-            <a:fillRect/>
-          </a:stretch>
-        </p:blipFill>
-        <p:spPr>
-          <a:xfrm>
-            <a:off x="4648320" y="1776600"/>
-            <a:ext cx="4038120" cy="3252240"/>
-          </a:xfrm>
-          <a:prstGeom prst="rect">
-            <a:avLst/>
-          </a:prstGeom>
-        </p:spPr>
-      </p:pic>
-    </p:spTree>
-  </p:cSld>
-</p:sld>
-</file>
-
-<file path=ppt/slides/slide3.xml><?xml version="1.0" encoding="utf-8"?>
-<p:sld xmlns:a="http://schemas.openxmlformats.org/drawingml/2006/main" xmlns:p="http://schemas.openxmlformats.org/presentationml/2006/main" xmlns:r="http://schemas.openxmlformats.org/officeDocument/2006/relationships">
-  <p:cSld>
-    <p:spTree>
-      <p:nvGrpSpPr>
-        <p:cNvPr id="1" name=""/>
-        <p:cNvGrpSpPr/>
-        <p:nvPr/>
-      </p:nvGrpSpPr>
-      <p:grpSpPr>
-        <a:xfrm>
-          <a:off x="0" y="0"/>
-          <a:ext cx="0" cy="0"/>
-          <a:chOff x="0" y="0"/>
-          <a:chExt cx="0" cy="0"/>
-        </a:xfrm>
-      </p:grpSpPr>
-      <p:sp>
-        <p:nvSpPr>
-          <p:cNvPr id="122" name="TextShape 1"/>
-          <p:cNvSpPr txBox="1"/>
-          <p:nvPr/>
-        </p:nvSpPr>
-        <p:spPr>
-          <a:xfrm>
-            <a:off x="457200" y="274680"/>
-            <a:ext cx="8229240" cy="1142640"/>
-          </a:xfrm>
-          <a:prstGeom prst="rect">
-            <a:avLst/>
-          </a:prstGeom>
-        </p:spPr>
-        <p:txBody>
-          <a:bodyPr anchor="ctr"/>
-          <a:p>
-            <a:pPr algn="ctr">
-              <a:lnSpc>
-                <a:spcPct val="100000"/>
-              </a:lnSpc>
-            </a:pPr>
-            <a:r>
-              <a:rPr lang="en-US" sz="4400">
-                <a:solidFill>
-                  <a:srgbClr val="000000"/>
-                </a:solidFill>
-                <a:latin typeface="Calibri"/>
-              </a:rPr>
-              <a:t>Galaxy workflow sharing</a:t>
-            </a:r>
-            <a:endParaRPr/>
-          </a:p>
-        </p:txBody>
-      </p:sp>
-      <p:sp>
-        <p:nvSpPr>
-          <p:cNvPr id="123" name="TextShape 2"/>
-          <p:cNvSpPr txBox="1"/>
-          <p:nvPr/>
-        </p:nvSpPr>
-        <p:spPr>
-          <a:xfrm>
-            <a:off x="457200" y="1371600"/>
-            <a:ext cx="8305560" cy="1294920"/>
-          </a:xfrm>
-          <a:prstGeom prst="rect">
-            <a:avLst/>
-          </a:prstGeom>
-        </p:spPr>
-        <p:txBody>
-          <a:bodyPr/>
-          <a:p>
-            <a:pPr>
-              <a:lnSpc>
-                <a:spcPct val="100000"/>
-              </a:lnSpc>
-              <a:buFont typeface="Arial"/>
-              <a:buChar char="•"/>
-            </a:pPr>
-            <a:r>
-              <a:rPr lang="en-US" sz="2000">
-                <a:solidFill>
-                  <a:srgbClr val="000000"/>
-                </a:solidFill>
-                <a:latin typeface="Calibri"/>
-              </a:rPr>
-              <a:t>Galaxy, being web-based, hosts its own platform for workflow sharing</a:t>
-            </a:r>
-            <a:endParaRPr/>
-          </a:p>
-          <a:p>
-            <a:pPr>
-              <a:lnSpc>
-                <a:spcPct val="100000"/>
-              </a:lnSpc>
-              <a:buFont typeface="Arial"/>
-              <a:buChar char="•"/>
-            </a:pPr>
-            <a:r>
-              <a:rPr lang="en-US" sz="2000">
-                <a:solidFill>
-                  <a:srgbClr val="000000"/>
-                </a:solidFill>
-                <a:latin typeface="Calibri"/>
-              </a:rPr>
-              <a:t>Any history you have built up can be turned into a workflow and shared</a:t>
-            </a:r>
-            <a:endParaRPr/>
-          </a:p>
-          <a:p>
-            <a:pPr>
-              <a:lnSpc>
-                <a:spcPct val="100000"/>
-              </a:lnSpc>
-              <a:buFont typeface="Arial"/>
-              <a:buChar char="•"/>
-            </a:pPr>
-            <a:r>
-              <a:rPr lang="en-US" sz="2000">
-                <a:solidFill>
-                  <a:srgbClr val="000000"/>
-                </a:solidFill>
-                <a:latin typeface="Calibri"/>
-              </a:rPr>
-              <a:t>The URL for this workflow can be supplementary material to a publication</a:t>
-            </a:r>
-            <a:endParaRPr/>
-          </a:p>
-        </p:txBody>
-      </p:sp>
-      <p:pic>
-        <p:nvPicPr>
-          <p:cNvPr descr="" id="124" name="Content Placeholder 5"/>
-          <p:cNvPicPr/>
-          <p:nvPr/>
-        </p:nvPicPr>
-        <p:blipFill>
-          <a:blip r:embed="rId1"/>
-          <a:stretch>
-            <a:fillRect/>
-          </a:stretch>
-        </p:blipFill>
-        <p:spPr>
-          <a:xfrm>
-            <a:off x="1676520" y="2731680"/>
-            <a:ext cx="5790960" cy="3814560"/>
-          </a:xfrm>
-          <a:prstGeom prst="rect">
-            <a:avLst/>
-          </a:prstGeom>
-        </p:spPr>
-      </p:pic>
-    </p:spTree>
-  </p:cSld>
-</p:sld>
-</file>
-
-<file path=ppt/slides/slide4.xml><?xml version="1.0" encoding="utf-8"?>
-<p:sld xmlns:a="http://schemas.openxmlformats.org/drawingml/2006/main" xmlns:p="http://schemas.openxmlformats.org/presentationml/2006/main" xmlns:r="http://schemas.openxmlformats.org/officeDocument/2006/relationships">
-  <p:cSld>
-    <p:spTree>
-      <p:nvGrpSpPr>
-        <p:cNvPr id="1" name=""/>
-        <p:cNvGrpSpPr/>
-        <p:nvPr/>
-      </p:nvGrpSpPr>
-      <p:grpSpPr>
-        <a:xfrm>
-          <a:off x="0" y="0"/>
-          <a:ext cx="0" cy="0"/>
-          <a:chOff x="0" y="0"/>
-          <a:chExt cx="0" cy="0"/>
-        </a:xfrm>
-      </p:grpSpPr>
-      <p:sp>
-        <p:nvSpPr>
-          <p:cNvPr id="125" name="TextShape 1"/>
-          <p:cNvSpPr txBox="1"/>
-          <p:nvPr/>
-        </p:nvSpPr>
-        <p:spPr>
-          <a:xfrm>
-            <a:off x="457200" y="274680"/>
-            <a:ext cx="8229240" cy="1142640"/>
-          </a:xfrm>
-          <a:prstGeom prst="rect">
-            <a:avLst/>
-          </a:prstGeom>
-        </p:spPr>
-        <p:txBody>
-          <a:bodyPr anchor="ctr"/>
-          <a:p>
-            <a:pPr algn="ctr">
-              <a:lnSpc>
-                <a:spcPct val="100000"/>
-              </a:lnSpc>
-            </a:pPr>
-            <a:r>
-              <a:rPr lang="en-US" sz="4400">
-                <a:solidFill>
-                  <a:srgbClr val="000000"/>
-                </a:solidFill>
-                <a:latin typeface="Calibri"/>
-              </a:rPr>
-              <a:t>Example: metagenomics on windshield</a:t>
-            </a:r>
-            <a:endParaRPr/>
-          </a:p>
-        </p:txBody>
-      </p:sp>
-      <p:pic>
-        <p:nvPicPr>
-          <p:cNvPr descr="" id="126" name="Content Placeholder 6"/>
-          <p:cNvPicPr/>
-          <p:nvPr/>
-        </p:nvPicPr>
-        <p:blipFill>
-          <a:blip r:embed="rId1"/>
-          <a:stretch>
-            <a:fillRect/>
-          </a:stretch>
-        </p:blipFill>
-        <p:spPr>
-          <a:xfrm>
-            <a:off x="457200" y="1600200"/>
-            <a:ext cx="8229240" cy="4525560"/>
-          </a:xfrm>
-          <a:prstGeom prst="rect">
-            <a:avLst/>
-          </a:prstGeom>
-        </p:spPr>
-      </p:pic>
-    </p:spTree>
-  </p:cSld>
-</p:sld>
-</file>
-
-<file path=ppt/slides/slide5.xml><?xml version="1.0" encoding="utf-8"?>
-<p:sld xmlns:a="http://schemas.openxmlformats.org/drawingml/2006/main" xmlns:p="http://schemas.openxmlformats.org/presentationml/2006/main" xmlns:r="http://schemas.openxmlformats.org/officeDocument/2006/relationships">
-  <p:cSld>
-    <p:spTree>
-      <p:nvGrpSpPr>
-        <p:cNvPr id="1" name=""/>
-        <p:cNvGrpSpPr/>
-        <p:nvPr/>
-      </p:nvGrpSpPr>
-      <p:grpSpPr>
-        <a:xfrm>
-          <a:off x="0" y="0"/>
-          <a:ext cx="0" cy="0"/>
-          <a:chOff x="0" y="0"/>
-          <a:chExt cx="0" cy="0"/>
-        </a:xfrm>
-      </p:grpSpPr>
-      <p:sp>
-        <p:nvSpPr>
-          <p:cNvPr id="127" name="TextShape 1"/>
-          <p:cNvSpPr txBox="1"/>
-          <p:nvPr/>
-        </p:nvSpPr>
-        <p:spPr>
-          <a:xfrm>
-            <a:off x="457200" y="274680"/>
-            <a:ext cx="8229240" cy="1142640"/>
-          </a:xfrm>
-          <a:prstGeom prst="rect">
-            <a:avLst/>
-          </a:prstGeom>
-        </p:spPr>
-        <p:txBody>
-          <a:bodyPr anchor="ctr"/>
-          <a:p>
-            <a:pPr algn="ctr">
-              <a:lnSpc>
-                <a:spcPct val="100000"/>
-              </a:lnSpc>
-            </a:pPr>
-            <a:r>
-              <a:rPr lang="en-US" sz="4400">
-                <a:solidFill>
-                  <a:srgbClr val="000000"/>
-                </a:solidFill>
-                <a:latin typeface="Calibri"/>
-              </a:rPr>
-              <a:t>Example: metagenomics on windshield</a:t>
-            </a:r>
-            <a:endParaRPr/>
-          </a:p>
-        </p:txBody>
-      </p:sp>
-      <p:pic>
-        <p:nvPicPr>
-          <p:cNvPr descr="" id="128" name="Content Placeholder 7"/>
-          <p:cNvPicPr/>
-          <p:nvPr/>
-        </p:nvPicPr>
-        <p:blipFill>
-          <a:blip r:embed="rId1"/>
-          <a:stretch>
-            <a:fillRect/>
-          </a:stretch>
-        </p:blipFill>
-        <p:spPr>
-          <a:xfrm>
-            <a:off x="457200" y="1600200"/>
-            <a:ext cx="4038120" cy="4525560"/>
-          </a:xfrm>
-          <a:prstGeom prst="rect">
-            <a:avLst/>
-          </a:prstGeom>
-        </p:spPr>
-      </p:pic>
-      <p:pic>
-        <p:nvPicPr>
-          <p:cNvPr descr="" id="129" name="Content Placeholder 5"/>
-          <p:cNvPicPr/>
-          <p:nvPr/>
-        </p:nvPicPr>
-        <p:blipFill>
-          <a:blip r:embed="rId2"/>
-          <a:stretch>
-            <a:fillRect/>
-          </a:stretch>
-        </p:blipFill>
-        <p:spPr>
-          <a:xfrm>
-            <a:off x="5014080" y="1685880"/>
-            <a:ext cx="3263400" cy="4354200"/>
-          </a:xfrm>
-          <a:prstGeom prst="rect">
-            <a:avLst/>
-          </a:prstGeom>
-          <a:ln>
-            <a:solidFill>
-              <a:srgbClr val="bfbfbf"/>
-            </a:solidFill>
-          </a:ln>
-        </p:spPr>
-      </p:pic>
-    </p:spTree>
-  </p:cSld>
-</p:sld>
-</file>
-
-<file path=ppt/slides/slide6.xml><?xml version="1.0" encoding="utf-8"?>
-<p:sld xmlns:a="http://schemas.openxmlformats.org/drawingml/2006/main" xmlns:p="http://schemas.openxmlformats.org/presentationml/2006/main" xmlns:r="http://schemas.openxmlformats.org/officeDocument/2006/relationships">
-  <p:cSld>
-    <p:spTree>
-      <p:nvGrpSpPr>
-        <p:cNvPr id="1" name=""/>
-        <p:cNvGrpSpPr/>
-        <p:nvPr/>
-      </p:nvGrpSpPr>
-      <p:grpSpPr>
-        <a:xfrm>
-          <a:off x="0" y="0"/>
-          <a:ext cx="0" cy="0"/>
-          <a:chOff x="0" y="0"/>
-          <a:chExt cx="0" cy="0"/>
-        </a:xfrm>
-      </p:grpSpPr>
-      <p:sp>
-        <p:nvSpPr>
-          <p:cNvPr id="130" name="TextShape 1"/>
-          <p:cNvSpPr txBox="1"/>
-          <p:nvPr/>
-        </p:nvSpPr>
-        <p:spPr>
-          <a:xfrm>
-            <a:off x="457200" y="274680"/>
-            <a:ext cx="8229240" cy="1142640"/>
-          </a:xfrm>
-          <a:prstGeom prst="rect">
-            <a:avLst/>
-          </a:prstGeom>
-        </p:spPr>
-        <p:txBody>
-          <a:bodyPr anchor="ctr"/>
-          <a:p>
-            <a:pPr algn="ctr">
-              <a:lnSpc>
-                <a:spcPct val="100000"/>
-              </a:lnSpc>
-            </a:pPr>
-            <a:r>
-              <a:rPr lang="en-US" sz="4400">
-                <a:solidFill>
-                  <a:srgbClr val="000000"/>
-                </a:solidFill>
-                <a:latin typeface="Calibri"/>
-              </a:rPr>
-              <a:t>Exercise: run an existing workflow</a:t>
-            </a:r>
-            <a:endParaRPr/>
-          </a:p>
-        </p:txBody>
-      </p:sp>
-      <p:sp>
-        <p:nvSpPr>
-          <p:cNvPr id="131" name="TextShape 2"/>
-          <p:cNvSpPr txBox="1"/>
-          <p:nvPr/>
-        </p:nvSpPr>
-        <p:spPr>
-          <a:xfrm>
-            <a:off x="457200" y="1600200"/>
-            <a:ext cx="8229240" cy="4525560"/>
-          </a:xfrm>
-          <a:prstGeom prst="rect">
-            <a:avLst/>
-          </a:prstGeom>
-        </p:spPr>
-        <p:txBody>
-          <a:bodyPr/>
-          <a:p>
-            <a:pPr>
-              <a:lnSpc>
-                <a:spcPct val="100000"/>
-              </a:lnSpc>
-              <a:buFont typeface="Arial"/>
-              <a:buChar char="•"/>
-            </a:pPr>
-            <a:r>
-              <a:rPr lang="en-US" sz="3200">
-                <a:solidFill>
-                  <a:srgbClr val="000000"/>
-                </a:solidFill>
-                <a:latin typeface="Calibri"/>
-              </a:rPr>
-              <a:t>Log in on Galaxy "main"</a:t>
-            </a:r>
-            <a:endParaRPr/>
-          </a:p>
-          <a:p>
-            <a:pPr>
-              <a:lnSpc>
-                <a:spcPct val="100000"/>
-              </a:lnSpc>
-              <a:buFont typeface="Arial"/>
-              <a:buChar char="•"/>
-            </a:pPr>
-            <a:r>
-              <a:rPr lang="en-US" sz="3200">
-                <a:solidFill>
-                  <a:srgbClr val="000000"/>
-                </a:solidFill>
-                <a:latin typeface="Calibri"/>
-              </a:rPr>
-              <a:t>Go to </a:t>
-            </a:r>
-            <a:r>
-              <a:rPr lang="en-US" sz="3200">
-                <a:solidFill>
-                  <a:srgbClr val="0000ff"/>
-                </a:solidFill>
-                <a:latin typeface="Calibri"/>
-              </a:rPr>
-              <a:t>https://main.g2.bx.psu.edu/u/aun1/p/windshield-splatter</a:t>
-            </a:r>
-            <a:endParaRPr/>
-          </a:p>
-          <a:p>
-            <a:pPr>
-              <a:lnSpc>
-                <a:spcPct val="100000"/>
-              </a:lnSpc>
-              <a:buFont typeface="Arial"/>
-              <a:buChar char="•"/>
-            </a:pPr>
-            <a:r>
-              <a:rPr lang="en-US" sz="3200">
-                <a:solidFill>
-                  <a:srgbClr val="000000"/>
-                </a:solidFill>
-                <a:latin typeface="Calibri"/>
-              </a:rPr>
-              <a:t>Import 'Galaxy history | metagenomic analysis'</a:t>
-            </a:r>
-            <a:endParaRPr/>
-          </a:p>
-          <a:p>
-            <a:pPr>
-              <a:lnSpc>
-                <a:spcPct val="100000"/>
-              </a:lnSpc>
-              <a:buFont typeface="Arial"/>
-              <a:buChar char="•"/>
-            </a:pPr>
-            <a:r>
-              <a:rPr lang="en-US" sz="3200">
-                <a:solidFill>
-                  <a:srgbClr val="000000"/>
-                </a:solidFill>
-                <a:latin typeface="Calibri"/>
-              </a:rPr>
-              <a:t>Analyze the steps of the workflow:</a:t>
-            </a:r>
-            <a:endParaRPr/>
-          </a:p>
-          <a:p>
-            <a:pPr lvl="1">
-              <a:lnSpc>
-                <a:spcPct val="100000"/>
-              </a:lnSpc>
-              <a:buFont typeface="Arial"/>
-              <a:buChar char="–"/>
-            </a:pPr>
-            <a:r>
-              <a:rPr lang="en-US" sz="2800">
-                <a:solidFill>
-                  <a:srgbClr val="000000"/>
-                </a:solidFill>
-                <a:latin typeface="Calibri"/>
-              </a:rPr>
-              <a:t>What was the minimal phred score we accept in step 2?</a:t>
-            </a:r>
-            <a:endParaRPr/>
-          </a:p>
-          <a:p>
-            <a:pPr lvl="1">
-              <a:lnSpc>
-                <a:spcPct val="100000"/>
-              </a:lnSpc>
-              <a:buFont typeface="Arial"/>
-              <a:buChar char="–"/>
-            </a:pPr>
-            <a:r>
-              <a:rPr lang="en-US" sz="2800">
-                <a:solidFill>
-                  <a:srgbClr val="000000"/>
-                </a:solidFill>
-                <a:latin typeface="Calibri"/>
-              </a:rPr>
-              <a:t>Why would splitting on "low quality based in homopolymers" result in fragmentation in 454 runs?</a:t>
-            </a:r>
-            <a:endParaRPr/>
-          </a:p>
-          <a:p>
-            <a:pPr lvl="1">
-              <a:lnSpc>
-                <a:spcPct val="100000"/>
-              </a:lnSpc>
-              <a:buFont typeface="Arial"/>
-              <a:buChar char="–"/>
-            </a:pPr>
-            <a:r>
-              <a:rPr lang="en-US" sz="2800">
-                <a:solidFill>
-                  <a:srgbClr val="000000"/>
-                </a:solidFill>
-                <a:latin typeface="Calibri"/>
-              </a:rPr>
-              <a:t>Why was megablast run twice?</a:t>
-            </a:r>
-            <a:endParaRPr/>
-          </a:p>
-          <a:p>
-            <a:pPr lvl="1">
-              <a:lnSpc>
-                <a:spcPct val="100000"/>
-              </a:lnSpc>
-              <a:buFont typeface="Arial"/>
-              <a:buChar char="–"/>
-            </a:pPr>
-            <a:r>
-              <a:rPr lang="en-US" sz="2800">
-                <a:solidFill>
-                  <a:srgbClr val="000000"/>
-                </a:solidFill>
-                <a:latin typeface="Calibri"/>
-              </a:rPr>
-              <a:t>What is a "join" (in step 11)?</a:t>
-            </a:r>
-            <a:endParaRPr/>
-          </a:p>
-          <a:p>
-            <a:pPr lvl="1">
-              <a:lnSpc>
-                <a:spcPct val="100000"/>
-              </a:lnSpc>
-              <a:buFont typeface="Arial"/>
-              <a:buChar char="–"/>
-            </a:pPr>
-            <a:r>
-              <a:rPr lang="en-US" sz="2800">
-                <a:solidFill>
-                  <a:srgbClr val="000000"/>
-                </a:solidFill>
-                <a:latin typeface="Calibri"/>
-              </a:rPr>
-              <a:t>What do we filter on in step 12?</a:t>
-            </a:r>
-            <a:endParaRPr/>
-          </a:p>
-          <a:p>
-            <a:pPr lvl="1">
-              <a:lnSpc>
-                <a:spcPct val="100000"/>
-              </a:lnSpc>
-              <a:buFont typeface="Arial"/>
-              <a:buChar char="–"/>
-            </a:pPr>
-            <a:r>
-              <a:rPr lang="en-US" sz="2800">
-                <a:solidFill>
-                  <a:srgbClr val="000000"/>
-                </a:solidFill>
-                <a:latin typeface="Calibri"/>
-              </a:rPr>
-              <a:t>Based on step 16, is windshield splatter actually mostly insects?</a:t>
-            </a:r>
-            <a:endParaRPr/>
-          </a:p>
-        </p:txBody>
+            <a:ext cx="6396840" cy="1748520"/>
+          </a:xfrm>
+          <a:prstGeom prst="rect">
+            <a:avLst/>
+          </a:prstGeom>
+        </p:spPr>
       </p:sp>
     </p:spTree>
   </p:cSld>
@@ -5936,7 +4360,7 @@
 </p:sld>
 </file>
 
-<file path=ppt/slides/slide7.xml><?xml version="1.0" encoding="utf-8"?>
+<file path=ppt/slides/slide2.xml><?xml version="1.0" encoding="utf-8"?>
 <p:sld xmlns:a="http://schemas.openxmlformats.org/drawingml/2006/main" xmlns:p="http://schemas.openxmlformats.org/presentationml/2006/main" xmlns:r="http://schemas.openxmlformats.org/officeDocument/2006/relationships">
   <p:cSld>
     <p:spTree>
@@ -5955,78 +4379,66 @@
       </p:grpSpPr>
       <p:sp>
         <p:nvSpPr>
-          <p:cNvPr id="132" name="TextShape 1"/>
-          <p:cNvSpPr txBox="1"/>
+          <p:cNvPr id="110" name="CustomShape 1"/>
+          <p:cNvSpPr/>
           <p:nvPr/>
         </p:nvSpPr>
         <p:spPr>
           <a:xfrm>
-            <a:off x="457200" y="274680"/>
-            <a:ext cx="8229240" cy="1142640"/>
-          </a:xfrm>
-          <a:prstGeom prst="rect">
-            <a:avLst/>
-          </a:prstGeom>
-        </p:spPr>
-        <p:txBody>
-          <a:bodyPr anchor="ctr" bIns="0" lIns="0" rIns="0" tIns="0" wrap="none"/>
-          <a:p>
-            <a:endParaRPr/>
-          </a:p>
-        </p:txBody>
-      </p:sp>
-      <p:sp>
-        <p:nvSpPr>
-          <p:cNvPr id="133" name="TextShape 2"/>
-          <p:cNvSpPr txBox="1"/>
-          <p:nvPr/>
-        </p:nvSpPr>
-        <p:spPr>
-          <a:xfrm>
-            <a:off x="457560" y="1600560"/>
-            <a:ext cx="8229240" cy="4525560"/>
-          </a:xfrm>
-          <a:prstGeom prst="rect">
-            <a:avLst/>
-          </a:prstGeom>
-        </p:spPr>
-        <p:txBody>
-          <a:bodyPr/>
-          <a:p>
-            <a:pPr>
+            <a:off x="457560" y="275040"/>
+            <a:ext cx="8225640" cy="1139040"/>
+          </a:xfrm>
+          <a:prstGeom prst="rect">
+            <a:avLst/>
+          </a:prstGeom>
+        </p:spPr>
+        <p:txBody>
+          <a:bodyPr anchor="ctr" bIns="45000" lIns="90000" rIns="90000" tIns="45000"/>
+          <a:p>
+            <a:pPr algn="ctr">
               <a:lnSpc>
                 <a:spcPct val="100000"/>
               </a:lnSpc>
-              <a:buFont typeface="Arial"/>
-              <a:buChar char="•"/>
             </a:pPr>
             <a:r>
-              <a:rPr lang="en-US">
+              <a:rPr lang="en-US" sz="4400">
                 <a:solidFill>
                   <a:srgbClr val="000000"/>
                 </a:solidFill>
                 <a:latin typeface="Calibri"/>
               </a:rPr>
-              <a:t>Edit universe_wsgi.ini to uncomment tool_config_file</a:t>
+              <a:t>The Galaxy tool shed</a:t>
             </a:r>
             <a:endParaRPr/>
           </a:p>
+        </p:txBody>
+      </p:sp>
+      <p:sp>
+        <p:nvSpPr>
+          <p:cNvPr id="111" name="CustomShape 2"/>
+          <p:cNvSpPr/>
+          <p:nvPr/>
+        </p:nvSpPr>
+        <p:spPr>
+          <a:xfrm>
+            <a:off x="1225440" y="1850760"/>
+            <a:ext cx="3485160" cy="3524760"/>
+          </a:xfrm>
+          <a:prstGeom prst="rect">
+            <a:avLst/>
+          </a:prstGeom>
+        </p:spPr>
+        <p:txBody>
+          <a:bodyPr bIns="45000" lIns="90000" rIns="90000" tIns="45000"/>
           <a:p>
             <a:pPr>
               <a:lnSpc>
                 <a:spcPct val="100000"/>
               </a:lnSpc>
-              <a:buFont typeface="Arial"/>
-              <a:buChar char="•"/>
             </a:pPr>
             <a:r>
-              <a:rPr lang="en-US">
-                <a:solidFill>
-                  <a:srgbClr val="000000"/>
-                </a:solidFill>
-                <a:latin typeface="Calibri"/>
-              </a:rPr>
-              <a:t>(Restart galaxy)</a:t>
+              <a:rPr lang="en-US" sz="2200"/>
+              <a:t>Galaxy has very few tools by default (only simple text manipulation)</a:t>
             </a:r>
             <a:endParaRPr/>
           </a:p>
@@ -6035,18 +4447,7 @@
               <a:lnSpc>
                 <a:spcPct val="100000"/>
               </a:lnSpc>
-              <a:buFont typeface="Arial"/>
-              <a:buChar char="•"/>
             </a:pPr>
-            <a:r>
-              <a:rPr lang="en-US">
-                <a:solidFill>
-                  <a:srgbClr val="000000"/>
-                </a:solidFill>
-                <a:latin typeface="Calibri"/>
-              </a:rPr>
-              <a:t>Go into admin mode and select “Search and browse tool sheds” &gt; Galaxy main tool shed</a:t>
-            </a:r>
             <a:endParaRPr/>
           </a:p>
           <a:p>
@@ -6054,17 +4455,10 @@
               <a:lnSpc>
                 <a:spcPct val="100000"/>
               </a:lnSpc>
-              <a:buFont typeface="Arial"/>
-              <a:buChar char="•"/>
             </a:pPr>
             <a:r>
-              <a:rPr lang="en-US">
-                <a:solidFill>
-                  <a:srgbClr val="000000"/>
-                </a:solidFill>
-                <a:latin typeface="Calibri"/>
-              </a:rPr>
-              <a:t>Search for BWA, select the verified bwa_wrappers tool and install it under menu option NGS Mapping</a:t>
+              <a:rPr lang="en-US" sz="2200"/>
+              <a:t>For heavy number crunching it “wraps” around command-line tools (such as BWA)</a:t>
             </a:r>
             <a:endParaRPr/>
           </a:p>
@@ -6073,18 +4467,7 @@
               <a:lnSpc>
                 <a:spcPct val="100000"/>
               </a:lnSpc>
-              <a:buFont typeface="Arial"/>
-              <a:buChar char="•"/>
             </a:pPr>
-            <a:r>
-              <a:rPr lang="en-US">
-                <a:solidFill>
-                  <a:srgbClr val="000000"/>
-                </a:solidFill>
-                <a:latin typeface="Calibri"/>
-              </a:rPr>
-              <a:t>Import the data library you created in the previous session and import the data into your history</a:t>
-            </a:r>
             <a:endParaRPr/>
           </a:p>
           <a:p>
@@ -6092,22 +4475,37 @@
               <a:lnSpc>
                 <a:spcPct val="100000"/>
               </a:lnSpc>
-              <a:buFont typeface="Arial"/>
-              <a:buChar char="•"/>
             </a:pPr>
             <a:r>
-              <a:rPr lang="en-US">
-                <a:solidFill>
-                  <a:srgbClr val="000000"/>
-                </a:solidFill>
-                <a:latin typeface="Calibri"/>
-              </a:rPr>
-              <a:t>Go to NGS Mapping &gt; Map with BWA for Illumina and do a paired-end mapping of the FASTQ files against the reference FASTA</a:t>
+              <a:rPr lang="en-US" sz="2200"/>
+              <a:t>New wrappers can be downloaded and installed from the “tool shed”</a:t>
             </a:r>
             <a:endParaRPr/>
           </a:p>
         </p:txBody>
       </p:sp>
+      <p:pic>
+        <p:nvPicPr>
+          <p:cNvPr descr="" id="112" name=""/>
+          <p:cNvPicPr/>
+          <p:nvPr/>
+        </p:nvPicPr>
+        <p:blipFill>
+          <a:blip r:embed="rId1"/>
+          <a:stretch>
+            <a:fillRect/>
+          </a:stretch>
+        </p:blipFill>
+        <p:spPr>
+          <a:xfrm>
+            <a:off x="5249160" y="1955520"/>
+            <a:ext cx="2667240" cy="3965760"/>
+          </a:xfrm>
+          <a:prstGeom prst="rect">
+            <a:avLst/>
+          </a:prstGeom>
+        </p:spPr>
+      </p:pic>
     </p:spTree>
   </p:cSld>
   <p:timing>
@@ -6117,6 +4515,744 @@
           <p:childTnLst>
             <p:seq>
               <p:cTn id="4" nodeType="mainSeq">
+                <p:childTnLst/>
+              </p:cTn>
+              <p:prevCondLst>
+                <p:cond delay="0" evt="onPrev">
+                  <p:tgtEl>
+                    <p:sldTgt/>
+                  </p:tgtEl>
+                </p:cond>
+              </p:prevCondLst>
+              <p:nextCondLst>
+                <p:cond delay="0" evt="onNext">
+                  <p:tgtEl>
+                    <p:sldTgt/>
+                  </p:tgtEl>
+                </p:cond>
+              </p:nextCondLst>
+            </p:seq>
+          </p:childTnLst>
+        </p:cTn>
+      </p:par>
+    </p:tnLst>
+  </p:timing>
+</p:sld>
+</file>
+
+<file path=ppt/slides/slide3.xml><?xml version="1.0" encoding="utf-8"?>
+<p:sld xmlns:a="http://schemas.openxmlformats.org/drawingml/2006/main" xmlns:p="http://schemas.openxmlformats.org/presentationml/2006/main" xmlns:r="http://schemas.openxmlformats.org/officeDocument/2006/relationships">
+  <p:cSld>
+    <p:spTree>
+      <p:nvGrpSpPr>
+        <p:cNvPr id="1" name=""/>
+        <p:cNvGrpSpPr/>
+        <p:nvPr/>
+      </p:nvGrpSpPr>
+      <p:grpSpPr>
+        <a:xfrm>
+          <a:off x="0" y="0"/>
+          <a:ext cx="0" cy="0"/>
+          <a:chOff x="0" y="0"/>
+          <a:chExt cx="0" cy="0"/>
+        </a:xfrm>
+      </p:grpSpPr>
+      <p:sp>
+        <p:nvSpPr>
+          <p:cNvPr id="113" name="CustomShape 1"/>
+          <p:cNvSpPr/>
+          <p:nvPr/>
+        </p:nvSpPr>
+        <p:spPr>
+          <a:xfrm>
+            <a:off x="457200" y="274680"/>
+            <a:ext cx="8225640" cy="1139040"/>
+          </a:xfrm>
+          <a:prstGeom prst="rect">
+            <a:avLst/>
+          </a:prstGeom>
+        </p:spPr>
+      </p:sp>
+      <p:sp>
+        <p:nvSpPr>
+          <p:cNvPr id="114" name="CustomShape 2"/>
+          <p:cNvSpPr/>
+          <p:nvPr/>
+        </p:nvSpPr>
+        <p:spPr>
+          <a:xfrm>
+            <a:off x="1188720" y="1600560"/>
+            <a:ext cx="6763320" cy="4521960"/>
+          </a:xfrm>
+          <a:prstGeom prst="rect">
+            <a:avLst/>
+          </a:prstGeom>
+        </p:spPr>
+      </p:sp>
+      <p:sp>
+        <p:nvSpPr>
+          <p:cNvPr id="115" name="CustomShape 3"/>
+          <p:cNvSpPr/>
+          <p:nvPr/>
+        </p:nvSpPr>
+        <p:spPr>
+          <a:xfrm>
+            <a:off x="457200" y="275040"/>
+            <a:ext cx="8225640" cy="1139040"/>
+          </a:xfrm>
+          <a:prstGeom prst="rect">
+            <a:avLst/>
+          </a:prstGeom>
+        </p:spPr>
+        <p:txBody>
+          <a:bodyPr anchor="ctr" bIns="45000" lIns="90000" rIns="90000" tIns="45000"/>
+          <a:p>
+            <a:pPr algn="ctr">
+              <a:lnSpc>
+                <a:spcPct val="100000"/>
+              </a:lnSpc>
+            </a:pPr>
+            <a:r>
+              <a:rPr lang="en-US" sz="4400">
+                <a:solidFill>
+                  <a:srgbClr val="000000"/>
+                </a:solidFill>
+                <a:latin typeface="Calibri"/>
+              </a:rPr>
+              <a:t>Exercise: install a tool</a:t>
+            </a:r>
+            <a:endParaRPr/>
+          </a:p>
+        </p:txBody>
+      </p:sp>
+      <p:sp>
+        <p:nvSpPr>
+          <p:cNvPr id="116" name="CustomShape 4"/>
+          <p:cNvSpPr/>
+          <p:nvPr/>
+        </p:nvSpPr>
+        <p:spPr>
+          <a:xfrm>
+            <a:off x="1332720" y="1211040"/>
+            <a:ext cx="6763320" cy="1113120"/>
+          </a:xfrm>
+          <a:prstGeom prst="rect">
+            <a:avLst/>
+          </a:prstGeom>
+        </p:spPr>
+        <p:txBody>
+          <a:bodyPr bIns="45000" lIns="90000" rIns="90000" tIns="45000"/>
+          <a:p>
+            <a:pPr>
+              <a:lnSpc>
+                <a:spcPct val="100000"/>
+              </a:lnSpc>
+              <a:buSzPct val="45000"/>
+              <a:buFont typeface="StarSymbol"/>
+              <a:buChar char="l"/>
+            </a:pPr>
+            <a:r>
+              <a:rPr lang="en-US"/>
+              <a:t>Uncomment tool_config_file in universe_wsgi.ini</a:t>
+            </a:r>
+            <a:endParaRPr/>
+          </a:p>
+          <a:p>
+            <a:pPr>
+              <a:lnSpc>
+                <a:spcPct val="100000"/>
+              </a:lnSpc>
+              <a:buSzPct val="45000"/>
+              <a:buFont typeface="StarSymbol"/>
+              <a:buChar char="l"/>
+            </a:pPr>
+            <a:r>
+              <a:rPr lang="en-US"/>
+              <a:t>Go into admin mode and access the main tool shed</a:t>
+            </a:r>
+            <a:endParaRPr/>
+          </a:p>
+          <a:p>
+            <a:pPr>
+              <a:lnSpc>
+                <a:spcPct val="100000"/>
+              </a:lnSpc>
+              <a:buSzPct val="45000"/>
+              <a:buFont typeface="StarSymbol"/>
+              <a:buChar char="l"/>
+            </a:pPr>
+            <a:r>
+              <a:rPr lang="en-US"/>
+              <a:t>Search for BWA and select the verified wrapper</a:t>
+            </a:r>
+            <a:endParaRPr/>
+          </a:p>
+          <a:p>
+            <a:pPr>
+              <a:lnSpc>
+                <a:spcPct val="100000"/>
+              </a:lnSpc>
+              <a:buSzPct val="45000"/>
+              <a:buFont typeface="StarSymbol"/>
+              <a:buChar char="l"/>
+            </a:pPr>
+            <a:r>
+              <a:rPr lang="en-US"/>
+              <a:t>Install it as a menu option under NGS: Mapping</a:t>
+            </a:r>
+            <a:endParaRPr/>
+          </a:p>
+          <a:p>
+            <a:pPr>
+              <a:lnSpc>
+                <a:spcPct val="100000"/>
+              </a:lnSpc>
+              <a:buSzPct val="45000"/>
+              <a:buFont typeface="StarSymbol"/>
+              <a:buChar char="l"/>
+            </a:pPr>
+            <a:r>
+              <a:rPr lang="en-US"/>
+              <a:t>Verify that it shows up as a new option in the left-hand menu</a:t>
+            </a:r>
+            <a:endParaRPr/>
+          </a:p>
+        </p:txBody>
+      </p:sp>
+      <p:pic>
+        <p:nvPicPr>
+          <p:cNvPr descr="" id="117" name=""/>
+          <p:cNvPicPr/>
+          <p:nvPr/>
+        </p:nvPicPr>
+        <p:blipFill>
+          <a:blip r:embed="rId1"/>
+          <a:stretch>
+            <a:fillRect/>
+          </a:stretch>
+        </p:blipFill>
+        <p:spPr>
+          <a:xfrm>
+            <a:off x="2266560" y="2880360"/>
+            <a:ext cx="4425120" cy="2614320"/>
+          </a:xfrm>
+          <a:prstGeom prst="rect">
+            <a:avLst/>
+          </a:prstGeom>
+        </p:spPr>
+      </p:pic>
+    </p:spTree>
+  </p:cSld>
+  <p:timing>
+    <p:tnLst>
+      <p:par>
+        <p:cTn dur="indefinite" id="5" nodeType="tmRoot" restart="never">
+          <p:childTnLst>
+            <p:seq>
+              <p:cTn id="6" nodeType="mainSeq">
+                <p:childTnLst/>
+              </p:cTn>
+              <p:prevCondLst>
+                <p:cond delay="0" evt="onPrev">
+                  <p:tgtEl>
+                    <p:sldTgt/>
+                  </p:tgtEl>
+                </p:cond>
+              </p:prevCondLst>
+              <p:nextCondLst>
+                <p:cond delay="0" evt="onNext">
+                  <p:tgtEl>
+                    <p:sldTgt/>
+                  </p:tgtEl>
+                </p:cond>
+              </p:nextCondLst>
+            </p:seq>
+          </p:childTnLst>
+        </p:cTn>
+      </p:par>
+    </p:tnLst>
+  </p:timing>
+</p:sld>
+</file>
+
+<file path=ppt/slides/slide4.xml><?xml version="1.0" encoding="utf-8"?>
+<p:sld xmlns:a="http://schemas.openxmlformats.org/drawingml/2006/main" xmlns:p="http://schemas.openxmlformats.org/presentationml/2006/main" xmlns:r="http://schemas.openxmlformats.org/officeDocument/2006/relationships">
+  <p:cSld>
+    <p:spTree>
+      <p:nvGrpSpPr>
+        <p:cNvPr id="1" name=""/>
+        <p:cNvGrpSpPr/>
+        <p:nvPr/>
+      </p:nvGrpSpPr>
+      <p:grpSpPr>
+        <a:xfrm>
+          <a:off x="0" y="0"/>
+          <a:ext cx="0" cy="0"/>
+          <a:chOff x="0" y="0"/>
+          <a:chExt cx="0" cy="0"/>
+        </a:xfrm>
+      </p:grpSpPr>
+      <p:sp>
+        <p:nvSpPr>
+          <p:cNvPr id="118" name="CustomShape 1"/>
+          <p:cNvSpPr/>
+          <p:nvPr/>
+        </p:nvSpPr>
+        <p:spPr>
+          <a:xfrm>
+            <a:off x="1097280" y="1920240"/>
+            <a:ext cx="7129080" cy="3745800"/>
+          </a:xfrm>
+          <a:prstGeom prst="rect">
+            <a:avLst/>
+          </a:prstGeom>
+        </p:spPr>
+        <p:txBody>
+          <a:bodyPr bIns="45000" lIns="90000" rIns="90000" tIns="45000"/>
+          <a:p>
+            <a:pPr>
+              <a:lnSpc>
+                <a:spcPct val="100000"/>
+              </a:lnSpc>
+              <a:buSzPct val="45000"/>
+              <a:buFont typeface="StarSymbol"/>
+              <a:buChar char="l"/>
+            </a:pPr>
+            <a:r>
+              <a:rPr lang="en-US" sz="2200"/>
+              <a:t>Some Galaxy tools have their own “static” files inside the environment</a:t>
+            </a:r>
+            <a:endParaRPr/>
+          </a:p>
+          <a:p>
+            <a:pPr>
+              <a:lnSpc>
+                <a:spcPct val="100000"/>
+              </a:lnSpc>
+            </a:pPr>
+            <a:endParaRPr/>
+          </a:p>
+          <a:p>
+            <a:pPr>
+              <a:lnSpc>
+                <a:spcPct val="100000"/>
+              </a:lnSpc>
+              <a:buSzPct val="45000"/>
+              <a:buFont typeface="StarSymbol"/>
+              <a:buChar char="l"/>
+            </a:pPr>
+            <a:r>
+              <a:rPr lang="en-US" sz="2200"/>
+              <a:t>For example, BWA can have static reference genome indexes against which you would map multiple sets of reads</a:t>
+            </a:r>
+            <a:endParaRPr/>
+          </a:p>
+          <a:p>
+            <a:pPr>
+              <a:lnSpc>
+                <a:spcPct val="100000"/>
+              </a:lnSpc>
+            </a:pPr>
+            <a:endParaRPr/>
+          </a:p>
+          <a:p>
+            <a:pPr>
+              <a:lnSpc>
+                <a:spcPct val="100000"/>
+              </a:lnSpc>
+              <a:buSzPct val="45000"/>
+              <a:buFont typeface="StarSymbol"/>
+              <a:buChar char="l"/>
+            </a:pPr>
+            <a:r>
+              <a:rPr lang="en-US" sz="2200"/>
+              <a:t>These tool-specific data sets are configured in tab-delimited text files in /galaxy-dist/tool-data (e.g. bwa_index.loc)</a:t>
+            </a:r>
+            <a:endParaRPr/>
+          </a:p>
+        </p:txBody>
+      </p:sp>
+      <p:sp>
+        <p:nvSpPr>
+          <p:cNvPr id="119" name="CustomShape 2"/>
+          <p:cNvSpPr/>
+          <p:nvPr/>
+        </p:nvSpPr>
+        <p:spPr>
+          <a:xfrm>
+            <a:off x="457920" y="275040"/>
+            <a:ext cx="8225640" cy="1139040"/>
+          </a:xfrm>
+          <a:prstGeom prst="rect">
+            <a:avLst/>
+          </a:prstGeom>
+        </p:spPr>
+        <p:txBody>
+          <a:bodyPr anchor="ctr" bIns="45000" lIns="90000" rIns="90000" tIns="45000"/>
+          <a:p>
+            <a:pPr algn="ctr">
+              <a:lnSpc>
+                <a:spcPct val="100000"/>
+              </a:lnSpc>
+            </a:pPr>
+            <a:r>
+              <a:rPr lang="en-US" sz="4400">
+                <a:solidFill>
+                  <a:srgbClr val="000000"/>
+                </a:solidFill>
+                <a:latin typeface="Calibri"/>
+              </a:rPr>
+              <a:t>Galaxy tool data</a:t>
+            </a:r>
+            <a:endParaRPr/>
+          </a:p>
+        </p:txBody>
+      </p:sp>
+    </p:spTree>
+  </p:cSld>
+  <p:timing>
+    <p:tnLst>
+      <p:par>
+        <p:cTn dur="indefinite" id="7" nodeType="tmRoot" restart="never">
+          <p:childTnLst>
+            <p:seq>
+              <p:cTn id="8" nodeType="mainSeq">
+                <p:childTnLst/>
+              </p:cTn>
+              <p:prevCondLst>
+                <p:cond delay="0" evt="onPrev">
+                  <p:tgtEl>
+                    <p:sldTgt/>
+                  </p:tgtEl>
+                </p:cond>
+              </p:prevCondLst>
+              <p:nextCondLst>
+                <p:cond delay="0" evt="onNext">
+                  <p:tgtEl>
+                    <p:sldTgt/>
+                  </p:tgtEl>
+                </p:cond>
+              </p:nextCondLst>
+            </p:seq>
+          </p:childTnLst>
+        </p:cTn>
+      </p:par>
+    </p:tnLst>
+  </p:timing>
+</p:sld>
+</file>
+
+<file path=ppt/slides/slide5.xml><?xml version="1.0" encoding="utf-8"?>
+<p:sld xmlns:a="http://schemas.openxmlformats.org/drawingml/2006/main" xmlns:p="http://schemas.openxmlformats.org/presentationml/2006/main" xmlns:r="http://schemas.openxmlformats.org/officeDocument/2006/relationships">
+  <p:cSld>
+    <p:spTree>
+      <p:nvGrpSpPr>
+        <p:cNvPr id="1" name=""/>
+        <p:cNvGrpSpPr/>
+        <p:nvPr/>
+      </p:nvGrpSpPr>
+      <p:grpSpPr>
+        <a:xfrm>
+          <a:off x="0" y="0"/>
+          <a:ext cx="0" cy="0"/>
+          <a:chOff x="0" y="0"/>
+          <a:chExt cx="0" cy="0"/>
+        </a:xfrm>
+      </p:grpSpPr>
+      <p:sp>
+        <p:nvSpPr>
+          <p:cNvPr id="120" name="CustomShape 1"/>
+          <p:cNvSpPr/>
+          <p:nvPr/>
+        </p:nvSpPr>
+        <p:spPr>
+          <a:xfrm>
+            <a:off x="457200" y="1524240"/>
+            <a:ext cx="8226360" cy="3745800"/>
+          </a:xfrm>
+          <a:prstGeom prst="rect">
+            <a:avLst/>
+          </a:prstGeom>
+        </p:spPr>
+        <p:txBody>
+          <a:bodyPr bIns="45000" lIns="90000" rIns="90000" tIns="45000"/>
+          <a:p>
+            <a:pPr>
+              <a:lnSpc>
+                <a:spcPct val="100000"/>
+              </a:lnSpc>
+              <a:buSzPct val="45000"/>
+              <a:buFont typeface="StarSymbol"/>
+              <a:buChar char="l"/>
+            </a:pPr>
+            <a:r>
+              <a:rPr lang="en-US" sz="2000"/>
+              <a:t>Open /galaxy-dist/tool-data/bwa_index.loc in a text editor</a:t>
+            </a:r>
+            <a:endParaRPr/>
+          </a:p>
+          <a:p>
+            <a:pPr>
+              <a:lnSpc>
+                <a:spcPct val="100000"/>
+              </a:lnSpc>
+            </a:pPr>
+            <a:endParaRPr/>
+          </a:p>
+          <a:p>
+            <a:pPr>
+              <a:lnSpc>
+                <a:spcPct val="100000"/>
+              </a:lnSpc>
+              <a:buSzPct val="45000"/>
+              <a:buFont typeface="StarSymbol"/>
+              <a:buChar char="l"/>
+            </a:pPr>
+            <a:r>
+              <a:rPr lang="en-US" sz="2000"/>
+              <a:t>As you can see in the commented examples, every static index is an entry with four columns. The first two need to be IDs, the third needs to be a human readable description, and the fourth the path to the stem file name to which BWA index added various extensions. </a:t>
+            </a:r>
+            <a:endParaRPr/>
+          </a:p>
+          <a:p>
+            <a:pPr>
+              <a:lnSpc>
+                <a:spcPct val="100000"/>
+              </a:lnSpc>
+            </a:pPr>
+            <a:endParaRPr/>
+          </a:p>
+          <a:p>
+            <a:pPr>
+              <a:lnSpc>
+                <a:spcPct val="100000"/>
+              </a:lnSpc>
+              <a:buSzPct val="45000"/>
+              <a:buFont typeface="StarSymbol"/>
+              <a:buChar char="l"/>
+            </a:pPr>
+            <a:r>
+              <a:rPr lang="en-US" sz="2000"/>
+              <a:t>Edit the file to add a line with:</a:t>
+            </a:r>
+            <a:endParaRPr/>
+          </a:p>
+          <a:p>
+            <a:pPr lvl="1">
+              <a:lnSpc>
+                <a:spcPct val="100000"/>
+              </a:lnSpc>
+              <a:buSzPct val="45000"/>
+              <a:buFont typeface="StarSymbol"/>
+              <a:buChar char="l"/>
+            </a:pPr>
+            <a:r>
+              <a:rPr lang="en-US" sz="2000"/>
+              <a:t>ITAG2.3</a:t>
+            </a:r>
+            <a:endParaRPr/>
+          </a:p>
+          <a:p>
+            <a:pPr lvl="1">
+              <a:lnSpc>
+                <a:spcPct val="100000"/>
+              </a:lnSpc>
+              <a:buSzPct val="45000"/>
+              <a:buFont typeface="StarSymbol"/>
+              <a:buChar char="l"/>
+            </a:pPr>
+            <a:r>
+              <a:rPr lang="en-US" sz="2000"/>
+              <a:t>ITAG2.3</a:t>
+            </a:r>
+            <a:endParaRPr/>
+          </a:p>
+          <a:p>
+            <a:pPr lvl="1">
+              <a:lnSpc>
+                <a:spcPct val="100000"/>
+              </a:lnSpc>
+              <a:buSzPct val="45000"/>
+              <a:buFont typeface="StarSymbol"/>
+              <a:buChar char="l"/>
+            </a:pPr>
+            <a:r>
+              <a:rPr lang="en-US" sz="2000"/>
+              <a:t>International Tomato Annotation Group, reference genome 2.3</a:t>
+            </a:r>
+            <a:endParaRPr/>
+          </a:p>
+          <a:p>
+            <a:pPr lvl="1">
+              <a:lnSpc>
+                <a:spcPct val="100000"/>
+              </a:lnSpc>
+              <a:buSzPct val="45000"/>
+              <a:buFont typeface="StarSymbol"/>
+              <a:buChar char="l"/>
+            </a:pPr>
+            <a:r>
+              <a:rPr lang="en-US" sz="2000"/>
+              <a:t>/gsd/To_Participant/ARANGS13/indices/ITAG2_3_genomic.fasta.gz</a:t>
+            </a:r>
+            <a:endParaRPr/>
+          </a:p>
+        </p:txBody>
+      </p:sp>
+      <p:sp>
+        <p:nvSpPr>
+          <p:cNvPr id="121" name="CustomShape 2"/>
+          <p:cNvSpPr/>
+          <p:nvPr/>
+        </p:nvSpPr>
+        <p:spPr>
+          <a:xfrm>
+            <a:off x="457920" y="275400"/>
+            <a:ext cx="8225640" cy="1139040"/>
+          </a:xfrm>
+          <a:prstGeom prst="rect">
+            <a:avLst/>
+          </a:prstGeom>
+        </p:spPr>
+        <p:txBody>
+          <a:bodyPr anchor="ctr" bIns="45000" lIns="90000" rIns="90000" tIns="45000"/>
+          <a:p>
+            <a:pPr algn="ctr">
+              <a:lnSpc>
+                <a:spcPct val="100000"/>
+              </a:lnSpc>
+            </a:pPr>
+            <a:r>
+              <a:rPr lang="en-US" sz="4400">
+                <a:solidFill>
+                  <a:srgbClr val="000000"/>
+                </a:solidFill>
+                <a:latin typeface="Calibri"/>
+              </a:rPr>
+              <a:t>Exercise tool data</a:t>
+            </a:r>
+            <a:endParaRPr/>
+          </a:p>
+        </p:txBody>
+      </p:sp>
+    </p:spTree>
+  </p:cSld>
+  <p:timing>
+    <p:tnLst>
+      <p:par>
+        <p:cTn dur="indefinite" id="9" nodeType="tmRoot" restart="never">
+          <p:childTnLst>
+            <p:seq>
+              <p:cTn id="10" nodeType="mainSeq">
+                <p:childTnLst/>
+              </p:cTn>
+              <p:prevCondLst>
+                <p:cond delay="0" evt="onPrev">
+                  <p:tgtEl>
+                    <p:sldTgt/>
+                  </p:tgtEl>
+                </p:cond>
+              </p:prevCondLst>
+              <p:nextCondLst>
+                <p:cond delay="0" evt="onNext">
+                  <p:tgtEl>
+                    <p:sldTgt/>
+                  </p:tgtEl>
+                </p:cond>
+              </p:nextCondLst>
+            </p:seq>
+          </p:childTnLst>
+        </p:cTn>
+      </p:par>
+    </p:tnLst>
+  </p:timing>
+</p:sld>
+</file>
+
+<file path=ppt/slides/slide6.xml><?xml version="1.0" encoding="utf-8"?>
+<p:sld xmlns:a="http://schemas.openxmlformats.org/drawingml/2006/main" xmlns:p="http://schemas.openxmlformats.org/presentationml/2006/main" xmlns:r="http://schemas.openxmlformats.org/officeDocument/2006/relationships">
+  <p:cSld>
+    <p:spTree>
+      <p:nvGrpSpPr>
+        <p:cNvPr id="1" name=""/>
+        <p:cNvGrpSpPr/>
+        <p:nvPr/>
+      </p:nvGrpSpPr>
+      <p:grpSpPr>
+        <a:xfrm>
+          <a:off x="0" y="0"/>
+          <a:ext cx="0" cy="0"/>
+          <a:chOff x="0" y="0"/>
+          <a:chExt cx="0" cy="0"/>
+        </a:xfrm>
+      </p:grpSpPr>
+      <p:pic>
+        <p:nvPicPr>
+          <p:cNvPr descr="" id="122" name=""/>
+          <p:cNvPicPr/>
+          <p:nvPr/>
+        </p:nvPicPr>
+        <p:blipFill>
+          <a:blip r:embed="rId1"/>
+          <a:stretch>
+            <a:fillRect/>
+          </a:stretch>
+        </p:blipFill>
+        <p:spPr>
+          <a:xfrm>
+            <a:off x="444600" y="1366920"/>
+            <a:ext cx="8199000" cy="5126400"/>
+          </a:xfrm>
+          <a:prstGeom prst="rect">
+            <a:avLst/>
+          </a:prstGeom>
+        </p:spPr>
+      </p:pic>
+      <p:sp>
+        <p:nvSpPr>
+          <p:cNvPr id="123" name="CustomShape 1"/>
+          <p:cNvSpPr/>
+          <p:nvPr/>
+        </p:nvSpPr>
+        <p:spPr>
+          <a:xfrm>
+            <a:off x="458280" y="275400"/>
+            <a:ext cx="8225640" cy="1139040"/>
+          </a:xfrm>
+          <a:prstGeom prst="rect">
+            <a:avLst/>
+          </a:prstGeom>
+        </p:spPr>
+        <p:txBody>
+          <a:bodyPr anchor="ctr" bIns="45000" lIns="90000" rIns="90000" tIns="45000"/>
+          <a:p>
+            <a:pPr algn="ctr">
+              <a:lnSpc>
+                <a:spcPct val="100000"/>
+              </a:lnSpc>
+            </a:pPr>
+            <a:r>
+              <a:rPr lang="en-US" sz="4400">
+                <a:solidFill>
+                  <a:srgbClr val="000000"/>
+                </a:solidFill>
+                <a:latin typeface="Calibri"/>
+              </a:rPr>
+              <a:t>Example: BWA mapping</a:t>
+            </a:r>
+            <a:endParaRPr/>
+          </a:p>
+        </p:txBody>
+      </p:sp>
+    </p:spTree>
+  </p:cSld>
+  <p:timing>
+    <p:tnLst>
+      <p:par>
+        <p:cTn dur="indefinite" id="11" nodeType="tmRoot" restart="never">
+          <p:childTnLst>
+            <p:seq>
+              <p:cTn id="12" nodeType="mainSeq">
                 <p:childTnLst/>
               </p:cTn>
               <p:prevCondLst>

--- a/doc/slides/day4/session3/RunningWorkflows.pptx
+++ b/doc/slides/day4/session3/RunningWorkflows.pptx
@@ -16,6 +16,7 @@
     <p:sldId id="259" r:id="rId9"/>
     <p:sldId id="260" r:id="rId10"/>
     <p:sldId id="261" r:id="rId11"/>
+    <p:sldId id="262" r:id="rId12"/>
   </p:sldIdLst>
   <p:sldSz cx="9144000" cy="6858000"/>
   <p:notesSz cx="6858000" cy="9144000"/>
@@ -183,7 +184,7 @@
           <a:bodyPr anchor="b" bIns="0" lIns="0" rIns="0" tIns="0" wrap="none"/>
           <a:p>
             <a:pPr algn="r"/>
-            <a:fld id="{A11141E1-4171-41B1-A141-C1D161311161}" type="slidenum">
+            <a:fld id="{81D181D1-C191-41D1-B1C1-A1E111D11111}" type="slidenum">
               <a:rPr lang="en-US"/>
               <a:t>&lt;number&gt;</a:t>
             </a:fld>
@@ -216,7 +217,7 @@
       </p:grpSpPr>
       <p:sp>
         <p:nvSpPr>
-          <p:cNvPr id="124" name="PlaceHolder 1"/>
+          <p:cNvPr id="127" name="PlaceHolder 1"/>
           <p:cNvSpPr>
             <a:spLocks noGrp="1"/>
           </p:cNvSpPr>
@@ -227,7 +228,7 @@
         <p:spPr>
           <a:xfrm>
             <a:off x="0" y="0"/>
-            <a:ext cx="11793240" cy="11793240"/>
+            <a:ext cx="11792520" cy="11792520"/>
           </a:xfrm>
           <a:prstGeom prst="rect">
             <a:avLst/>
@@ -246,14 +247,14 @@
       </p:sp>
       <p:sp>
         <p:nvSpPr>
-          <p:cNvPr id="125" name="CustomShape 2"/>
+          <p:cNvPr id="128" name="CustomShape 2"/>
           <p:cNvSpPr/>
           <p:nvPr/>
         </p:nvSpPr>
         <p:spPr>
           <a:xfrm>
             <a:off x="0" y="0"/>
-            <a:ext cx="11793240" cy="11793240"/>
+            <a:ext cx="11792520" cy="11792520"/>
           </a:xfrm>
           <a:prstGeom prst="rect">
             <a:avLst/>
@@ -267,7 +268,7 @@
                 <a:spcPct val="100000"/>
               </a:lnSpc>
             </a:pPr>
-            <a:fld id="{B141C151-61E1-4141-8191-F181F141B181}" type="slidenum">
+            <a:fld id="{A171E151-61C1-4171-9101-5141F111D161}" type="slidenum">
               <a:rPr lang="en-US">
                 <a:solidFill>
                   <a:srgbClr val="000000"/>
@@ -338,7 +339,7 @@
         <p:spPr>
           <a:xfrm>
             <a:off x="457200" y="274680"/>
-            <a:ext cx="8225640" cy="1143000"/>
+            <a:ext cx="8224920" cy="1143000"/>
           </a:xfrm>
           <a:prstGeom prst="rect">
             <a:avLst/>
@@ -365,7 +366,7 @@
         <p:spPr>
           <a:xfrm>
             <a:off x="457200" y="1600200"/>
-            <a:ext cx="5040" cy="2156760"/>
+            <a:ext cx="360" cy="2156400"/>
           </a:xfrm>
           <a:prstGeom prst="rect">
             <a:avLst/>
@@ -390,8 +391,8 @@
         </p:nvSpPr>
         <p:spPr>
           <a:xfrm>
-            <a:off x="457200" y="3962160"/>
-            <a:ext cx="5040" cy="2156760"/>
+            <a:off x="457200" y="3961800"/>
+            <a:ext cx="360" cy="2156400"/>
           </a:xfrm>
           <a:prstGeom prst="rect">
             <a:avLst/>
@@ -439,7 +440,7 @@
         <p:spPr>
           <a:xfrm>
             <a:off x="457200" y="274680"/>
-            <a:ext cx="8225640" cy="1143000"/>
+            <a:ext cx="8224920" cy="1143000"/>
           </a:xfrm>
           <a:prstGeom prst="rect">
             <a:avLst/>
@@ -466,7 +467,7 @@
         <p:spPr>
           <a:xfrm>
             <a:off x="457200" y="1600200"/>
-            <a:ext cx="2160" cy="2156760"/>
+            <a:ext cx="-12254040" cy="2156400"/>
           </a:xfrm>
           <a:prstGeom prst="rect">
             <a:avLst/>
@@ -491,8 +492,8 @@
         </p:nvSpPr>
         <p:spPr>
           <a:xfrm>
-            <a:off x="459720" y="1600200"/>
-            <a:ext cx="2160" cy="2156760"/>
+            <a:off x="457200" y="1600200"/>
+            <a:ext cx="-12254040" cy="2156400"/>
           </a:xfrm>
           <a:prstGeom prst="rect">
             <a:avLst/>
@@ -517,8 +518,8 @@
         </p:nvSpPr>
         <p:spPr>
           <a:xfrm>
-            <a:off x="459720" y="3962160"/>
-            <a:ext cx="2160" cy="2156760"/>
+            <a:off x="457200" y="3961800"/>
+            <a:ext cx="-12254040" cy="2156400"/>
           </a:xfrm>
           <a:prstGeom prst="rect">
             <a:avLst/>
@@ -543,8 +544,8 @@
         </p:nvSpPr>
         <p:spPr>
           <a:xfrm>
-            <a:off x="457200" y="3962160"/>
-            <a:ext cx="2160" cy="2156760"/>
+            <a:off x="457200" y="3961800"/>
+            <a:ext cx="-12254040" cy="2156400"/>
           </a:xfrm>
           <a:prstGeom prst="rect">
             <a:avLst/>
@@ -592,7 +593,7 @@
         <p:spPr>
           <a:xfrm>
             <a:off x="457200" y="274680"/>
-            <a:ext cx="8225640" cy="1143000"/>
+            <a:ext cx="8224920" cy="1143000"/>
           </a:xfrm>
           <a:prstGeom prst="rect">
             <a:avLst/>
@@ -619,7 +620,7 @@
         <p:spPr>
           <a:xfrm>
             <a:off x="457200" y="1600200"/>
-            <a:ext cx="2160" cy="2156760"/>
+            <a:ext cx="-12254040" cy="2156400"/>
           </a:xfrm>
           <a:prstGeom prst="rect">
             <a:avLst/>
@@ -644,8 +645,8 @@
         </p:nvSpPr>
         <p:spPr>
           <a:xfrm>
-            <a:off x="459720" y="1600200"/>
-            <a:ext cx="2160" cy="2156760"/>
+            <a:off x="457200" y="1600200"/>
+            <a:ext cx="-12254040" cy="2156400"/>
           </a:xfrm>
           <a:prstGeom prst="rect">
             <a:avLst/>
@@ -715,7 +716,7 @@
         <p:spPr>
           <a:xfrm>
             <a:off x="457200" y="274680"/>
-            <a:ext cx="8225640" cy="1143000"/>
+            <a:ext cx="8224920" cy="1143000"/>
           </a:xfrm>
           <a:prstGeom prst="rect">
             <a:avLst/>
@@ -741,8 +742,8 @@
         </p:nvSpPr>
         <p:spPr>
           <a:xfrm>
-            <a:off x="457200" y="-12960"/>
-            <a:ext cx="5040" cy="7748280"/>
+            <a:off x="457200" y="-13320"/>
+            <a:ext cx="360" cy="7748280"/>
           </a:xfrm>
           <a:prstGeom prst="rect">
             <a:avLst/>
@@ -791,7 +792,7 @@
         <p:spPr>
           <a:xfrm>
             <a:off x="457200" y="274680"/>
-            <a:ext cx="8225640" cy="1143000"/>
+            <a:ext cx="8224920" cy="1143000"/>
           </a:xfrm>
           <a:prstGeom prst="rect">
             <a:avLst/>
@@ -818,7 +819,7 @@
         <p:spPr>
           <a:xfrm>
             <a:off x="457200" y="1600200"/>
-            <a:ext cx="5040" cy="4521960"/>
+            <a:ext cx="360" cy="4521240"/>
           </a:xfrm>
           <a:prstGeom prst="rect">
             <a:avLst/>
@@ -866,7 +867,7 @@
         <p:spPr>
           <a:xfrm>
             <a:off x="457200" y="274680"/>
-            <a:ext cx="8225640" cy="1143000"/>
+            <a:ext cx="8224920" cy="1143000"/>
           </a:xfrm>
           <a:prstGeom prst="rect">
             <a:avLst/>
@@ -893,7 +894,7 @@
         <p:spPr>
           <a:xfrm>
             <a:off x="457200" y="1600200"/>
-            <a:ext cx="2160" cy="4521960"/>
+            <a:ext cx="-12254040" cy="4521240"/>
           </a:xfrm>
           <a:prstGeom prst="rect">
             <a:avLst/>
@@ -918,8 +919,8 @@
         </p:nvSpPr>
         <p:spPr>
           <a:xfrm>
-            <a:off x="459720" y="1600200"/>
-            <a:ext cx="2160" cy="4521960"/>
+            <a:off x="457200" y="1600200"/>
+            <a:ext cx="-12254040" cy="4521240"/>
           </a:xfrm>
           <a:prstGeom prst="rect">
             <a:avLst/>
@@ -967,7 +968,7 @@
         <p:spPr>
           <a:xfrm>
             <a:off x="457200" y="274680"/>
-            <a:ext cx="8225640" cy="1143000"/>
+            <a:ext cx="8224920" cy="1143000"/>
           </a:xfrm>
           <a:prstGeom prst="rect">
             <a:avLst/>
@@ -1016,7 +1017,7 @@
         <p:spPr>
           <a:xfrm>
             <a:off x="457200" y="274680"/>
-            <a:ext cx="8225640" cy="5847480"/>
+            <a:ext cx="8224920" cy="5846760"/>
           </a:xfrm>
           <a:prstGeom prst="rect">
             <a:avLst/>
@@ -1065,7 +1066,7 @@
         <p:spPr>
           <a:xfrm>
             <a:off x="457200" y="274680"/>
-            <a:ext cx="8225640" cy="1143000"/>
+            <a:ext cx="8224920" cy="1143000"/>
           </a:xfrm>
           <a:prstGeom prst="rect">
             <a:avLst/>
@@ -1092,7 +1093,7 @@
         <p:spPr>
           <a:xfrm>
             <a:off x="457200" y="1600200"/>
-            <a:ext cx="2160" cy="2156760"/>
+            <a:ext cx="-12254040" cy="2156400"/>
           </a:xfrm>
           <a:prstGeom prst="rect">
             <a:avLst/>
@@ -1117,8 +1118,8 @@
         </p:nvSpPr>
         <p:spPr>
           <a:xfrm>
-            <a:off x="457200" y="3962160"/>
-            <a:ext cx="2160" cy="2156760"/>
+            <a:off x="457200" y="3961800"/>
+            <a:ext cx="-12254040" cy="2156400"/>
           </a:xfrm>
           <a:prstGeom prst="rect">
             <a:avLst/>
@@ -1143,8 +1144,8 @@
         </p:nvSpPr>
         <p:spPr>
           <a:xfrm>
-            <a:off x="459720" y="1600200"/>
-            <a:ext cx="2160" cy="4521960"/>
+            <a:off x="457200" y="1600200"/>
+            <a:ext cx="-12254040" cy="4521240"/>
           </a:xfrm>
           <a:prstGeom prst="rect">
             <a:avLst/>
@@ -1192,7 +1193,7 @@
         <p:spPr>
           <a:xfrm>
             <a:off x="457200" y="274680"/>
-            <a:ext cx="8225640" cy="1143000"/>
+            <a:ext cx="8224920" cy="1143000"/>
           </a:xfrm>
           <a:prstGeom prst="rect">
             <a:avLst/>
@@ -1218,8 +1219,8 @@
         </p:nvSpPr>
         <p:spPr>
           <a:xfrm>
-            <a:off x="457200" y="-12960"/>
-            <a:ext cx="5040" cy="7748280"/>
+            <a:off x="457200" y="-13320"/>
+            <a:ext cx="360" cy="7748280"/>
           </a:xfrm>
           <a:prstGeom prst="rect">
             <a:avLst/>
@@ -1268,7 +1269,7 @@
         <p:spPr>
           <a:xfrm>
             <a:off x="457200" y="274680"/>
-            <a:ext cx="8225640" cy="1143000"/>
+            <a:ext cx="8224920" cy="1143000"/>
           </a:xfrm>
           <a:prstGeom prst="rect">
             <a:avLst/>
@@ -1295,7 +1296,7 @@
         <p:spPr>
           <a:xfrm>
             <a:off x="457200" y="1600200"/>
-            <a:ext cx="2160" cy="4521960"/>
+            <a:ext cx="-12254040" cy="4521240"/>
           </a:xfrm>
           <a:prstGeom prst="rect">
             <a:avLst/>
@@ -1320,8 +1321,8 @@
         </p:nvSpPr>
         <p:spPr>
           <a:xfrm>
-            <a:off x="459720" y="1600200"/>
-            <a:ext cx="2160" cy="2156760"/>
+            <a:off x="457200" y="1600200"/>
+            <a:ext cx="-12254040" cy="2156400"/>
           </a:xfrm>
           <a:prstGeom prst="rect">
             <a:avLst/>
@@ -1346,8 +1347,8 @@
         </p:nvSpPr>
         <p:spPr>
           <a:xfrm>
-            <a:off x="459720" y="3962160"/>
-            <a:ext cx="2160" cy="2156760"/>
+            <a:off x="457200" y="3961800"/>
+            <a:ext cx="-12254040" cy="2156400"/>
           </a:xfrm>
           <a:prstGeom prst="rect">
             <a:avLst/>
@@ -1395,7 +1396,7 @@
         <p:spPr>
           <a:xfrm>
             <a:off x="457200" y="274680"/>
-            <a:ext cx="8225640" cy="1143000"/>
+            <a:ext cx="8224920" cy="1143000"/>
           </a:xfrm>
           <a:prstGeom prst="rect">
             <a:avLst/>
@@ -1422,7 +1423,7 @@
         <p:spPr>
           <a:xfrm>
             <a:off x="457200" y="1600200"/>
-            <a:ext cx="2160" cy="2156760"/>
+            <a:ext cx="-12254040" cy="2156400"/>
           </a:xfrm>
           <a:prstGeom prst="rect">
             <a:avLst/>
@@ -1447,8 +1448,8 @@
         </p:nvSpPr>
         <p:spPr>
           <a:xfrm>
-            <a:off x="459720" y="1600200"/>
-            <a:ext cx="2160" cy="2156760"/>
+            <a:off x="457200" y="1600200"/>
+            <a:ext cx="-12254040" cy="2156400"/>
           </a:xfrm>
           <a:prstGeom prst="rect">
             <a:avLst/>
@@ -1473,8 +1474,8 @@
         </p:nvSpPr>
         <p:spPr>
           <a:xfrm>
-            <a:off x="457200" y="3962160"/>
-            <a:ext cx="4680" cy="2156760"/>
+            <a:off x="457200" y="3961800"/>
+            <a:ext cx="-12254040" cy="2156400"/>
           </a:xfrm>
           <a:prstGeom prst="rect">
             <a:avLst/>
@@ -1522,7 +1523,7 @@
         <p:spPr>
           <a:xfrm>
             <a:off x="457200" y="274680"/>
-            <a:ext cx="8225640" cy="1143000"/>
+            <a:ext cx="8224920" cy="1143000"/>
           </a:xfrm>
           <a:prstGeom prst="rect">
             <a:avLst/>
@@ -1549,7 +1550,7 @@
         <p:spPr>
           <a:xfrm>
             <a:off x="457200" y="1600200"/>
-            <a:ext cx="5040" cy="2156760"/>
+            <a:ext cx="360" cy="2156400"/>
           </a:xfrm>
           <a:prstGeom prst="rect">
             <a:avLst/>
@@ -1574,8 +1575,8 @@
         </p:nvSpPr>
         <p:spPr>
           <a:xfrm>
-            <a:off x="457200" y="3962160"/>
-            <a:ext cx="5040" cy="2156760"/>
+            <a:off x="457200" y="3961800"/>
+            <a:ext cx="360" cy="2156400"/>
           </a:xfrm>
           <a:prstGeom prst="rect">
             <a:avLst/>
@@ -1623,7 +1624,7 @@
         <p:spPr>
           <a:xfrm>
             <a:off x="457200" y="274680"/>
-            <a:ext cx="8225640" cy="1143000"/>
+            <a:ext cx="8224920" cy="1143000"/>
           </a:xfrm>
           <a:prstGeom prst="rect">
             <a:avLst/>
@@ -1650,7 +1651,7 @@
         <p:spPr>
           <a:xfrm>
             <a:off x="457200" y="1600200"/>
-            <a:ext cx="2160" cy="2156760"/>
+            <a:ext cx="-12254040" cy="2156400"/>
           </a:xfrm>
           <a:prstGeom prst="rect">
             <a:avLst/>
@@ -1675,8 +1676,8 @@
         </p:nvSpPr>
         <p:spPr>
           <a:xfrm>
-            <a:off x="459720" y="1600200"/>
-            <a:ext cx="2160" cy="2156760"/>
+            <a:off x="457200" y="1600200"/>
+            <a:ext cx="-12254040" cy="2156400"/>
           </a:xfrm>
           <a:prstGeom prst="rect">
             <a:avLst/>
@@ -1701,8 +1702,8 @@
         </p:nvSpPr>
         <p:spPr>
           <a:xfrm>
-            <a:off x="459720" y="3962160"/>
-            <a:ext cx="2160" cy="2156760"/>
+            <a:off x="457200" y="3961800"/>
+            <a:ext cx="-12254040" cy="2156400"/>
           </a:xfrm>
           <a:prstGeom prst="rect">
             <a:avLst/>
@@ -1727,8 +1728,8 @@
         </p:nvSpPr>
         <p:spPr>
           <a:xfrm>
-            <a:off x="457200" y="3962160"/>
-            <a:ext cx="2160" cy="2156760"/>
+            <a:off x="457200" y="3961800"/>
+            <a:ext cx="-12254040" cy="2156400"/>
           </a:xfrm>
           <a:prstGeom prst="rect">
             <a:avLst/>
@@ -1776,7 +1777,7 @@
         <p:spPr>
           <a:xfrm>
             <a:off x="457200" y="274680"/>
-            <a:ext cx="8225640" cy="1143000"/>
+            <a:ext cx="8224920" cy="1143000"/>
           </a:xfrm>
           <a:prstGeom prst="rect">
             <a:avLst/>
@@ -1803,7 +1804,7 @@
         <p:spPr>
           <a:xfrm>
             <a:off x="457200" y="1600200"/>
-            <a:ext cx="2160" cy="2156760"/>
+            <a:ext cx="-12254040" cy="2156400"/>
           </a:xfrm>
           <a:prstGeom prst="rect">
             <a:avLst/>
@@ -1828,8 +1829,8 @@
         </p:nvSpPr>
         <p:spPr>
           <a:xfrm>
-            <a:off x="459720" y="1600200"/>
-            <a:ext cx="2160" cy="2156760"/>
+            <a:off x="457200" y="1600200"/>
+            <a:ext cx="-12254040" cy="2156400"/>
           </a:xfrm>
           <a:prstGeom prst="rect">
             <a:avLst/>
@@ -1899,7 +1900,7 @@
         <p:spPr>
           <a:xfrm>
             <a:off x="457200" y="274680"/>
-            <a:ext cx="8225640" cy="1143000"/>
+            <a:ext cx="8224920" cy="1143000"/>
           </a:xfrm>
           <a:prstGeom prst="rect">
             <a:avLst/>
@@ -1925,8 +1926,8 @@
         </p:nvSpPr>
         <p:spPr>
           <a:xfrm>
-            <a:off x="457200" y="-12960"/>
-            <a:ext cx="5040" cy="7748280"/>
+            <a:off x="457200" y="-13320"/>
+            <a:ext cx="360" cy="7748280"/>
           </a:xfrm>
           <a:prstGeom prst="rect">
             <a:avLst/>
@@ -1975,7 +1976,7 @@
         <p:spPr>
           <a:xfrm>
             <a:off x="457200" y="274680"/>
-            <a:ext cx="8225640" cy="1143000"/>
+            <a:ext cx="8224920" cy="1143000"/>
           </a:xfrm>
           <a:prstGeom prst="rect">
             <a:avLst/>
@@ -2002,7 +2003,7 @@
         <p:spPr>
           <a:xfrm>
             <a:off x="457200" y="1600200"/>
-            <a:ext cx="5040" cy="4521960"/>
+            <a:ext cx="360" cy="4521240"/>
           </a:xfrm>
           <a:prstGeom prst="rect">
             <a:avLst/>
@@ -2050,7 +2051,7 @@
         <p:spPr>
           <a:xfrm>
             <a:off x="457200" y="274680"/>
-            <a:ext cx="8225640" cy="1143000"/>
+            <a:ext cx="8224920" cy="1143000"/>
           </a:xfrm>
           <a:prstGeom prst="rect">
             <a:avLst/>
@@ -2077,7 +2078,7 @@
         <p:spPr>
           <a:xfrm>
             <a:off x="457200" y="1600200"/>
-            <a:ext cx="2160" cy="4521960"/>
+            <a:ext cx="-12254040" cy="4521240"/>
           </a:xfrm>
           <a:prstGeom prst="rect">
             <a:avLst/>
@@ -2102,8 +2103,8 @@
         </p:nvSpPr>
         <p:spPr>
           <a:xfrm>
-            <a:off x="459720" y="1600200"/>
-            <a:ext cx="2160" cy="4521960"/>
+            <a:off x="457200" y="1600200"/>
+            <a:ext cx="-12254040" cy="4521240"/>
           </a:xfrm>
           <a:prstGeom prst="rect">
             <a:avLst/>
@@ -2151,7 +2152,7 @@
         <p:spPr>
           <a:xfrm>
             <a:off x="457200" y="274680"/>
-            <a:ext cx="8225640" cy="1143000"/>
+            <a:ext cx="8224920" cy="1143000"/>
           </a:xfrm>
           <a:prstGeom prst="rect">
             <a:avLst/>
@@ -2200,7 +2201,7 @@
         <p:spPr>
           <a:xfrm>
             <a:off x="457200" y="274680"/>
-            <a:ext cx="8225640" cy="1143000"/>
+            <a:ext cx="8224920" cy="1143000"/>
           </a:xfrm>
           <a:prstGeom prst="rect">
             <a:avLst/>
@@ -2227,7 +2228,7 @@
         <p:spPr>
           <a:xfrm>
             <a:off x="457200" y="1600200"/>
-            <a:ext cx="5040" cy="4521960"/>
+            <a:ext cx="360" cy="4521240"/>
           </a:xfrm>
           <a:prstGeom prst="rect">
             <a:avLst/>
@@ -2275,7 +2276,7 @@
         <p:spPr>
           <a:xfrm>
             <a:off x="457200" y="274680"/>
-            <a:ext cx="8225640" cy="5847480"/>
+            <a:ext cx="8224920" cy="5846760"/>
           </a:xfrm>
           <a:prstGeom prst="rect">
             <a:avLst/>
@@ -2324,7 +2325,7 @@
         <p:spPr>
           <a:xfrm>
             <a:off x="457200" y="274680"/>
-            <a:ext cx="8225640" cy="1143000"/>
+            <a:ext cx="8224920" cy="1143000"/>
           </a:xfrm>
           <a:prstGeom prst="rect">
             <a:avLst/>
@@ -2351,7 +2352,7 @@
         <p:spPr>
           <a:xfrm>
             <a:off x="457200" y="1600200"/>
-            <a:ext cx="2160" cy="2156760"/>
+            <a:ext cx="-12254040" cy="2156400"/>
           </a:xfrm>
           <a:prstGeom prst="rect">
             <a:avLst/>
@@ -2376,8 +2377,8 @@
         </p:nvSpPr>
         <p:spPr>
           <a:xfrm>
-            <a:off x="457200" y="3962160"/>
-            <a:ext cx="2160" cy="2156760"/>
+            <a:off x="457200" y="3961800"/>
+            <a:ext cx="-12254040" cy="2156400"/>
           </a:xfrm>
           <a:prstGeom prst="rect">
             <a:avLst/>
@@ -2402,8 +2403,8 @@
         </p:nvSpPr>
         <p:spPr>
           <a:xfrm>
-            <a:off x="459720" y="1600200"/>
-            <a:ext cx="2160" cy="4521960"/>
+            <a:off x="457200" y="1600200"/>
+            <a:ext cx="-12254040" cy="4521240"/>
           </a:xfrm>
           <a:prstGeom prst="rect">
             <a:avLst/>
@@ -2451,7 +2452,7 @@
         <p:spPr>
           <a:xfrm>
             <a:off x="457200" y="274680"/>
-            <a:ext cx="8225640" cy="1143000"/>
+            <a:ext cx="8224920" cy="1143000"/>
           </a:xfrm>
           <a:prstGeom prst="rect">
             <a:avLst/>
@@ -2478,7 +2479,7 @@
         <p:spPr>
           <a:xfrm>
             <a:off x="457200" y="1600200"/>
-            <a:ext cx="2160" cy="4521960"/>
+            <a:ext cx="-12254040" cy="4521240"/>
           </a:xfrm>
           <a:prstGeom prst="rect">
             <a:avLst/>
@@ -2503,8 +2504,8 @@
         </p:nvSpPr>
         <p:spPr>
           <a:xfrm>
-            <a:off x="459720" y="1600200"/>
-            <a:ext cx="2160" cy="2156760"/>
+            <a:off x="457200" y="1600200"/>
+            <a:ext cx="-12254040" cy="2156400"/>
           </a:xfrm>
           <a:prstGeom prst="rect">
             <a:avLst/>
@@ -2529,8 +2530,8 @@
         </p:nvSpPr>
         <p:spPr>
           <a:xfrm>
-            <a:off x="459720" y="3962160"/>
-            <a:ext cx="2160" cy="2156760"/>
+            <a:off x="457200" y="3961800"/>
+            <a:ext cx="-12254040" cy="2156400"/>
           </a:xfrm>
           <a:prstGeom prst="rect">
             <a:avLst/>
@@ -2578,7 +2579,7 @@
         <p:spPr>
           <a:xfrm>
             <a:off x="457200" y="274680"/>
-            <a:ext cx="8225640" cy="1143000"/>
+            <a:ext cx="8224920" cy="1143000"/>
           </a:xfrm>
           <a:prstGeom prst="rect">
             <a:avLst/>
@@ -2605,7 +2606,7 @@
         <p:spPr>
           <a:xfrm>
             <a:off x="457200" y="1600200"/>
-            <a:ext cx="2160" cy="2156760"/>
+            <a:ext cx="-12254040" cy="2156400"/>
           </a:xfrm>
           <a:prstGeom prst="rect">
             <a:avLst/>
@@ -2630,8 +2631,8 @@
         </p:nvSpPr>
         <p:spPr>
           <a:xfrm>
-            <a:off x="459720" y="1600200"/>
-            <a:ext cx="2160" cy="2156760"/>
+            <a:off x="457200" y="1600200"/>
+            <a:ext cx="-12254040" cy="2156400"/>
           </a:xfrm>
           <a:prstGeom prst="rect">
             <a:avLst/>
@@ -2656,8 +2657,8 @@
         </p:nvSpPr>
         <p:spPr>
           <a:xfrm>
-            <a:off x="457200" y="3962160"/>
-            <a:ext cx="4680" cy="2156760"/>
+            <a:off x="457200" y="3961800"/>
+            <a:ext cx="-12254040" cy="2156400"/>
           </a:xfrm>
           <a:prstGeom prst="rect">
             <a:avLst/>
@@ -2705,7 +2706,7 @@
         <p:spPr>
           <a:xfrm>
             <a:off x="457200" y="274680"/>
-            <a:ext cx="8225640" cy="1143000"/>
+            <a:ext cx="8224920" cy="1143000"/>
           </a:xfrm>
           <a:prstGeom prst="rect">
             <a:avLst/>
@@ -2732,7 +2733,7 @@
         <p:spPr>
           <a:xfrm>
             <a:off x="457200" y="1600200"/>
-            <a:ext cx="5040" cy="2156760"/>
+            <a:ext cx="360" cy="2156400"/>
           </a:xfrm>
           <a:prstGeom prst="rect">
             <a:avLst/>
@@ -2757,8 +2758,8 @@
         </p:nvSpPr>
         <p:spPr>
           <a:xfrm>
-            <a:off x="457200" y="3962160"/>
-            <a:ext cx="5040" cy="2156760"/>
+            <a:off x="457200" y="3961800"/>
+            <a:ext cx="360" cy="2156400"/>
           </a:xfrm>
           <a:prstGeom prst="rect">
             <a:avLst/>
@@ -2806,7 +2807,7 @@
         <p:spPr>
           <a:xfrm>
             <a:off x="457200" y="274680"/>
-            <a:ext cx="8225640" cy="1143000"/>
+            <a:ext cx="8224920" cy="1143000"/>
           </a:xfrm>
           <a:prstGeom prst="rect">
             <a:avLst/>
@@ -2833,7 +2834,7 @@
         <p:spPr>
           <a:xfrm>
             <a:off x="457200" y="1600200"/>
-            <a:ext cx="2160" cy="2156760"/>
+            <a:ext cx="-12254040" cy="2156400"/>
           </a:xfrm>
           <a:prstGeom prst="rect">
             <a:avLst/>
@@ -2858,8 +2859,8 @@
         </p:nvSpPr>
         <p:spPr>
           <a:xfrm>
-            <a:off x="459720" y="1600200"/>
-            <a:ext cx="2160" cy="2156760"/>
+            <a:off x="457200" y="1600200"/>
+            <a:ext cx="-12254040" cy="2156400"/>
           </a:xfrm>
           <a:prstGeom prst="rect">
             <a:avLst/>
@@ -2884,8 +2885,8 @@
         </p:nvSpPr>
         <p:spPr>
           <a:xfrm>
-            <a:off x="459720" y="3962160"/>
-            <a:ext cx="2160" cy="2156760"/>
+            <a:off x="457200" y="3961800"/>
+            <a:ext cx="-12254040" cy="2156400"/>
           </a:xfrm>
           <a:prstGeom prst="rect">
             <a:avLst/>
@@ -2910,8 +2911,8 @@
         </p:nvSpPr>
         <p:spPr>
           <a:xfrm>
-            <a:off x="457200" y="3962160"/>
-            <a:ext cx="2160" cy="2156760"/>
+            <a:off x="457200" y="3961800"/>
+            <a:ext cx="-12254040" cy="2156400"/>
           </a:xfrm>
           <a:prstGeom prst="rect">
             <a:avLst/>
@@ -2959,7 +2960,7 @@
         <p:spPr>
           <a:xfrm>
             <a:off x="457200" y="274680"/>
-            <a:ext cx="8225640" cy="1143000"/>
+            <a:ext cx="8224920" cy="1143000"/>
           </a:xfrm>
           <a:prstGeom prst="rect">
             <a:avLst/>
@@ -2986,7 +2987,7 @@
         <p:spPr>
           <a:xfrm>
             <a:off x="457200" y="1600200"/>
-            <a:ext cx="2160" cy="2156760"/>
+            <a:ext cx="-12254040" cy="2156400"/>
           </a:xfrm>
           <a:prstGeom prst="rect">
             <a:avLst/>
@@ -3011,8 +3012,8 @@
         </p:nvSpPr>
         <p:spPr>
           <a:xfrm>
-            <a:off x="459720" y="1600200"/>
-            <a:ext cx="2160" cy="2156760"/>
+            <a:off x="457200" y="1600200"/>
+            <a:ext cx="-12254040" cy="2156400"/>
           </a:xfrm>
           <a:prstGeom prst="rect">
             <a:avLst/>
@@ -3060,7 +3061,7 @@
         <p:spPr>
           <a:xfrm>
             <a:off x="457200" y="274680"/>
-            <a:ext cx="8225640" cy="1143000"/>
+            <a:ext cx="8224920" cy="1143000"/>
           </a:xfrm>
           <a:prstGeom prst="rect">
             <a:avLst/>
@@ -3087,7 +3088,7 @@
         <p:spPr>
           <a:xfrm>
             <a:off x="457200" y="1600200"/>
-            <a:ext cx="2160" cy="4521960"/>
+            <a:ext cx="-12254040" cy="4521240"/>
           </a:xfrm>
           <a:prstGeom prst="rect">
             <a:avLst/>
@@ -3112,8 +3113,8 @@
         </p:nvSpPr>
         <p:spPr>
           <a:xfrm>
-            <a:off x="459720" y="1600200"/>
-            <a:ext cx="2160" cy="4521960"/>
+            <a:off x="457200" y="1600200"/>
+            <a:ext cx="-12254040" cy="4521240"/>
           </a:xfrm>
           <a:prstGeom prst="rect">
             <a:avLst/>
@@ -3161,7 +3162,7 @@
         <p:spPr>
           <a:xfrm>
             <a:off x="457200" y="274680"/>
-            <a:ext cx="8225640" cy="1143000"/>
+            <a:ext cx="8224920" cy="1143000"/>
           </a:xfrm>
           <a:prstGeom prst="rect">
             <a:avLst/>
@@ -3210,7 +3211,7 @@
         <p:spPr>
           <a:xfrm>
             <a:off x="457200" y="274680"/>
-            <a:ext cx="8225640" cy="5847480"/>
+            <a:ext cx="8224920" cy="5846760"/>
           </a:xfrm>
           <a:prstGeom prst="rect">
             <a:avLst/>
@@ -3259,7 +3260,7 @@
         <p:spPr>
           <a:xfrm>
             <a:off x="457200" y="274680"/>
-            <a:ext cx="8225640" cy="1143000"/>
+            <a:ext cx="8224920" cy="1143000"/>
           </a:xfrm>
           <a:prstGeom prst="rect">
             <a:avLst/>
@@ -3286,7 +3287,7 @@
         <p:spPr>
           <a:xfrm>
             <a:off x="457200" y="1600200"/>
-            <a:ext cx="2160" cy="2156760"/>
+            <a:ext cx="-12254040" cy="2156400"/>
           </a:xfrm>
           <a:prstGeom prst="rect">
             <a:avLst/>
@@ -3311,8 +3312,8 @@
         </p:nvSpPr>
         <p:spPr>
           <a:xfrm>
-            <a:off x="457200" y="3962160"/>
-            <a:ext cx="2160" cy="2156760"/>
+            <a:off x="457200" y="3961800"/>
+            <a:ext cx="-12254040" cy="2156400"/>
           </a:xfrm>
           <a:prstGeom prst="rect">
             <a:avLst/>
@@ -3337,8 +3338,8 @@
         </p:nvSpPr>
         <p:spPr>
           <a:xfrm>
-            <a:off x="459720" y="1600200"/>
-            <a:ext cx="2160" cy="4521960"/>
+            <a:off x="457200" y="1600200"/>
+            <a:ext cx="-12254040" cy="4521240"/>
           </a:xfrm>
           <a:prstGeom prst="rect">
             <a:avLst/>
@@ -3386,7 +3387,7 @@
         <p:spPr>
           <a:xfrm>
             <a:off x="457200" y="274680"/>
-            <a:ext cx="8225640" cy="1143000"/>
+            <a:ext cx="8224920" cy="1143000"/>
           </a:xfrm>
           <a:prstGeom prst="rect">
             <a:avLst/>
@@ -3413,7 +3414,7 @@
         <p:spPr>
           <a:xfrm>
             <a:off x="457200" y="1600200"/>
-            <a:ext cx="2160" cy="4521960"/>
+            <a:ext cx="-12254040" cy="4521240"/>
           </a:xfrm>
           <a:prstGeom prst="rect">
             <a:avLst/>
@@ -3438,8 +3439,8 @@
         </p:nvSpPr>
         <p:spPr>
           <a:xfrm>
-            <a:off x="459720" y="1600200"/>
-            <a:ext cx="2160" cy="2156760"/>
+            <a:off x="457200" y="1600200"/>
+            <a:ext cx="-12254040" cy="2156400"/>
           </a:xfrm>
           <a:prstGeom prst="rect">
             <a:avLst/>
@@ -3464,8 +3465,8 @@
         </p:nvSpPr>
         <p:spPr>
           <a:xfrm>
-            <a:off x="459720" y="3962160"/>
-            <a:ext cx="2160" cy="2156760"/>
+            <a:off x="457200" y="3961800"/>
+            <a:ext cx="-12254040" cy="2156400"/>
           </a:xfrm>
           <a:prstGeom prst="rect">
             <a:avLst/>
@@ -3513,7 +3514,7 @@
         <p:spPr>
           <a:xfrm>
             <a:off x="457200" y="274680"/>
-            <a:ext cx="8225640" cy="1143000"/>
+            <a:ext cx="8224920" cy="1143000"/>
           </a:xfrm>
           <a:prstGeom prst="rect">
             <a:avLst/>
@@ -3540,7 +3541,7 @@
         <p:spPr>
           <a:xfrm>
             <a:off x="457200" y="1600200"/>
-            <a:ext cx="2160" cy="2156760"/>
+            <a:ext cx="-12254040" cy="2156400"/>
           </a:xfrm>
           <a:prstGeom prst="rect">
             <a:avLst/>
@@ -3565,8 +3566,8 @@
         </p:nvSpPr>
         <p:spPr>
           <a:xfrm>
-            <a:off x="459720" y="1600200"/>
-            <a:ext cx="2160" cy="2156760"/>
+            <a:off x="457200" y="1600200"/>
+            <a:ext cx="-12254040" cy="2156400"/>
           </a:xfrm>
           <a:prstGeom prst="rect">
             <a:avLst/>
@@ -3591,8 +3592,8 @@
         </p:nvSpPr>
         <p:spPr>
           <a:xfrm>
-            <a:off x="457200" y="3962160"/>
-            <a:ext cx="4680" cy="2156760"/>
+            <a:off x="457200" y="3961800"/>
+            <a:ext cx="-12254040" cy="2156400"/>
           </a:xfrm>
           <a:prstGeom prst="rect">
             <a:avLst/>
@@ -3829,7 +3830,7 @@
         <p:spPr>
           <a:xfrm>
             <a:off x="457200" y="274680"/>
-            <a:ext cx="8225640" cy="1142640"/>
+            <a:ext cx="8224920" cy="1142640"/>
           </a:xfrm>
           <a:prstGeom prst="rect">
             <a:avLst/>
@@ -3864,7 +3865,7 @@
         <p:spPr>
           <a:xfrm>
             <a:off x="457200" y="1600200"/>
-            <a:ext cx="5040" cy="4521960"/>
+            <a:ext cx="360" cy="4521240"/>
           </a:xfrm>
           <a:prstGeom prst="rect">
             <a:avLst/>
@@ -3965,8 +3966,8 @@
         </p:nvSpPr>
         <p:spPr>
           <a:xfrm>
-            <a:off x="462960" y="1600200"/>
-            <a:ext cx="5040" cy="4521960"/>
+            <a:off x="457920" y="1600200"/>
+            <a:ext cx="360" cy="4521240"/>
           </a:xfrm>
           <a:prstGeom prst="rect">
             <a:avLst/>
@@ -4283,7 +4284,7 @@
         <p:spPr>
           <a:xfrm>
             <a:off x="685800" y="2130480"/>
-            <a:ext cx="7768440" cy="1465920"/>
+            <a:ext cx="7767720" cy="1465200"/>
           </a:xfrm>
           <a:prstGeom prst="rect">
             <a:avLst/>
@@ -4319,7 +4320,7 @@
         <p:spPr>
           <a:xfrm>
             <a:off x="1371600" y="3886200"/>
-            <a:ext cx="6396840" cy="1748520"/>
+            <a:ext cx="6396120" cy="1747800"/>
           </a:xfrm>
           <a:prstGeom prst="rect">
             <a:avLst/>
@@ -4386,7 +4387,7 @@
         <p:spPr>
           <a:xfrm>
             <a:off x="457560" y="275040"/>
-            <a:ext cx="8225640" cy="1139040"/>
+            <a:ext cx="8224920" cy="1138320"/>
           </a:xfrm>
           <a:prstGeom prst="rect">
             <a:avLst/>
@@ -4422,7 +4423,7 @@
         <p:spPr>
           <a:xfrm>
             <a:off x="1225440" y="1850760"/>
-            <a:ext cx="3485160" cy="3524760"/>
+            <a:ext cx="3484440" cy="3524040"/>
           </a:xfrm>
           <a:prstGeom prst="rect">
             <a:avLst/>
@@ -4499,7 +4500,7 @@
         <p:spPr>
           <a:xfrm>
             <a:off x="5249160" y="1955520"/>
-            <a:ext cx="2667240" cy="3965760"/>
+            <a:ext cx="2666520" cy="3965040"/>
           </a:xfrm>
           <a:prstGeom prst="rect">
             <a:avLst/>
@@ -4566,7 +4567,7 @@
         <p:spPr>
           <a:xfrm>
             <a:off x="457200" y="274680"/>
-            <a:ext cx="8225640" cy="1139040"/>
+            <a:ext cx="8224920" cy="1138320"/>
           </a:xfrm>
           <a:prstGeom prst="rect">
             <a:avLst/>
@@ -4582,7 +4583,7 @@
         <p:spPr>
           <a:xfrm>
             <a:off x="1188720" y="1600560"/>
-            <a:ext cx="6763320" cy="4521960"/>
+            <a:ext cx="6762600" cy="4521240"/>
           </a:xfrm>
           <a:prstGeom prst="rect">
             <a:avLst/>
@@ -4598,7 +4599,7 @@
         <p:spPr>
           <a:xfrm>
             <a:off x="457200" y="275040"/>
-            <a:ext cx="8225640" cy="1139040"/>
+            <a:ext cx="8224920" cy="1138320"/>
           </a:xfrm>
           <a:prstGeom prst="rect">
             <a:avLst/>
@@ -4634,7 +4635,7 @@
         <p:spPr>
           <a:xfrm>
             <a:off x="1332720" y="1211040"/>
-            <a:ext cx="6763320" cy="1113120"/>
+            <a:ext cx="6762600" cy="1112400"/>
           </a:xfrm>
           <a:prstGeom prst="rect">
             <a:avLst/>
@@ -4734,7 +4735,7 @@
         <p:spPr>
           <a:xfrm>
             <a:off x="2266560" y="2880360"/>
-            <a:ext cx="4425120" cy="2614320"/>
+            <a:ext cx="4424400" cy="2613600"/>
           </a:xfrm>
           <a:prstGeom prst="rect">
             <a:avLst/>
@@ -4801,7 +4802,7 @@
         <p:spPr>
           <a:xfrm>
             <a:off x="1097280" y="1920240"/>
-            <a:ext cx="7129080" cy="3745800"/>
+            <a:ext cx="7128360" cy="3745080"/>
           </a:xfrm>
           <a:prstGeom prst="rect">
             <a:avLst/>
@@ -4881,7 +4882,7 @@
         <p:spPr>
           <a:xfrm>
             <a:off x="457920" y="275040"/>
-            <a:ext cx="8225640" cy="1139040"/>
+            <a:ext cx="8224920" cy="1138320"/>
           </a:xfrm>
           <a:prstGeom prst="rect">
             <a:avLst/>
@@ -4968,7 +4969,7 @@
         <p:spPr>
           <a:xfrm>
             <a:off x="457200" y="1524240"/>
-            <a:ext cx="8226360" cy="3745800"/>
+            <a:ext cx="8225640" cy="3745080"/>
           </a:xfrm>
           <a:prstGeom prst="rect">
             <a:avLst/>
@@ -5108,7 +5109,7 @@
         <p:spPr>
           <a:xfrm>
             <a:off x="457920" y="275400"/>
-            <a:ext cx="8225640" cy="1139040"/>
+            <a:ext cx="8224920" cy="1138320"/>
           </a:xfrm>
           <a:prstGeom prst="rect">
             <a:avLst/>
@@ -5201,7 +5202,7 @@
         <p:spPr>
           <a:xfrm>
             <a:off x="444600" y="1366920"/>
-            <a:ext cx="8199000" cy="5126400"/>
+            <a:ext cx="8198280" cy="5125680"/>
           </a:xfrm>
           <a:prstGeom prst="rect">
             <a:avLst/>
@@ -5217,7 +5218,7 @@
         <p:spPr>
           <a:xfrm>
             <a:off x="458280" y="275400"/>
-            <a:ext cx="8225640" cy="1139040"/>
+            <a:ext cx="8224920" cy="1138320"/>
           </a:xfrm>
           <a:prstGeom prst="rect">
             <a:avLst/>
@@ -5253,6 +5254,141 @@
           <p:childTnLst>
             <p:seq>
               <p:cTn id="12" nodeType="mainSeq">
+                <p:childTnLst/>
+              </p:cTn>
+              <p:prevCondLst>
+                <p:cond delay="0" evt="onPrev">
+                  <p:tgtEl>
+                    <p:sldTgt/>
+                  </p:tgtEl>
+                </p:cond>
+              </p:prevCondLst>
+              <p:nextCondLst>
+                <p:cond delay="0" evt="onNext">
+                  <p:tgtEl>
+                    <p:sldTgt/>
+                  </p:tgtEl>
+                </p:cond>
+              </p:nextCondLst>
+            </p:seq>
+          </p:childTnLst>
+        </p:cTn>
+      </p:par>
+    </p:tnLst>
+  </p:timing>
+</p:sld>
+</file>
+
+<file path=ppt/slides/slide7.xml><?xml version="1.0" encoding="utf-8"?>
+<p:sld xmlns:a="http://schemas.openxmlformats.org/drawingml/2006/main" xmlns:p="http://schemas.openxmlformats.org/presentationml/2006/main" xmlns:r="http://schemas.openxmlformats.org/officeDocument/2006/relationships">
+  <p:cSld>
+    <p:spTree>
+      <p:nvGrpSpPr>
+        <p:cNvPr id="1" name=""/>
+        <p:cNvGrpSpPr/>
+        <p:nvPr/>
+      </p:nvGrpSpPr>
+      <p:grpSpPr>
+        <a:xfrm>
+          <a:off x="0" y="0"/>
+          <a:ext cx="0" cy="0"/>
+          <a:chOff x="0" y="0"/>
+          <a:chExt cx="0" cy="0"/>
+        </a:xfrm>
+      </p:grpSpPr>
+      <p:pic>
+        <p:nvPicPr>
+          <p:cNvPr descr="" id="124" name=""/>
+          <p:cNvPicPr/>
+          <p:nvPr/>
+        </p:nvPicPr>
+        <p:blipFill>
+          <a:blip r:embed="rId1"/>
+          <a:stretch>
+            <a:fillRect/>
+          </a:stretch>
+        </p:blipFill>
+        <p:spPr>
+          <a:xfrm>
+            <a:off x="1672200" y="1280160"/>
+            <a:ext cx="5623200" cy="4626360"/>
+          </a:xfrm>
+          <a:prstGeom prst="rect">
+            <a:avLst/>
+          </a:prstGeom>
+        </p:spPr>
+      </p:pic>
+      <p:sp>
+        <p:nvSpPr>
+          <p:cNvPr id="125" name="CustomShape 1"/>
+          <p:cNvSpPr/>
+          <p:nvPr/>
+        </p:nvSpPr>
+        <p:spPr>
+          <a:xfrm>
+            <a:off x="2501280" y="6007680"/>
+            <a:ext cx="4240440" cy="345960"/>
+          </a:xfrm>
+          <a:prstGeom prst="rect">
+            <a:avLst/>
+          </a:prstGeom>
+        </p:spPr>
+        <p:txBody>
+          <a:bodyPr bIns="45000" lIns="90000" rIns="90000" tIns="45000" wrap="none"/>
+          <a:p>
+            <a:r>
+              <a:rPr lang="en-US"/>
+              <a:t>http://192.168.7.41:8080/u/rutger/w/map</a:t>
+            </a:r>
+            <a:endParaRPr/>
+          </a:p>
+        </p:txBody>
+      </p:sp>
+      <p:sp>
+        <p:nvSpPr>
+          <p:cNvPr id="126" name="CustomShape 2"/>
+          <p:cNvSpPr/>
+          <p:nvPr/>
+        </p:nvSpPr>
+        <p:spPr>
+          <a:xfrm>
+            <a:off x="458640" y="275400"/>
+            <a:ext cx="8224920" cy="1138320"/>
+          </a:xfrm>
+          <a:prstGeom prst="rect">
+            <a:avLst/>
+          </a:prstGeom>
+        </p:spPr>
+        <p:txBody>
+          <a:bodyPr anchor="ctr" bIns="45000" lIns="90000" rIns="90000" tIns="45000"/>
+          <a:p>
+            <a:pPr algn="ctr">
+              <a:lnSpc>
+                <a:spcPct val="100000"/>
+              </a:lnSpc>
+            </a:pPr>
+            <a:r>
+              <a:rPr lang="en-US" sz="4400">
+                <a:solidFill>
+                  <a:srgbClr val="000000"/>
+                </a:solidFill>
+                <a:latin typeface="Calibri"/>
+              </a:rPr>
+              <a:t>Workflow sharing</a:t>
+            </a:r>
+            <a:endParaRPr/>
+          </a:p>
+        </p:txBody>
+      </p:sp>
+    </p:spTree>
+  </p:cSld>
+  <p:timing>
+    <p:tnLst>
+      <p:par>
+        <p:cTn dur="indefinite" id="13" nodeType="tmRoot" restart="never">
+          <p:childTnLst>
+            <p:seq>
+              <p:cTn id="14" nodeType="mainSeq">
                 <p:childTnLst/>
               </p:cTn>
               <p:prevCondLst>
